--- a/Presentation1.pptx
+++ b/Presentation1.pptx
@@ -3639,10 +3639,16 @@
         </p:nvSpPr>
         <p:spPr/>
         <p:txBody>
-          <a:bodyPr/>
-          <a:lstStyle/>
-          <a:p>
-            <a:endParaRPr lang="en-KE"/>
+          <a:bodyPr>
+            <a:noAutofit/>
+          </a:bodyPr>
+          <a:lstStyle/>
+          <a:p>
+            <a:pPr algn="ctr"/>
+            <a:r>
+              <a:rPr lang="en-KE" sz="4800" b="1" dirty="0"/>
+              <a:t>ANALYSIS OF TRAFFIC ACCIDENTS CAUSES, INSIGHTS AND RECOMMENDATIONS</a:t>
+            </a:r>
           </a:p>
         </p:txBody>
       </p:sp>
@@ -3667,7 +3673,7 @@
           <a:bodyPr/>
           <a:lstStyle/>
           <a:p>
-            <a:endParaRPr lang="en-KE"/>
+            <a:endParaRPr lang="en-KE" dirty="0"/>
           </a:p>
         </p:txBody>
       </p:sp>
@@ -3722,7 +3728,10 @@
           <a:bodyPr/>
           <a:lstStyle/>
           <a:p>
-            <a:endParaRPr lang="en-KE"/>
+            <a:r>
+              <a:rPr lang="en-KE" dirty="0"/>
+              <a:t>Introduction</a:t>
+            </a:r>
           </a:p>
         </p:txBody>
       </p:sp>
@@ -3747,7 +3756,16 @@
           <a:bodyPr/>
           <a:lstStyle/>
           <a:p>
-            <a:endParaRPr lang="en-KE"/>
+            <a:r>
+              <a:rPr lang="en-KE" dirty="0"/>
+              <a:t>Problem Statement: </a:t>
+            </a:r>
+          </a:p>
+          <a:p>
+            <a:r>
+              <a:rPr lang="en-KE"/>
+              <a:t>Objective: </a:t>
+            </a:r>
           </a:p>
         </p:txBody>
       </p:sp>

--- a/Presentation1.pptx
+++ b/Presentation1.pptx
@@ -3753,19 +3753,39 @@
         </p:nvSpPr>
         <p:spPr/>
         <p:txBody>
-          <a:bodyPr/>
-          <a:lstStyle/>
-          <a:p>
-            <a:r>
-              <a:rPr lang="en-KE" dirty="0"/>
-              <a:t>Problem Statement: </a:t>
-            </a:r>
-          </a:p>
-          <a:p>
-            <a:r>
-              <a:rPr lang="en-KE"/>
+          <a:bodyPr>
+            <a:normAutofit/>
+          </a:bodyPr>
+          <a:lstStyle/>
+          <a:p>
+            <a:r>
+              <a:rPr lang="en-KE" sz="2400" dirty="0"/>
+              <a:t>Problem Statement:  </a:t>
+            </a:r>
+            <a:r>
+              <a:rPr lang="en-GB" sz="2400" dirty="0"/>
+              <a:t>The City of Chicago faces serious road safety issues due to frequent traffic accidents, prompting a need to </a:t>
+            </a:r>
+            <a:r>
+              <a:rPr lang="en-GB" sz="2400" dirty="0" err="1"/>
+              <a:t>analyze</a:t>
+            </a:r>
+            <a:r>
+              <a:rPr lang="en-GB" sz="2400" dirty="0"/>
+              <a:t> crash data to identify their main causes and develop targeted solutions to improve safety for residents.</a:t>
+            </a:r>
+            <a:endParaRPr lang="en-KE" sz="2400" dirty="0"/>
+          </a:p>
+          <a:p>
+            <a:r>
+              <a:rPr lang="en-KE" sz="2400" dirty="0"/>
               <a:t>Objective: </a:t>
             </a:r>
+            <a:r>
+              <a:rPr lang="en-GB" sz="2400" dirty="0"/>
+              <a:t>Determine the main factors behind traffic accidents and provide practical recommendations for their prevention.</a:t>
+            </a:r>
+            <a:endParaRPr lang="en-KE" sz="2400" dirty="0"/>
           </a:p>
         </p:txBody>
       </p:sp>

--- a/Presentation1.pptx
+++ b/Presentation1.pptx
@@ -7,6 +7,8 @@
   <p:sldIdLst>
     <p:sldId id="256" r:id="rId2"/>
     <p:sldId id="257" r:id="rId3"/>
+    <p:sldId id="258" r:id="rId4"/>
+    <p:sldId id="259" r:id="rId5"/>
   </p:sldIdLst>
   <p:sldSz cx="12192000" cy="6858000"/>
   <p:notesSz cx="6858000" cy="9144000"/>
@@ -3802,6 +3804,205 @@
 </p:sld>
 </file>
 
+<file path=ppt/slides/slide3.xml><?xml version="1.0" encoding="utf-8"?>
+<p:sld xmlns:a="http://schemas.openxmlformats.org/drawingml/2006/main" xmlns:r="http://schemas.openxmlformats.org/officeDocument/2006/relationships" xmlns:p="http://schemas.openxmlformats.org/presentationml/2006/main">
+  <p:cSld>
+    <p:spTree>
+      <p:nvGrpSpPr>
+        <p:cNvPr id="1" name=""/>
+        <p:cNvGrpSpPr/>
+        <p:nvPr/>
+      </p:nvGrpSpPr>
+      <p:grpSpPr>
+        <a:xfrm>
+          <a:off x="0" y="0"/>
+          <a:ext cx="0" cy="0"/>
+          <a:chOff x="0" y="0"/>
+          <a:chExt cx="0" cy="0"/>
+        </a:xfrm>
+      </p:grpSpPr>
+      <p:sp>
+        <p:nvSpPr>
+          <p:cNvPr id="2" name="Title 1">
+            <a:extLst>
+              <a:ext uri="{FF2B5EF4-FFF2-40B4-BE49-F238E27FC236}">
+                <a16:creationId xmlns:a16="http://schemas.microsoft.com/office/drawing/2014/main" id="{A9F2538A-5D57-E989-333A-090D1D6B0530}"/>
+              </a:ext>
+            </a:extLst>
+          </p:cNvPr>
+          <p:cNvSpPr>
+            <a:spLocks noGrp="1"/>
+          </p:cNvSpPr>
+          <p:nvPr>
+            <p:ph type="title"/>
+          </p:nvPr>
+        </p:nvSpPr>
+        <p:spPr/>
+        <p:txBody>
+          <a:bodyPr/>
+          <a:lstStyle/>
+          <a:p>
+            <a:r>
+              <a:rPr lang="en-KE" dirty="0"/>
+              <a:t>Data preparation</a:t>
+            </a:r>
+          </a:p>
+        </p:txBody>
+      </p:sp>
+      <p:sp>
+        <p:nvSpPr>
+          <p:cNvPr id="3" name="Content Placeholder 2">
+            <a:extLst>
+              <a:ext uri="{FF2B5EF4-FFF2-40B4-BE49-F238E27FC236}">
+                <a16:creationId xmlns:a16="http://schemas.microsoft.com/office/drawing/2014/main" id="{7E256C45-28DA-CA03-1DCF-D3F2CAED4452}"/>
+              </a:ext>
+            </a:extLst>
+          </p:cNvPr>
+          <p:cNvSpPr>
+            <a:spLocks noGrp="1"/>
+          </p:cNvSpPr>
+          <p:nvPr>
+            <p:ph idx="1"/>
+          </p:nvPr>
+        </p:nvSpPr>
+        <p:spPr/>
+        <p:txBody>
+          <a:bodyPr>
+            <a:normAutofit fontScale="92500"/>
+          </a:bodyPr>
+          <a:lstStyle/>
+          <a:p>
+            <a:pPr>
+              <a:lnSpc>
+                <a:spcPct val="200000"/>
+              </a:lnSpc>
+            </a:pPr>
+            <a:r>
+              <a:rPr lang="en-GB" sz="2400" dirty="0"/>
+              <a:t>Addressed missing data through imputation or column removal, </a:t>
+            </a:r>
+          </a:p>
+          <a:p>
+            <a:pPr>
+              <a:lnSpc>
+                <a:spcPct val="200000"/>
+              </a:lnSpc>
+            </a:pPr>
+            <a:r>
+              <a:rPr lang="en-GB" sz="2400" dirty="0"/>
+              <a:t>Engineered cyclical and interaction features for time-related complexity, and </a:t>
+            </a:r>
+          </a:p>
+          <a:p>
+            <a:pPr>
+              <a:lnSpc>
+                <a:spcPct val="200000"/>
+              </a:lnSpc>
+            </a:pPr>
+            <a:r>
+              <a:rPr lang="en-GB" sz="2400" dirty="0"/>
+              <a:t>Grouped rare causes into an "Other" category to optimize model performance.</a:t>
+            </a:r>
+            <a:endParaRPr lang="en-KE" sz="2400" dirty="0"/>
+          </a:p>
+        </p:txBody>
+      </p:sp>
+    </p:spTree>
+    <p:extLst>
+      <p:ext uri="{BB962C8B-B14F-4D97-AF65-F5344CB8AC3E}">
+        <p14:creationId xmlns:p14="http://schemas.microsoft.com/office/powerpoint/2010/main" val="2391971659"/>
+      </p:ext>
+    </p:extLst>
+  </p:cSld>
+  <p:clrMapOvr>
+    <a:masterClrMapping/>
+  </p:clrMapOvr>
+</p:sld>
+</file>
+
+<file path=ppt/slides/slide4.xml><?xml version="1.0" encoding="utf-8"?>
+<p:sld xmlns:a="http://schemas.openxmlformats.org/drawingml/2006/main" xmlns:r="http://schemas.openxmlformats.org/officeDocument/2006/relationships" xmlns:p="http://schemas.openxmlformats.org/presentationml/2006/main">
+  <p:cSld>
+    <p:spTree>
+      <p:nvGrpSpPr>
+        <p:cNvPr id="1" name=""/>
+        <p:cNvGrpSpPr/>
+        <p:nvPr/>
+      </p:nvGrpSpPr>
+      <p:grpSpPr>
+        <a:xfrm>
+          <a:off x="0" y="0"/>
+          <a:ext cx="0" cy="0"/>
+          <a:chOff x="0" y="0"/>
+          <a:chExt cx="0" cy="0"/>
+        </a:xfrm>
+      </p:grpSpPr>
+      <p:sp>
+        <p:nvSpPr>
+          <p:cNvPr id="2" name="Title 1">
+            <a:extLst>
+              <a:ext uri="{FF2B5EF4-FFF2-40B4-BE49-F238E27FC236}">
+                <a16:creationId xmlns:a16="http://schemas.microsoft.com/office/drawing/2014/main" id="{95949481-7E69-88A9-94C1-E490398EA697}"/>
+              </a:ext>
+            </a:extLst>
+          </p:cNvPr>
+          <p:cNvSpPr>
+            <a:spLocks noGrp="1"/>
+          </p:cNvSpPr>
+          <p:nvPr>
+            <p:ph type="title"/>
+          </p:nvPr>
+        </p:nvSpPr>
+        <p:spPr/>
+        <p:txBody>
+          <a:bodyPr/>
+          <a:lstStyle/>
+          <a:p>
+            <a:r>
+              <a:rPr lang="en-KE" dirty="0"/>
+              <a:t>EXPLORATORY DATA ANALYSIS (EDA)</a:t>
+            </a:r>
+          </a:p>
+        </p:txBody>
+      </p:sp>
+      <p:sp>
+        <p:nvSpPr>
+          <p:cNvPr id="3" name="Content Placeholder 2">
+            <a:extLst>
+              <a:ext uri="{FF2B5EF4-FFF2-40B4-BE49-F238E27FC236}">
+                <a16:creationId xmlns:a16="http://schemas.microsoft.com/office/drawing/2014/main" id="{8220B0CE-A156-04C8-4135-458352B62F99}"/>
+              </a:ext>
+            </a:extLst>
+          </p:cNvPr>
+          <p:cNvSpPr>
+            <a:spLocks noGrp="1"/>
+          </p:cNvSpPr>
+          <p:nvPr>
+            <p:ph idx="1"/>
+          </p:nvPr>
+        </p:nvSpPr>
+        <p:spPr/>
+        <p:txBody>
+          <a:bodyPr/>
+          <a:lstStyle/>
+          <a:p>
+            <a:endParaRPr lang="en-KE"/>
+          </a:p>
+        </p:txBody>
+      </p:sp>
+    </p:spTree>
+    <p:extLst>
+      <p:ext uri="{BB962C8B-B14F-4D97-AF65-F5344CB8AC3E}">
+        <p14:creationId xmlns:p14="http://schemas.microsoft.com/office/powerpoint/2010/main" val="1007626102"/>
+      </p:ext>
+    </p:extLst>
+  </p:cSld>
+  <p:clrMapOvr>
+    <a:masterClrMapping/>
+  </p:clrMapOvr>
+</p:sld>
+</file>
+
 <file path=ppt/theme/theme1.xml><?xml version="1.0" encoding="utf-8"?>
 <a:theme xmlns:a="http://schemas.openxmlformats.org/drawingml/2006/main" name="Gallery">
   <a:themeElements>

--- a/Presentation1.pptx
+++ b/Presentation1.pptx
@@ -9,6 +9,7 @@
     <p:sldId id="257" r:id="rId3"/>
     <p:sldId id="258" r:id="rId4"/>
     <p:sldId id="259" r:id="rId5"/>
+    <p:sldId id="260" r:id="rId6"/>
   </p:sldIdLst>
   <p:sldSz cx="12192000" cy="6858000"/>
   <p:notesSz cx="6858000" cy="9144000"/>
@@ -3923,6 +3924,30 @@
 <file path=ppt/slides/slide4.xml><?xml version="1.0" encoding="utf-8"?>
 <p:sld xmlns:a="http://schemas.openxmlformats.org/drawingml/2006/main" xmlns:r="http://schemas.openxmlformats.org/officeDocument/2006/relationships" xmlns:p="http://schemas.openxmlformats.org/presentationml/2006/main">
   <p:cSld>
+    <p:bg>
+      <p:bgPr>
+        <a:gradFill rotWithShape="1">
+          <a:gsLst>
+            <a:gs pos="0">
+              <a:schemeClr val="bg2">
+                <a:tint val="94000"/>
+                <a:satMod val="80000"/>
+                <a:lumMod val="106000"/>
+              </a:schemeClr>
+            </a:gs>
+            <a:gs pos="100000">
+              <a:schemeClr val="bg2">
+                <a:shade val="80000"/>
+              </a:schemeClr>
+            </a:gs>
+          </a:gsLst>
+          <a:path path="circle">
+            <a:fillToRect l="43000" r="43000" b="100000"/>
+          </a:path>
+        </a:gradFill>
+        <a:effectLst/>
+      </p:bgPr>
+    </p:bg>
     <p:spTree>
       <p:nvGrpSpPr>
         <p:cNvPr id="1" name=""/>
@@ -3939,6 +3964,359 @@
       </p:grpSpPr>
       <p:sp>
         <p:nvSpPr>
+          <p:cNvPr id="12" name="Rectangle 11">
+            <a:extLst>
+              <a:ext uri="{FF2B5EF4-FFF2-40B4-BE49-F238E27FC236}">
+                <a16:creationId xmlns:a16="http://schemas.microsoft.com/office/drawing/2014/main" id="{0CABCAE3-64FC-4149-819F-2C1812824154}"/>
+              </a:ext>
+              <a:ext uri="{C183D7F6-B498-43B3-948B-1728B52AA6E4}">
+                <adec:decorative xmlns:adec="http://schemas.microsoft.com/office/drawing/2017/decorative" val="1"/>
+              </a:ext>
+            </a:extLst>
+          </p:cNvPr>
+          <p:cNvSpPr>
+            <a:spLocks noGrp="1" noRot="1" noChangeAspect="1" noMove="1" noResize="1" noEditPoints="1" noAdjustHandles="1" noChangeArrowheads="1" noChangeShapeType="1" noTextEdit="1"/>
+          </p:cNvSpPr>
+          <p:nvPr>
+            <p:extLst>
+              <p:ext uri="{386F3935-93C4-4BCD-93E2-E3B085C9AB24}">
+                <p16:designElem xmlns:p16="http://schemas.microsoft.com/office/powerpoint/2015/main" val="1"/>
+              </p:ext>
+            </p:extLst>
+          </p:nvPr>
+        </p:nvSpPr>
+        <p:spPr>
+          <a:xfrm>
+            <a:off x="0" y="2019476"/>
+            <a:ext cx="12192000" cy="4105941"/>
+          </a:xfrm>
+          <a:prstGeom prst="rect">
+            <a:avLst/>
+          </a:prstGeom>
+          <a:gradFill flip="none" rotWithShape="1">
+            <a:gsLst>
+              <a:gs pos="0">
+                <a:schemeClr val="bg2">
+                  <a:alpha val="0"/>
+                </a:schemeClr>
+              </a:gs>
+              <a:gs pos="100000">
+                <a:schemeClr val="bg2"/>
+              </a:gs>
+            </a:gsLst>
+            <a:lin ang="5400000" scaled="0"/>
+            <a:tileRect/>
+          </a:gradFill>
+          <a:ln>
+            <a:noFill/>
+          </a:ln>
+        </p:spPr>
+        <p:style>
+          <a:lnRef idx="2">
+            <a:schemeClr val="accent1">
+              <a:shade val="50000"/>
+            </a:schemeClr>
+          </a:lnRef>
+          <a:fillRef idx="1">
+            <a:schemeClr val="accent1"/>
+          </a:fillRef>
+          <a:effectRef idx="0">
+            <a:schemeClr val="accent1"/>
+          </a:effectRef>
+          <a:fontRef idx="minor">
+            <a:schemeClr val="lt1"/>
+          </a:fontRef>
+        </p:style>
+        <p:txBody>
+          <a:bodyPr/>
+          <a:lstStyle/>
+          <a:p>
+            <a:endParaRPr lang="en-KE"/>
+          </a:p>
+        </p:txBody>
+      </p:sp>
+      <p:pic>
+        <p:nvPicPr>
+          <p:cNvPr id="14" name="Picture 13">
+            <a:extLst>
+              <a:ext uri="{FF2B5EF4-FFF2-40B4-BE49-F238E27FC236}">
+                <a16:creationId xmlns:a16="http://schemas.microsoft.com/office/drawing/2014/main" id="{012FDCFE-9AD2-4D8A-8CBF-B3AA37EBF6DD}"/>
+              </a:ext>
+              <a:ext uri="{C183D7F6-B498-43B3-948B-1728B52AA6E4}">
+                <adec:decorative xmlns:adec="http://schemas.microsoft.com/office/drawing/2017/decorative" val="1"/>
+              </a:ext>
+            </a:extLst>
+          </p:cNvPr>
+          <p:cNvPicPr>
+            <a:picLocks noGrp="1" noRot="1" noChangeAspect="1" noMove="1" noResize="1" noEditPoints="1" noAdjustHandles="1" noChangeArrowheads="1" noChangeShapeType="1" noCrop="1"/>
+          </p:cNvPicPr>
+          <p:nvPr>
+            <p:extLst>
+              <p:ext uri="{386F3935-93C4-4BCD-93E2-E3B085C9AB24}">
+                <p16:designElem xmlns:p16="http://schemas.microsoft.com/office/powerpoint/2015/main" val="1"/>
+              </p:ext>
+            </p:extLst>
+          </p:nvPr>
+        </p:nvPicPr>
+        <p:blipFill rotWithShape="1">
+          <a:blip r:embed="rId2">
+            <a:extLst>
+              <a:ext uri="{28A0092B-C50C-407E-A947-70E740481C1C}">
+                <a14:useLocalDpi xmlns:a14="http://schemas.microsoft.com/office/drawing/2010/main" val="0"/>
+              </a:ext>
+            </a:extLst>
+          </a:blip>
+          <a:srcRect t="1538" b="-1538"/>
+          <a:stretch/>
+        </p:blipFill>
+        <p:spPr bwMode="black">
+          <a:xfrm>
+            <a:off x="0" y="6126480"/>
+            <a:ext cx="12192000" cy="742950"/>
+          </a:xfrm>
+          <a:prstGeom prst="rect">
+            <a:avLst/>
+          </a:prstGeom>
+        </p:spPr>
+      </p:pic>
+      <p:cxnSp>
+        <p:nvCxnSpPr>
+          <p:cNvPr id="16" name="Straight Connector 15">
+            <a:extLst>
+              <a:ext uri="{FF2B5EF4-FFF2-40B4-BE49-F238E27FC236}">
+                <a16:creationId xmlns:a16="http://schemas.microsoft.com/office/drawing/2014/main" id="{FBD463FC-4CA8-4FF4-85A3-AF9F4B98D210}"/>
+              </a:ext>
+              <a:ext uri="{C183D7F6-B498-43B3-948B-1728B52AA6E4}">
+                <adec:decorative xmlns:adec="http://schemas.microsoft.com/office/drawing/2017/decorative" val="1"/>
+              </a:ext>
+            </a:extLst>
+          </p:cNvPr>
+          <p:cNvCxnSpPr>
+            <a:cxnSpLocks noGrp="1" noRot="1" noChangeAspect="1" noMove="1" noResize="1" noEditPoints="1" noAdjustHandles="1" noChangeArrowheads="1" noChangeShapeType="1"/>
+          </p:cNvCxnSpPr>
+          <p:nvPr>
+            <p:extLst>
+              <p:ext uri="{386F3935-93C4-4BCD-93E2-E3B085C9AB24}">
+                <p16:designElem xmlns:p16="http://schemas.microsoft.com/office/powerpoint/2015/main" val="1"/>
+              </p:ext>
+            </p:extLst>
+          </p:nvPr>
+        </p:nvCxnSpPr>
+        <p:spPr>
+          <a:xfrm>
+            <a:off x="0" y="6128413"/>
+            <a:ext cx="12192000" cy="0"/>
+          </a:xfrm>
+          <a:prstGeom prst="line">
+            <a:avLst/>
+          </a:prstGeom>
+          <a:ln w="12700">
+            <a:solidFill>
+              <a:srgbClr val="000001">
+                <a:alpha val="20000"/>
+              </a:srgbClr>
+            </a:solidFill>
+          </a:ln>
+        </p:spPr>
+        <p:style>
+          <a:lnRef idx="1">
+            <a:schemeClr val="accent1"/>
+          </a:lnRef>
+          <a:fillRef idx="0">
+            <a:schemeClr val="accent1"/>
+          </a:fillRef>
+          <a:effectRef idx="0">
+            <a:schemeClr val="accent1"/>
+          </a:effectRef>
+          <a:fontRef idx="minor">
+            <a:schemeClr val="tx1"/>
+          </a:fontRef>
+        </p:style>
+      </p:cxnSp>
+      <p:cxnSp>
+        <p:nvCxnSpPr>
+          <p:cNvPr id="18" name="Straight Connector 17">
+            <a:extLst>
+              <a:ext uri="{FF2B5EF4-FFF2-40B4-BE49-F238E27FC236}">
+                <a16:creationId xmlns:a16="http://schemas.microsoft.com/office/drawing/2014/main" id="{BECF35C3-8B44-4F4B-BD25-4C01823DB22A}"/>
+              </a:ext>
+              <a:ext uri="{C183D7F6-B498-43B3-948B-1728B52AA6E4}">
+                <adec:decorative xmlns:adec="http://schemas.microsoft.com/office/drawing/2017/decorative" val="1"/>
+              </a:ext>
+            </a:extLst>
+          </p:cNvPr>
+          <p:cNvCxnSpPr>
+            <a:cxnSpLocks noGrp="1" noRot="1" noChangeAspect="1" noMove="1" noResize="1" noEditPoints="1" noAdjustHandles="1" noChangeArrowheads="1" noChangeShapeType="1"/>
+          </p:cNvCxnSpPr>
+          <p:nvPr>
+            <p:extLst>
+              <p:ext uri="{386F3935-93C4-4BCD-93E2-E3B085C9AB24}">
+                <p16:designElem xmlns:p16="http://schemas.microsoft.com/office/powerpoint/2015/main" val="1"/>
+              </p:ext>
+            </p:extLst>
+          </p:nvPr>
+        </p:nvCxnSpPr>
+        <p:spPr>
+          <a:xfrm>
+            <a:off x="2417780" y="3528542"/>
+            <a:ext cx="8637072" cy="0"/>
+          </a:xfrm>
+          <a:prstGeom prst="line">
+            <a:avLst/>
+          </a:prstGeom>
+          <a:ln w="31750"/>
+        </p:spPr>
+        <p:style>
+          <a:lnRef idx="3">
+            <a:schemeClr val="accent1"/>
+          </a:lnRef>
+          <a:fillRef idx="0">
+            <a:schemeClr val="accent1"/>
+          </a:fillRef>
+          <a:effectRef idx="2">
+            <a:schemeClr val="accent1"/>
+          </a:effectRef>
+          <a:fontRef idx="minor">
+            <a:schemeClr val="tx1"/>
+          </a:fontRef>
+        </p:style>
+      </p:cxnSp>
+      <p:sp useBgFill="1">
+        <p:nvSpPr>
+          <p:cNvPr id="20" name="Rectangle 19">
+            <a:extLst>
+              <a:ext uri="{FF2B5EF4-FFF2-40B4-BE49-F238E27FC236}">
+                <a16:creationId xmlns:a16="http://schemas.microsoft.com/office/drawing/2014/main" id="{8BC298DB-2D5C-40A1-9A78-6B4A12198A9B}"/>
+              </a:ext>
+              <a:ext uri="{C183D7F6-B498-43B3-948B-1728B52AA6E4}">
+                <adec:decorative xmlns:adec="http://schemas.microsoft.com/office/drawing/2017/decorative" val="1"/>
+              </a:ext>
+            </a:extLst>
+          </p:cNvPr>
+          <p:cNvSpPr>
+            <a:spLocks noGrp="1" noRot="1" noChangeAspect="1" noMove="1" noResize="1" noEditPoints="1" noAdjustHandles="1" noChangeArrowheads="1" noChangeShapeType="1" noTextEdit="1"/>
+          </p:cNvSpPr>
+          <p:nvPr>
+            <p:extLst>
+              <p:ext uri="{386F3935-93C4-4BCD-93E2-E3B085C9AB24}">
+                <p16:designElem xmlns:p16="http://schemas.microsoft.com/office/powerpoint/2015/main" val="1"/>
+              </p:ext>
+            </p:extLst>
+          </p:nvPr>
+        </p:nvSpPr>
+        <p:spPr>
+          <a:xfrm>
+            <a:off x="2" y="0"/>
+            <a:ext cx="12191695" cy="6858000"/>
+          </a:xfrm>
+          <a:prstGeom prst="rect">
+            <a:avLst/>
+          </a:prstGeom>
+          <a:ln>
+            <a:noFill/>
+          </a:ln>
+        </p:spPr>
+        <p:style>
+          <a:lnRef idx="2">
+            <a:schemeClr val="accent1">
+              <a:shade val="50000"/>
+            </a:schemeClr>
+          </a:lnRef>
+          <a:fillRef idx="1">
+            <a:schemeClr val="accent1"/>
+          </a:fillRef>
+          <a:effectRef idx="0">
+            <a:schemeClr val="accent1"/>
+          </a:effectRef>
+          <a:fontRef idx="minor">
+            <a:schemeClr val="lt1"/>
+          </a:fontRef>
+        </p:style>
+        <p:txBody>
+          <a:bodyPr rtlCol="0" anchor="ctr"/>
+          <a:lstStyle/>
+          <a:p>
+            <a:pPr algn="ctr"/>
+            <a:endParaRPr lang="en-US"/>
+          </a:p>
+        </p:txBody>
+      </p:sp>
+      <p:sp>
+        <p:nvSpPr>
+          <p:cNvPr id="22" name="Rectangle 21">
+            <a:extLst>
+              <a:ext uri="{FF2B5EF4-FFF2-40B4-BE49-F238E27FC236}">
+                <a16:creationId xmlns:a16="http://schemas.microsoft.com/office/drawing/2014/main" id="{35C2355B-7CE9-4192-9142-A41CA0A0C08B}"/>
+              </a:ext>
+              <a:ext uri="{C183D7F6-B498-43B3-948B-1728B52AA6E4}">
+                <adec:decorative xmlns:adec="http://schemas.microsoft.com/office/drawing/2017/decorative" val="1"/>
+              </a:ext>
+            </a:extLst>
+          </p:cNvPr>
+          <p:cNvSpPr>
+            <a:spLocks noGrp="1" noRot="1" noChangeAspect="1" noMove="1" noResize="1" noEditPoints="1" noAdjustHandles="1" noChangeArrowheads="1" noChangeShapeType="1" noTextEdit="1"/>
+          </p:cNvSpPr>
+          <p:nvPr>
+            <p:extLst>
+              <p:ext uri="{386F3935-93C4-4BCD-93E2-E3B085C9AB24}">
+                <p16:designElem xmlns:p16="http://schemas.microsoft.com/office/powerpoint/2015/main" val="1"/>
+              </p:ext>
+            </p:extLst>
+          </p:nvPr>
+        </p:nvSpPr>
+        <p:spPr>
+          <a:xfrm>
+            <a:off x="0" y="2019476"/>
+            <a:ext cx="12192000" cy="4105941"/>
+          </a:xfrm>
+          <a:prstGeom prst="rect">
+            <a:avLst/>
+          </a:prstGeom>
+          <a:gradFill flip="none" rotWithShape="1">
+            <a:gsLst>
+              <a:gs pos="0">
+                <a:schemeClr val="bg2">
+                  <a:alpha val="0"/>
+                </a:schemeClr>
+              </a:gs>
+              <a:gs pos="100000">
+                <a:schemeClr val="bg2"/>
+              </a:gs>
+            </a:gsLst>
+            <a:lin ang="5400000" scaled="0"/>
+            <a:tileRect/>
+          </a:gradFill>
+          <a:ln>
+            <a:noFill/>
+          </a:ln>
+        </p:spPr>
+        <p:style>
+          <a:lnRef idx="2">
+            <a:schemeClr val="accent1">
+              <a:shade val="50000"/>
+            </a:schemeClr>
+          </a:lnRef>
+          <a:fillRef idx="1">
+            <a:schemeClr val="accent1"/>
+          </a:fillRef>
+          <a:effectRef idx="0">
+            <a:schemeClr val="accent1"/>
+          </a:effectRef>
+          <a:fontRef idx="minor">
+            <a:schemeClr val="lt1"/>
+          </a:fontRef>
+        </p:style>
+        <p:txBody>
+          <a:bodyPr rtlCol="0" anchor="ctr"/>
+          <a:lstStyle/>
+          <a:p>
+            <a:pPr lvl="0" algn="ctr"/>
+            <a:endParaRPr lang="en-US"/>
+          </a:p>
+        </p:txBody>
+      </p:sp>
+      <p:sp>
+        <p:nvSpPr>
           <p:cNvPr id="2" name="Title 1">
             <a:extLst>
               <a:ext uri="{FF2B5EF4-FFF2-40B4-BE49-F238E27FC236}">
@@ -3953,47 +4331,822 @@
             <p:ph type="title"/>
           </p:nvPr>
         </p:nvSpPr>
-        <p:spPr/>
-        <p:txBody>
-          <a:bodyPr/>
-          <a:lstStyle/>
-          <a:p>
-            <a:r>
-              <a:rPr lang="en-KE" dirty="0"/>
+        <p:spPr>
+          <a:xfrm>
+            <a:off x="6585200" y="967167"/>
+            <a:ext cx="4151306" cy="2374516"/>
+          </a:xfrm>
+        </p:spPr>
+        <p:txBody>
+          <a:bodyPr vert="horz" lIns="91440" tIns="45720" rIns="91440" bIns="0" rtlCol="0" anchor="b">
+            <a:normAutofit/>
+          </a:bodyPr>
+          <a:lstStyle/>
+          <a:p>
+            <a:r>
+              <a:rPr lang="en-US" sz="4400"/>
               <a:t>EXPLORATORY DATA ANALYSIS (EDA)</a:t>
             </a:r>
           </a:p>
         </p:txBody>
       </p:sp>
-      <p:sp>
-        <p:nvSpPr>
-          <p:cNvPr id="3" name="Content Placeholder 2">
+      <p:pic>
+        <p:nvPicPr>
+          <p:cNvPr id="7" name="Content Placeholder 6" descr="A graph of a number of black squares&#10;&#10;Description automatically generated">
             <a:extLst>
               <a:ext uri="{FF2B5EF4-FFF2-40B4-BE49-F238E27FC236}">
-                <a16:creationId xmlns:a16="http://schemas.microsoft.com/office/drawing/2014/main" id="{8220B0CE-A156-04C8-4135-458352B62F99}"/>
+                <a16:creationId xmlns:a16="http://schemas.microsoft.com/office/drawing/2014/main" id="{AD305416-45A7-36D6-0BA4-070ABBF4B41A}"/>
               </a:ext>
             </a:extLst>
           </p:cNvPr>
-          <p:cNvSpPr>
-            <a:spLocks noGrp="1"/>
-          </p:cNvSpPr>
+          <p:cNvPicPr>
+            <a:picLocks noGrp="1" noChangeAspect="1"/>
+          </p:cNvPicPr>
           <p:nvPr>
             <p:ph idx="1"/>
           </p:nvPr>
-        </p:nvSpPr>
-        <p:spPr/>
-        <p:txBody>
-          <a:bodyPr/>
-          <a:lstStyle/>
-          <a:p>
-            <a:endParaRPr lang="en-KE"/>
-          </a:p>
-        </p:txBody>
-      </p:sp>
+        </p:nvPicPr>
+        <p:blipFill>
+          <a:blip r:embed="rId3"/>
+          <a:stretch>
+            <a:fillRect/>
+          </a:stretch>
+        </p:blipFill>
+        <p:spPr>
+          <a:xfrm>
+            <a:off x="622852" y="805583"/>
+            <a:ext cx="5323620" cy="5310310"/>
+          </a:xfrm>
+          <a:prstGeom prst="rect">
+            <a:avLst/>
+          </a:prstGeom>
+        </p:spPr>
+      </p:pic>
+      <p:cxnSp>
+        <p:nvCxnSpPr>
+          <p:cNvPr id="24" name="Straight Connector 23">
+            <a:extLst>
+              <a:ext uri="{FF2B5EF4-FFF2-40B4-BE49-F238E27FC236}">
+                <a16:creationId xmlns:a16="http://schemas.microsoft.com/office/drawing/2014/main" id="{06D05ED8-39E4-42F8-92CB-704C2BD0D215}"/>
+              </a:ext>
+              <a:ext uri="{C183D7F6-B498-43B3-948B-1728B52AA6E4}">
+                <adec:decorative xmlns:adec="http://schemas.microsoft.com/office/drawing/2017/decorative" val="1"/>
+              </a:ext>
+            </a:extLst>
+          </p:cNvPr>
+          <p:cNvCxnSpPr>
+            <a:cxnSpLocks noGrp="1" noRot="1" noChangeAspect="1" noMove="1" noResize="1" noEditPoints="1" noAdjustHandles="1" noChangeArrowheads="1" noChangeShapeType="1"/>
+          </p:cNvCxnSpPr>
+          <p:nvPr>
+            <p:extLst>
+              <p:ext uri="{386F3935-93C4-4BCD-93E2-E3B085C9AB24}">
+                <p16:designElem xmlns:p16="http://schemas.microsoft.com/office/powerpoint/2015/main" val="1"/>
+              </p:ext>
+            </p:extLst>
+          </p:nvPr>
+        </p:nvCxnSpPr>
+        <p:spPr>
+          <a:xfrm>
+            <a:off x="6579647" y="3526496"/>
+            <a:ext cx="4149931" cy="0"/>
+          </a:xfrm>
+          <a:prstGeom prst="line">
+            <a:avLst/>
+          </a:prstGeom>
+          <a:ln w="31750"/>
+        </p:spPr>
+        <p:style>
+          <a:lnRef idx="3">
+            <a:schemeClr val="accent1"/>
+          </a:lnRef>
+          <a:fillRef idx="0">
+            <a:schemeClr val="accent1"/>
+          </a:fillRef>
+          <a:effectRef idx="2">
+            <a:schemeClr val="accent1"/>
+          </a:effectRef>
+          <a:fontRef idx="minor">
+            <a:schemeClr val="tx1"/>
+          </a:fontRef>
+        </p:style>
+      </p:cxnSp>
+      <p:pic>
+        <p:nvPicPr>
+          <p:cNvPr id="26" name="Picture 25">
+            <a:extLst>
+              <a:ext uri="{FF2B5EF4-FFF2-40B4-BE49-F238E27FC236}">
+                <a16:creationId xmlns:a16="http://schemas.microsoft.com/office/drawing/2014/main" id="{45CE2E7C-6AA3-4710-825D-4CDDF788C7BC}"/>
+              </a:ext>
+              <a:ext uri="{C183D7F6-B498-43B3-948B-1728B52AA6E4}">
+                <adec:decorative xmlns:adec="http://schemas.microsoft.com/office/drawing/2017/decorative" val="1"/>
+              </a:ext>
+            </a:extLst>
+          </p:cNvPr>
+          <p:cNvPicPr>
+            <a:picLocks noGrp="1" noRot="1" noChangeAspect="1" noMove="1" noResize="1" noEditPoints="1" noAdjustHandles="1" noChangeArrowheads="1" noChangeShapeType="1" noCrop="1"/>
+          </p:cNvPicPr>
+          <p:nvPr>
+            <p:extLst>
+              <p:ext uri="{386F3935-93C4-4BCD-93E2-E3B085C9AB24}">
+                <p16:designElem xmlns:p16="http://schemas.microsoft.com/office/powerpoint/2015/main" val="1"/>
+              </p:ext>
+            </p:extLst>
+          </p:nvPr>
+        </p:nvPicPr>
+        <p:blipFill rotWithShape="1">
+          <a:blip r:embed="rId2">
+            <a:extLst>
+              <a:ext uri="{28A0092B-C50C-407E-A947-70E740481C1C}">
+                <a14:useLocalDpi xmlns:a14="http://schemas.microsoft.com/office/drawing/2010/main" val="0"/>
+              </a:ext>
+            </a:extLst>
+          </a:blip>
+          <a:srcRect t="1538" b="-1538"/>
+          <a:stretch/>
+        </p:blipFill>
+        <p:spPr bwMode="black">
+          <a:xfrm>
+            <a:off x="0" y="6126480"/>
+            <a:ext cx="12192000" cy="742950"/>
+          </a:xfrm>
+          <a:prstGeom prst="rect">
+            <a:avLst/>
+          </a:prstGeom>
+        </p:spPr>
+      </p:pic>
+      <p:cxnSp>
+        <p:nvCxnSpPr>
+          <p:cNvPr id="28" name="Straight Connector 27">
+            <a:extLst>
+              <a:ext uri="{FF2B5EF4-FFF2-40B4-BE49-F238E27FC236}">
+                <a16:creationId xmlns:a16="http://schemas.microsoft.com/office/drawing/2014/main" id="{3256C6C3-0EDC-4651-AB37-9F26CFAA6C86}"/>
+              </a:ext>
+              <a:ext uri="{C183D7F6-B498-43B3-948B-1728B52AA6E4}">
+                <adec:decorative xmlns:adec="http://schemas.microsoft.com/office/drawing/2017/decorative" val="1"/>
+              </a:ext>
+            </a:extLst>
+          </p:cNvPr>
+          <p:cNvCxnSpPr>
+            <a:cxnSpLocks noGrp="1" noRot="1" noChangeAspect="1" noMove="1" noResize="1" noEditPoints="1" noAdjustHandles="1" noChangeArrowheads="1" noChangeShapeType="1"/>
+          </p:cNvCxnSpPr>
+          <p:nvPr>
+            <p:extLst>
+              <p:ext uri="{386F3935-93C4-4BCD-93E2-E3B085C9AB24}">
+                <p16:designElem xmlns:p16="http://schemas.microsoft.com/office/powerpoint/2015/main" val="1"/>
+              </p:ext>
+            </p:extLst>
+          </p:nvPr>
+        </p:nvCxnSpPr>
+        <p:spPr>
+          <a:xfrm>
+            <a:off x="0" y="6128413"/>
+            <a:ext cx="12192000" cy="0"/>
+          </a:xfrm>
+          <a:prstGeom prst="line">
+            <a:avLst/>
+          </a:prstGeom>
+          <a:ln w="12700">
+            <a:solidFill>
+              <a:srgbClr val="000001">
+                <a:alpha val="20000"/>
+              </a:srgbClr>
+            </a:solidFill>
+          </a:ln>
+        </p:spPr>
+        <p:style>
+          <a:lnRef idx="1">
+            <a:schemeClr val="accent1"/>
+          </a:lnRef>
+          <a:fillRef idx="0">
+            <a:schemeClr val="accent1"/>
+          </a:fillRef>
+          <a:effectRef idx="0">
+            <a:schemeClr val="accent1"/>
+          </a:effectRef>
+          <a:fontRef idx="minor">
+            <a:schemeClr val="tx1"/>
+          </a:fontRef>
+        </p:style>
+      </p:cxnSp>
     </p:spTree>
     <p:extLst>
       <p:ext uri="{BB962C8B-B14F-4D97-AF65-F5344CB8AC3E}">
         <p14:creationId xmlns:p14="http://schemas.microsoft.com/office/powerpoint/2010/main" val="1007626102"/>
+      </p:ext>
+    </p:extLst>
+  </p:cSld>
+  <p:clrMapOvr>
+    <a:masterClrMapping/>
+  </p:clrMapOvr>
+</p:sld>
+</file>
+
+<file path=ppt/slides/slide5.xml><?xml version="1.0" encoding="utf-8"?>
+<p:sld xmlns:a="http://schemas.openxmlformats.org/drawingml/2006/main" xmlns:r="http://schemas.openxmlformats.org/officeDocument/2006/relationships" xmlns:p="http://schemas.openxmlformats.org/presentationml/2006/main">
+  <p:cSld>
+    <p:bg>
+      <p:bgPr>
+        <a:gradFill rotWithShape="1">
+          <a:gsLst>
+            <a:gs pos="0">
+              <a:schemeClr val="bg2">
+                <a:tint val="94000"/>
+                <a:satMod val="80000"/>
+                <a:lumMod val="106000"/>
+              </a:schemeClr>
+            </a:gs>
+            <a:gs pos="100000">
+              <a:schemeClr val="bg2">
+                <a:shade val="80000"/>
+              </a:schemeClr>
+            </a:gs>
+          </a:gsLst>
+          <a:path path="circle">
+            <a:fillToRect l="43000" r="43000" b="100000"/>
+          </a:path>
+        </a:gradFill>
+        <a:effectLst/>
+      </p:bgPr>
+    </p:bg>
+    <p:spTree>
+      <p:nvGrpSpPr>
+        <p:cNvPr id="1" name=""/>
+        <p:cNvGrpSpPr/>
+        <p:nvPr/>
+      </p:nvGrpSpPr>
+      <p:grpSpPr>
+        <a:xfrm>
+          <a:off x="0" y="0"/>
+          <a:ext cx="0" cy="0"/>
+          <a:chOff x="0" y="0"/>
+          <a:chExt cx="0" cy="0"/>
+        </a:xfrm>
+      </p:grpSpPr>
+      <p:sp>
+        <p:nvSpPr>
+          <p:cNvPr id="32" name="Rectangle 31">
+            <a:extLst>
+              <a:ext uri="{FF2B5EF4-FFF2-40B4-BE49-F238E27FC236}">
+                <a16:creationId xmlns:a16="http://schemas.microsoft.com/office/drawing/2014/main" id="{0CABCAE3-64FC-4149-819F-2C1812824154}"/>
+              </a:ext>
+              <a:ext uri="{C183D7F6-B498-43B3-948B-1728B52AA6E4}">
+                <adec:decorative xmlns:adec="http://schemas.microsoft.com/office/drawing/2017/decorative" val="1"/>
+              </a:ext>
+            </a:extLst>
+          </p:cNvPr>
+          <p:cNvSpPr>
+            <a:spLocks noGrp="1" noRot="1" noChangeAspect="1" noMove="1" noResize="1" noEditPoints="1" noAdjustHandles="1" noChangeArrowheads="1" noChangeShapeType="1" noTextEdit="1"/>
+          </p:cNvSpPr>
+          <p:nvPr>
+            <p:extLst>
+              <p:ext uri="{386F3935-93C4-4BCD-93E2-E3B085C9AB24}">
+                <p16:designElem xmlns:p16="http://schemas.microsoft.com/office/powerpoint/2015/main" val="1"/>
+              </p:ext>
+            </p:extLst>
+          </p:nvPr>
+        </p:nvSpPr>
+        <p:spPr>
+          <a:xfrm>
+            <a:off x="0" y="2019476"/>
+            <a:ext cx="12192000" cy="4105941"/>
+          </a:xfrm>
+          <a:prstGeom prst="rect">
+            <a:avLst/>
+          </a:prstGeom>
+          <a:gradFill flip="none" rotWithShape="1">
+            <a:gsLst>
+              <a:gs pos="0">
+                <a:schemeClr val="bg2">
+                  <a:alpha val="0"/>
+                </a:schemeClr>
+              </a:gs>
+              <a:gs pos="100000">
+                <a:schemeClr val="bg2"/>
+              </a:gs>
+            </a:gsLst>
+            <a:lin ang="5400000" scaled="0"/>
+            <a:tileRect/>
+          </a:gradFill>
+          <a:ln>
+            <a:noFill/>
+          </a:ln>
+        </p:spPr>
+        <p:style>
+          <a:lnRef idx="2">
+            <a:schemeClr val="accent1">
+              <a:shade val="50000"/>
+            </a:schemeClr>
+          </a:lnRef>
+          <a:fillRef idx="1">
+            <a:schemeClr val="accent1"/>
+          </a:fillRef>
+          <a:effectRef idx="0">
+            <a:schemeClr val="accent1"/>
+          </a:effectRef>
+          <a:fontRef idx="minor">
+            <a:schemeClr val="lt1"/>
+          </a:fontRef>
+        </p:style>
+        <p:txBody>
+          <a:bodyPr/>
+          <a:lstStyle/>
+          <a:p>
+            <a:endParaRPr lang="en-KE"/>
+          </a:p>
+        </p:txBody>
+      </p:sp>
+      <p:pic>
+        <p:nvPicPr>
+          <p:cNvPr id="33" name="Picture 32">
+            <a:extLst>
+              <a:ext uri="{FF2B5EF4-FFF2-40B4-BE49-F238E27FC236}">
+                <a16:creationId xmlns:a16="http://schemas.microsoft.com/office/drawing/2014/main" id="{012FDCFE-9AD2-4D8A-8CBF-B3AA37EBF6DD}"/>
+              </a:ext>
+              <a:ext uri="{C183D7F6-B498-43B3-948B-1728B52AA6E4}">
+                <adec:decorative xmlns:adec="http://schemas.microsoft.com/office/drawing/2017/decorative" val="1"/>
+              </a:ext>
+            </a:extLst>
+          </p:cNvPr>
+          <p:cNvPicPr>
+            <a:picLocks noGrp="1" noRot="1" noChangeAspect="1" noMove="1" noResize="1" noEditPoints="1" noAdjustHandles="1" noChangeArrowheads="1" noChangeShapeType="1" noCrop="1"/>
+          </p:cNvPicPr>
+          <p:nvPr>
+            <p:extLst>
+              <p:ext uri="{386F3935-93C4-4BCD-93E2-E3B085C9AB24}">
+                <p16:designElem xmlns:p16="http://schemas.microsoft.com/office/powerpoint/2015/main" val="1"/>
+              </p:ext>
+            </p:extLst>
+          </p:nvPr>
+        </p:nvPicPr>
+        <p:blipFill rotWithShape="1">
+          <a:blip r:embed="rId2">
+            <a:extLst>
+              <a:ext uri="{28A0092B-C50C-407E-A947-70E740481C1C}">
+                <a14:useLocalDpi xmlns:a14="http://schemas.microsoft.com/office/drawing/2010/main" val="0"/>
+              </a:ext>
+            </a:extLst>
+          </a:blip>
+          <a:srcRect t="1538" b="-1538"/>
+          <a:stretch/>
+        </p:blipFill>
+        <p:spPr bwMode="black">
+          <a:xfrm>
+            <a:off x="0" y="6126480"/>
+            <a:ext cx="12192000" cy="742950"/>
+          </a:xfrm>
+          <a:prstGeom prst="rect">
+            <a:avLst/>
+          </a:prstGeom>
+        </p:spPr>
+      </p:pic>
+      <p:cxnSp>
+        <p:nvCxnSpPr>
+          <p:cNvPr id="34" name="Straight Connector 33">
+            <a:extLst>
+              <a:ext uri="{FF2B5EF4-FFF2-40B4-BE49-F238E27FC236}">
+                <a16:creationId xmlns:a16="http://schemas.microsoft.com/office/drawing/2014/main" id="{FBD463FC-4CA8-4FF4-85A3-AF9F4B98D210}"/>
+              </a:ext>
+              <a:ext uri="{C183D7F6-B498-43B3-948B-1728B52AA6E4}">
+                <adec:decorative xmlns:adec="http://schemas.microsoft.com/office/drawing/2017/decorative" val="1"/>
+              </a:ext>
+            </a:extLst>
+          </p:cNvPr>
+          <p:cNvCxnSpPr>
+            <a:cxnSpLocks noGrp="1" noRot="1" noChangeAspect="1" noMove="1" noResize="1" noEditPoints="1" noAdjustHandles="1" noChangeArrowheads="1" noChangeShapeType="1"/>
+          </p:cNvCxnSpPr>
+          <p:nvPr>
+            <p:extLst>
+              <p:ext uri="{386F3935-93C4-4BCD-93E2-E3B085C9AB24}">
+                <p16:designElem xmlns:p16="http://schemas.microsoft.com/office/powerpoint/2015/main" val="1"/>
+              </p:ext>
+            </p:extLst>
+          </p:nvPr>
+        </p:nvCxnSpPr>
+        <p:spPr>
+          <a:xfrm>
+            <a:off x="0" y="6128413"/>
+            <a:ext cx="12192000" cy="0"/>
+          </a:xfrm>
+          <a:prstGeom prst="line">
+            <a:avLst/>
+          </a:prstGeom>
+          <a:ln w="12700">
+            <a:solidFill>
+              <a:srgbClr val="000001">
+                <a:alpha val="20000"/>
+              </a:srgbClr>
+            </a:solidFill>
+          </a:ln>
+        </p:spPr>
+        <p:style>
+          <a:lnRef idx="1">
+            <a:schemeClr val="accent1"/>
+          </a:lnRef>
+          <a:fillRef idx="0">
+            <a:schemeClr val="accent1"/>
+          </a:fillRef>
+          <a:effectRef idx="0">
+            <a:schemeClr val="accent1"/>
+          </a:effectRef>
+          <a:fontRef idx="minor">
+            <a:schemeClr val="tx1"/>
+          </a:fontRef>
+        </p:style>
+      </p:cxnSp>
+      <p:cxnSp>
+        <p:nvCxnSpPr>
+          <p:cNvPr id="35" name="Straight Connector 34">
+            <a:extLst>
+              <a:ext uri="{FF2B5EF4-FFF2-40B4-BE49-F238E27FC236}">
+                <a16:creationId xmlns:a16="http://schemas.microsoft.com/office/drawing/2014/main" id="{BECF35C3-8B44-4F4B-BD25-4C01823DB22A}"/>
+              </a:ext>
+              <a:ext uri="{C183D7F6-B498-43B3-948B-1728B52AA6E4}">
+                <adec:decorative xmlns:adec="http://schemas.microsoft.com/office/drawing/2017/decorative" val="1"/>
+              </a:ext>
+            </a:extLst>
+          </p:cNvPr>
+          <p:cNvCxnSpPr>
+            <a:cxnSpLocks noGrp="1" noRot="1" noChangeAspect="1" noMove="1" noResize="1" noEditPoints="1" noAdjustHandles="1" noChangeArrowheads="1" noChangeShapeType="1"/>
+          </p:cNvCxnSpPr>
+          <p:nvPr>
+            <p:extLst>
+              <p:ext uri="{386F3935-93C4-4BCD-93E2-E3B085C9AB24}">
+                <p16:designElem xmlns:p16="http://schemas.microsoft.com/office/powerpoint/2015/main" val="1"/>
+              </p:ext>
+            </p:extLst>
+          </p:nvPr>
+        </p:nvCxnSpPr>
+        <p:spPr>
+          <a:xfrm>
+            <a:off x="2417780" y="3528542"/>
+            <a:ext cx="8637072" cy="0"/>
+          </a:xfrm>
+          <a:prstGeom prst="line">
+            <a:avLst/>
+          </a:prstGeom>
+          <a:ln w="31750"/>
+        </p:spPr>
+        <p:style>
+          <a:lnRef idx="3">
+            <a:schemeClr val="accent1"/>
+          </a:lnRef>
+          <a:fillRef idx="0">
+            <a:schemeClr val="accent1"/>
+          </a:fillRef>
+          <a:effectRef idx="2">
+            <a:schemeClr val="accent1"/>
+          </a:effectRef>
+          <a:fontRef idx="minor">
+            <a:schemeClr val="tx1"/>
+          </a:fontRef>
+        </p:style>
+      </p:cxnSp>
+      <p:sp useBgFill="1">
+        <p:nvSpPr>
+          <p:cNvPr id="36" name="Rectangle 35">
+            <a:extLst>
+              <a:ext uri="{FF2B5EF4-FFF2-40B4-BE49-F238E27FC236}">
+                <a16:creationId xmlns:a16="http://schemas.microsoft.com/office/drawing/2014/main" id="{D0712110-0BC1-4B31-B3BB-63B44222E87F}"/>
+              </a:ext>
+              <a:ext uri="{C183D7F6-B498-43B3-948B-1728B52AA6E4}">
+                <adec:decorative xmlns:adec="http://schemas.microsoft.com/office/drawing/2017/decorative" val="1"/>
+              </a:ext>
+            </a:extLst>
+          </p:cNvPr>
+          <p:cNvSpPr>
+            <a:spLocks noGrp="1" noRot="1" noChangeAspect="1" noMove="1" noResize="1" noEditPoints="1" noAdjustHandles="1" noChangeArrowheads="1" noChangeShapeType="1" noTextEdit="1"/>
+          </p:cNvSpPr>
+          <p:nvPr>
+            <p:extLst>
+              <p:ext uri="{386F3935-93C4-4BCD-93E2-E3B085C9AB24}">
+                <p16:designElem xmlns:p16="http://schemas.microsoft.com/office/powerpoint/2015/main" val="1"/>
+              </p:ext>
+            </p:extLst>
+          </p:nvPr>
+        </p:nvSpPr>
+        <p:spPr>
+          <a:xfrm>
+            <a:off x="2" y="0"/>
+            <a:ext cx="12191695" cy="6858000"/>
+          </a:xfrm>
+          <a:prstGeom prst="rect">
+            <a:avLst/>
+          </a:prstGeom>
+          <a:ln>
+            <a:noFill/>
+          </a:ln>
+        </p:spPr>
+        <p:style>
+          <a:lnRef idx="2">
+            <a:schemeClr val="accent1">
+              <a:shade val="50000"/>
+            </a:schemeClr>
+          </a:lnRef>
+          <a:fillRef idx="1">
+            <a:schemeClr val="accent1"/>
+          </a:fillRef>
+          <a:effectRef idx="0">
+            <a:schemeClr val="accent1"/>
+          </a:effectRef>
+          <a:fontRef idx="minor">
+            <a:schemeClr val="lt1"/>
+          </a:fontRef>
+        </p:style>
+        <p:txBody>
+          <a:bodyPr rtlCol="0" anchor="ctr"/>
+          <a:lstStyle/>
+          <a:p>
+            <a:pPr algn="ctr"/>
+            <a:endParaRPr lang="en-US"/>
+          </a:p>
+        </p:txBody>
+      </p:sp>
+      <p:sp>
+        <p:nvSpPr>
+          <p:cNvPr id="37" name="Rectangle 36">
+            <a:extLst>
+              <a:ext uri="{FF2B5EF4-FFF2-40B4-BE49-F238E27FC236}">
+                <a16:creationId xmlns:a16="http://schemas.microsoft.com/office/drawing/2014/main" id="{4466B5F3-C053-4580-B04A-1EF949888280}"/>
+              </a:ext>
+              <a:ext uri="{C183D7F6-B498-43B3-948B-1728B52AA6E4}">
+                <adec:decorative xmlns:adec="http://schemas.microsoft.com/office/drawing/2017/decorative" val="1"/>
+              </a:ext>
+            </a:extLst>
+          </p:cNvPr>
+          <p:cNvSpPr>
+            <a:spLocks noGrp="1" noRot="1" noChangeAspect="1" noMove="1" noResize="1" noEditPoints="1" noAdjustHandles="1" noChangeArrowheads="1" noChangeShapeType="1" noTextEdit="1"/>
+          </p:cNvSpPr>
+          <p:nvPr>
+            <p:extLst>
+              <p:ext uri="{386F3935-93C4-4BCD-93E2-E3B085C9AB24}">
+                <p16:designElem xmlns:p16="http://schemas.microsoft.com/office/powerpoint/2015/main" val="1"/>
+              </p:ext>
+            </p:extLst>
+          </p:nvPr>
+        </p:nvSpPr>
+        <p:spPr>
+          <a:xfrm>
+            <a:off x="0" y="2019476"/>
+            <a:ext cx="12192000" cy="4105941"/>
+          </a:xfrm>
+          <a:prstGeom prst="rect">
+            <a:avLst/>
+          </a:prstGeom>
+          <a:gradFill flip="none" rotWithShape="1">
+            <a:gsLst>
+              <a:gs pos="0">
+                <a:schemeClr val="bg2">
+                  <a:alpha val="0"/>
+                </a:schemeClr>
+              </a:gs>
+              <a:gs pos="100000">
+                <a:schemeClr val="bg2"/>
+              </a:gs>
+            </a:gsLst>
+            <a:lin ang="5400000" scaled="0"/>
+            <a:tileRect/>
+          </a:gradFill>
+          <a:ln>
+            <a:noFill/>
+          </a:ln>
+        </p:spPr>
+        <p:style>
+          <a:lnRef idx="2">
+            <a:schemeClr val="accent1">
+              <a:shade val="50000"/>
+            </a:schemeClr>
+          </a:lnRef>
+          <a:fillRef idx="1">
+            <a:schemeClr val="accent1"/>
+          </a:fillRef>
+          <a:effectRef idx="0">
+            <a:schemeClr val="accent1"/>
+          </a:effectRef>
+          <a:fontRef idx="minor">
+            <a:schemeClr val="lt1"/>
+          </a:fontRef>
+        </p:style>
+        <p:txBody>
+          <a:bodyPr rtlCol="0" anchor="ctr"/>
+          <a:lstStyle/>
+          <a:p>
+            <a:pPr lvl="0" algn="ctr"/>
+            <a:endParaRPr lang="en-US"/>
+          </a:p>
+        </p:txBody>
+      </p:sp>
+      <p:sp>
+        <p:nvSpPr>
+          <p:cNvPr id="2" name="Title 1">
+            <a:extLst>
+              <a:ext uri="{FF2B5EF4-FFF2-40B4-BE49-F238E27FC236}">
+                <a16:creationId xmlns:a16="http://schemas.microsoft.com/office/drawing/2014/main" id="{52F38978-55C7-F16D-97A1-8D2DC867AE58}"/>
+              </a:ext>
+            </a:extLst>
+          </p:cNvPr>
+          <p:cNvSpPr>
+            <a:spLocks noGrp="1"/>
+          </p:cNvSpPr>
+          <p:nvPr>
+            <p:ph type="title"/>
+          </p:nvPr>
+        </p:nvSpPr>
+        <p:spPr>
+          <a:xfrm>
+            <a:off x="1452616" y="962902"/>
+            <a:ext cx="4176384" cy="2380828"/>
+          </a:xfrm>
+        </p:spPr>
+        <p:txBody>
+          <a:bodyPr vert="horz" lIns="91440" tIns="45720" rIns="91440" bIns="0" rtlCol="0" anchor="b">
+            <a:normAutofit/>
+          </a:bodyPr>
+          <a:lstStyle/>
+          <a:p>
+            <a:endParaRPr lang="en-US" sz="4800"/>
+          </a:p>
+        </p:txBody>
+      </p:sp>
+      <p:cxnSp>
+        <p:nvCxnSpPr>
+          <p:cNvPr id="38" name="Straight Connector 37">
+            <a:extLst>
+              <a:ext uri="{FF2B5EF4-FFF2-40B4-BE49-F238E27FC236}">
+                <a16:creationId xmlns:a16="http://schemas.microsoft.com/office/drawing/2014/main" id="{FA6123F2-4B61-414F-A7E5-5B7828EACAE2}"/>
+              </a:ext>
+              <a:ext uri="{C183D7F6-B498-43B3-948B-1728B52AA6E4}">
+                <adec:decorative xmlns:adec="http://schemas.microsoft.com/office/drawing/2017/decorative" val="1"/>
+              </a:ext>
+            </a:extLst>
+          </p:cNvPr>
+          <p:cNvCxnSpPr>
+            <a:cxnSpLocks noGrp="1" noRot="1" noChangeAspect="1" noMove="1" noResize="1" noEditPoints="1" noAdjustHandles="1" noChangeArrowheads="1" noChangeShapeType="1"/>
+          </p:cNvCxnSpPr>
+          <p:nvPr>
+            <p:extLst>
+              <p:ext uri="{386F3935-93C4-4BCD-93E2-E3B085C9AB24}">
+                <p16:designElem xmlns:p16="http://schemas.microsoft.com/office/powerpoint/2015/main" val="1"/>
+              </p:ext>
+            </p:extLst>
+          </p:nvPr>
+        </p:nvCxnSpPr>
+        <p:spPr>
+          <a:xfrm>
+            <a:off x="1452617" y="3528543"/>
+            <a:ext cx="4171479" cy="0"/>
+          </a:xfrm>
+          <a:prstGeom prst="line">
+            <a:avLst/>
+          </a:prstGeom>
+          <a:ln w="31750"/>
+        </p:spPr>
+        <p:style>
+          <a:lnRef idx="3">
+            <a:schemeClr val="accent1"/>
+          </a:lnRef>
+          <a:fillRef idx="0">
+            <a:schemeClr val="accent1"/>
+          </a:fillRef>
+          <a:effectRef idx="2">
+            <a:schemeClr val="accent1"/>
+          </a:effectRef>
+          <a:fontRef idx="minor">
+            <a:schemeClr val="tx1"/>
+          </a:fontRef>
+        </p:style>
+      </p:cxnSp>
+      <p:pic>
+        <p:nvPicPr>
+          <p:cNvPr id="5" name="Picture 4" descr="A screenshot of a graph&#10;&#10;Description automatically generated">
+            <a:extLst>
+              <a:ext uri="{FF2B5EF4-FFF2-40B4-BE49-F238E27FC236}">
+                <a16:creationId xmlns:a16="http://schemas.microsoft.com/office/drawing/2014/main" id="{304CAAAA-D584-C69E-2093-4B53B4C2DCAA}"/>
+              </a:ext>
+            </a:extLst>
+          </p:cNvPr>
+          <p:cNvPicPr>
+            <a:picLocks noChangeAspect="1"/>
+          </p:cNvPicPr>
+          <p:nvPr/>
+        </p:nvPicPr>
+        <p:blipFill>
+          <a:blip r:embed="rId3"/>
+          <a:stretch>
+            <a:fillRect/>
+          </a:stretch>
+        </p:blipFill>
+        <p:spPr>
+          <a:xfrm>
+            <a:off x="4929809" y="269605"/>
+            <a:ext cx="6787653" cy="5820411"/>
+          </a:xfrm>
+          <a:prstGeom prst="rect">
+            <a:avLst/>
+          </a:prstGeom>
+        </p:spPr>
+      </p:pic>
+      <p:pic>
+        <p:nvPicPr>
+          <p:cNvPr id="39" name="Picture 38">
+            <a:extLst>
+              <a:ext uri="{FF2B5EF4-FFF2-40B4-BE49-F238E27FC236}">
+                <a16:creationId xmlns:a16="http://schemas.microsoft.com/office/drawing/2014/main" id="{25CED634-E2D0-4AB7-96DD-816C9B52C5CF}"/>
+              </a:ext>
+              <a:ext uri="{C183D7F6-B498-43B3-948B-1728B52AA6E4}">
+                <adec:decorative xmlns:adec="http://schemas.microsoft.com/office/drawing/2017/decorative" val="1"/>
+              </a:ext>
+            </a:extLst>
+          </p:cNvPr>
+          <p:cNvPicPr>
+            <a:picLocks noGrp="1" noRot="1" noChangeAspect="1" noMove="1" noResize="1" noEditPoints="1" noAdjustHandles="1" noChangeArrowheads="1" noChangeShapeType="1" noCrop="1"/>
+          </p:cNvPicPr>
+          <p:nvPr>
+            <p:extLst>
+              <p:ext uri="{386F3935-93C4-4BCD-93E2-E3B085C9AB24}">
+                <p16:designElem xmlns:p16="http://schemas.microsoft.com/office/powerpoint/2015/main" val="1"/>
+              </p:ext>
+            </p:extLst>
+          </p:nvPr>
+        </p:nvPicPr>
+        <p:blipFill rotWithShape="1">
+          <a:blip r:embed="rId2">
+            <a:extLst>
+              <a:ext uri="{28A0092B-C50C-407E-A947-70E740481C1C}">
+                <a14:useLocalDpi xmlns:a14="http://schemas.microsoft.com/office/drawing/2010/main" val="0"/>
+              </a:ext>
+            </a:extLst>
+          </a:blip>
+          <a:srcRect t="1538" b="-1538"/>
+          <a:stretch/>
+        </p:blipFill>
+        <p:spPr bwMode="black">
+          <a:xfrm>
+            <a:off x="0" y="6126480"/>
+            <a:ext cx="12192000" cy="742950"/>
+          </a:xfrm>
+          <a:prstGeom prst="rect">
+            <a:avLst/>
+          </a:prstGeom>
+        </p:spPr>
+      </p:pic>
+      <p:cxnSp>
+        <p:nvCxnSpPr>
+          <p:cNvPr id="40" name="Straight Connector 39">
+            <a:extLst>
+              <a:ext uri="{FF2B5EF4-FFF2-40B4-BE49-F238E27FC236}">
+                <a16:creationId xmlns:a16="http://schemas.microsoft.com/office/drawing/2014/main" id="{FCDDCDFB-696D-4FDF-9B58-24F71B7C37BC}"/>
+              </a:ext>
+              <a:ext uri="{C183D7F6-B498-43B3-948B-1728B52AA6E4}">
+                <adec:decorative xmlns:adec="http://schemas.microsoft.com/office/drawing/2017/decorative" val="1"/>
+              </a:ext>
+            </a:extLst>
+          </p:cNvPr>
+          <p:cNvCxnSpPr>
+            <a:cxnSpLocks noGrp="1" noRot="1" noChangeAspect="1" noMove="1" noResize="1" noEditPoints="1" noAdjustHandles="1" noChangeArrowheads="1" noChangeShapeType="1"/>
+          </p:cNvCxnSpPr>
+          <p:nvPr>
+            <p:extLst>
+              <p:ext uri="{386F3935-93C4-4BCD-93E2-E3B085C9AB24}">
+                <p16:designElem xmlns:p16="http://schemas.microsoft.com/office/powerpoint/2015/main" val="1"/>
+              </p:ext>
+            </p:extLst>
+          </p:nvPr>
+        </p:nvCxnSpPr>
+        <p:spPr>
+          <a:xfrm>
+            <a:off x="0" y="6128413"/>
+            <a:ext cx="12192000" cy="0"/>
+          </a:xfrm>
+          <a:prstGeom prst="line">
+            <a:avLst/>
+          </a:prstGeom>
+          <a:ln w="12700">
+            <a:solidFill>
+              <a:srgbClr val="000001">
+                <a:alpha val="20000"/>
+              </a:srgbClr>
+            </a:solidFill>
+          </a:ln>
+        </p:spPr>
+        <p:style>
+          <a:lnRef idx="1">
+            <a:schemeClr val="accent1"/>
+          </a:lnRef>
+          <a:fillRef idx="0">
+            <a:schemeClr val="accent1"/>
+          </a:fillRef>
+          <a:effectRef idx="0">
+            <a:schemeClr val="accent1"/>
+          </a:effectRef>
+          <a:fontRef idx="minor">
+            <a:schemeClr val="tx1"/>
+          </a:fontRef>
+        </p:style>
+      </p:cxnSp>
+    </p:spTree>
+    <p:extLst>
+      <p:ext uri="{BB962C8B-B14F-4D97-AF65-F5344CB8AC3E}">
+        <p14:creationId xmlns:p14="http://schemas.microsoft.com/office/powerpoint/2010/main" val="297175507"/>
       </p:ext>
     </p:extLst>
   </p:cSld>

--- a/Presentation1.pptx
+++ b/Presentation1.pptx
@@ -10,6 +10,7 @@
     <p:sldId id="258" r:id="rId4"/>
     <p:sldId id="259" r:id="rId5"/>
     <p:sldId id="260" r:id="rId6"/>
+    <p:sldId id="261" r:id="rId7"/>
   </p:sldIdLst>
   <p:sldSz cx="12192000" cy="6858000"/>
   <p:notesSz cx="6858000" cy="9144000"/>
@@ -3964,7 +3965,7 @@
       </p:grpSpPr>
       <p:sp>
         <p:nvSpPr>
-          <p:cNvPr id="12" name="Rectangle 11">
+          <p:cNvPr id="33" name="Rectangle 32">
             <a:extLst>
               <a:ext uri="{FF2B5EF4-FFF2-40B4-BE49-F238E27FC236}">
                 <a16:creationId xmlns:a16="http://schemas.microsoft.com/office/drawing/2014/main" id="{0CABCAE3-64FC-4149-819F-2C1812824154}"/>
@@ -4037,7 +4038,7 @@
       </p:sp>
       <p:pic>
         <p:nvPicPr>
-          <p:cNvPr id="14" name="Picture 13">
+          <p:cNvPr id="35" name="Picture 34">
             <a:extLst>
               <a:ext uri="{FF2B5EF4-FFF2-40B4-BE49-F238E27FC236}">
                 <a16:creationId xmlns:a16="http://schemas.microsoft.com/office/drawing/2014/main" id="{012FDCFE-9AD2-4D8A-8CBF-B3AA37EBF6DD}"/>
@@ -4081,7 +4082,7 @@
       </p:pic>
       <p:cxnSp>
         <p:nvCxnSpPr>
-          <p:cNvPr id="16" name="Straight Connector 15">
+          <p:cNvPr id="37" name="Straight Connector 36">
             <a:extLst>
               <a:ext uri="{FF2B5EF4-FFF2-40B4-BE49-F238E27FC236}">
                 <a16:creationId xmlns:a16="http://schemas.microsoft.com/office/drawing/2014/main" id="{FBD463FC-4CA8-4FF4-85A3-AF9F4B98D210}"/>
@@ -4135,7 +4136,7 @@
       </p:cxnSp>
       <p:cxnSp>
         <p:nvCxnSpPr>
-          <p:cNvPr id="18" name="Straight Connector 17">
+          <p:cNvPr id="39" name="Straight Connector 38">
             <a:extLst>
               <a:ext uri="{FF2B5EF4-FFF2-40B4-BE49-F238E27FC236}">
                 <a16:creationId xmlns:a16="http://schemas.microsoft.com/office/drawing/2014/main" id="{BECF35C3-8B44-4F4B-BD25-4C01823DB22A}"/>
@@ -4183,10 +4184,10 @@
       </p:cxnSp>
       <p:sp useBgFill="1">
         <p:nvSpPr>
-          <p:cNvPr id="20" name="Rectangle 19">
+          <p:cNvPr id="41" name="Rectangle 40">
             <a:extLst>
               <a:ext uri="{FF2B5EF4-FFF2-40B4-BE49-F238E27FC236}">
-                <a16:creationId xmlns:a16="http://schemas.microsoft.com/office/drawing/2014/main" id="{8BC298DB-2D5C-40A1-9A78-6B4A12198A9B}"/>
+                <a16:creationId xmlns:a16="http://schemas.microsoft.com/office/drawing/2014/main" id="{D0712110-0BC1-4B31-B3BB-63B44222E87F}"/>
               </a:ext>
               <a:ext uri="{C183D7F6-B498-43B3-948B-1728B52AA6E4}">
                 <adec:decorative xmlns:adec="http://schemas.microsoft.com/office/drawing/2017/decorative" val="1"/>
@@ -4243,10 +4244,10 @@
       </p:sp>
       <p:sp>
         <p:nvSpPr>
-          <p:cNvPr id="22" name="Rectangle 21">
+          <p:cNvPr id="43" name="Rectangle 42">
             <a:extLst>
               <a:ext uri="{FF2B5EF4-FFF2-40B4-BE49-F238E27FC236}">
-                <a16:creationId xmlns:a16="http://schemas.microsoft.com/office/drawing/2014/main" id="{35C2355B-7CE9-4192-9142-A41CA0A0C08B}"/>
+                <a16:creationId xmlns:a16="http://schemas.microsoft.com/office/drawing/2014/main" id="{4466B5F3-C053-4580-B04A-1EF949888280}"/>
               </a:ext>
               <a:ext uri="{C183D7F6-B498-43B3-948B-1728B52AA6E4}">
                 <adec:decorative xmlns:adec="http://schemas.microsoft.com/office/drawing/2017/decorative" val="1"/>
@@ -4333,8 +4334,8 @@
         </p:nvSpPr>
         <p:spPr>
           <a:xfrm>
-            <a:off x="6585200" y="967167"/>
-            <a:ext cx="4151306" cy="2374516"/>
+            <a:off x="1452616" y="962902"/>
+            <a:ext cx="4176384" cy="2380828"/>
           </a:xfrm>
         </p:spPr>
         <p:txBody>
@@ -4344,50 +4345,18 @@
           <a:lstStyle/>
           <a:p>
             <a:r>
-              <a:rPr lang="en-US" sz="4400"/>
+              <a:rPr lang="en-US" sz="4400" dirty="0"/>
               <a:t>EXPLORATORY DATA ANALYSIS (EDA)</a:t>
             </a:r>
           </a:p>
         </p:txBody>
       </p:sp>
-      <p:pic>
-        <p:nvPicPr>
-          <p:cNvPr id="7" name="Content Placeholder 6" descr="A graph of a number of black squares&#10;&#10;Description automatically generated">
+      <p:cxnSp>
+        <p:nvCxnSpPr>
+          <p:cNvPr id="45" name="Straight Connector 44">
             <a:extLst>
               <a:ext uri="{FF2B5EF4-FFF2-40B4-BE49-F238E27FC236}">
-                <a16:creationId xmlns:a16="http://schemas.microsoft.com/office/drawing/2014/main" id="{AD305416-45A7-36D6-0BA4-070ABBF4B41A}"/>
-              </a:ext>
-            </a:extLst>
-          </p:cNvPr>
-          <p:cNvPicPr>
-            <a:picLocks noGrp="1" noChangeAspect="1"/>
-          </p:cNvPicPr>
-          <p:nvPr>
-            <p:ph idx="1"/>
-          </p:nvPr>
-        </p:nvPicPr>
-        <p:blipFill>
-          <a:blip r:embed="rId3"/>
-          <a:stretch>
-            <a:fillRect/>
-          </a:stretch>
-        </p:blipFill>
-        <p:spPr>
-          <a:xfrm>
-            <a:off x="622852" y="805583"/>
-            <a:ext cx="5323620" cy="5310310"/>
-          </a:xfrm>
-          <a:prstGeom prst="rect">
-            <a:avLst/>
-          </a:prstGeom>
-        </p:spPr>
-      </p:pic>
-      <p:cxnSp>
-        <p:nvCxnSpPr>
-          <p:cNvPr id="24" name="Straight Connector 23">
-            <a:extLst>
-              <a:ext uri="{FF2B5EF4-FFF2-40B4-BE49-F238E27FC236}">
-                <a16:creationId xmlns:a16="http://schemas.microsoft.com/office/drawing/2014/main" id="{06D05ED8-39E4-42F8-92CB-704C2BD0D215}"/>
+                <a16:creationId xmlns:a16="http://schemas.microsoft.com/office/drawing/2014/main" id="{FA6123F2-4B61-414F-A7E5-5B7828EACAE2}"/>
               </a:ext>
               <a:ext uri="{C183D7F6-B498-43B3-948B-1728B52AA6E4}">
                 <adec:decorative xmlns:adec="http://schemas.microsoft.com/office/drawing/2017/decorative" val="1"/>
@@ -4407,8 +4376,8 @@
         </p:nvCxnSpPr>
         <p:spPr>
           <a:xfrm>
-            <a:off x="6579647" y="3526496"/>
-            <a:ext cx="4149931" cy="0"/>
+            <a:off x="1452617" y="3528543"/>
+            <a:ext cx="4171479" cy="0"/>
           </a:xfrm>
           <a:prstGeom prst="line">
             <a:avLst/>
@@ -4432,10 +4401,42 @@
       </p:cxnSp>
       <p:pic>
         <p:nvPicPr>
-          <p:cNvPr id="26" name="Picture 25">
+          <p:cNvPr id="7" name="Content Placeholder 6" descr="A graph of a number of black squares&#10;&#10;Description automatically generated">
             <a:extLst>
               <a:ext uri="{FF2B5EF4-FFF2-40B4-BE49-F238E27FC236}">
-                <a16:creationId xmlns:a16="http://schemas.microsoft.com/office/drawing/2014/main" id="{45CE2E7C-6AA3-4710-825D-4CDDF788C7BC}"/>
+                <a16:creationId xmlns:a16="http://schemas.microsoft.com/office/drawing/2014/main" id="{AD305416-45A7-36D6-0BA4-070ABBF4B41A}"/>
+              </a:ext>
+            </a:extLst>
+          </p:cNvPr>
+          <p:cNvPicPr>
+            <a:picLocks noGrp="1" noChangeAspect="1"/>
+          </p:cNvPicPr>
+          <p:nvPr>
+            <p:ph idx="1"/>
+          </p:nvPr>
+        </p:nvPicPr>
+        <p:blipFill>
+          <a:blip r:embed="rId3"/>
+          <a:stretch>
+            <a:fillRect/>
+          </a:stretch>
+        </p:blipFill>
+        <p:spPr>
+          <a:xfrm>
+            <a:off x="6238409" y="805582"/>
+            <a:ext cx="5781605" cy="5065125"/>
+          </a:xfrm>
+          <a:prstGeom prst="rect">
+            <a:avLst/>
+          </a:prstGeom>
+        </p:spPr>
+      </p:pic>
+      <p:pic>
+        <p:nvPicPr>
+          <p:cNvPr id="47" name="Picture 46">
+            <a:extLst>
+              <a:ext uri="{FF2B5EF4-FFF2-40B4-BE49-F238E27FC236}">
+                <a16:creationId xmlns:a16="http://schemas.microsoft.com/office/drawing/2014/main" id="{25CED634-E2D0-4AB7-96DD-816C9B52C5CF}"/>
               </a:ext>
               <a:ext uri="{C183D7F6-B498-43B3-948B-1728B52AA6E4}">
                 <adec:decorative xmlns:adec="http://schemas.microsoft.com/office/drawing/2017/decorative" val="1"/>
@@ -4476,10 +4477,10 @@
       </p:pic>
       <p:cxnSp>
         <p:nvCxnSpPr>
-          <p:cNvPr id="28" name="Straight Connector 27">
+          <p:cNvPr id="49" name="Straight Connector 48">
             <a:extLst>
               <a:ext uri="{FF2B5EF4-FFF2-40B4-BE49-F238E27FC236}">
-                <a16:creationId xmlns:a16="http://schemas.microsoft.com/office/drawing/2014/main" id="{3256C6C3-0EDC-4651-AB37-9F26CFAA6C86}"/>
+                <a16:creationId xmlns:a16="http://schemas.microsoft.com/office/drawing/2014/main" id="{FCDDCDFB-696D-4FDF-9B58-24F71B7C37BC}"/>
               </a:ext>
               <a:ext uri="{C183D7F6-B498-43B3-948B-1728B52AA6E4}">
                 <adec:decorative xmlns:adec="http://schemas.microsoft.com/office/drawing/2017/decorative" val="1"/>
@@ -4935,38 +4936,6 @@
           </a:p>
         </p:txBody>
       </p:sp>
-      <p:sp>
-        <p:nvSpPr>
-          <p:cNvPr id="2" name="Title 1">
-            <a:extLst>
-              <a:ext uri="{FF2B5EF4-FFF2-40B4-BE49-F238E27FC236}">
-                <a16:creationId xmlns:a16="http://schemas.microsoft.com/office/drawing/2014/main" id="{52F38978-55C7-F16D-97A1-8D2DC867AE58}"/>
-              </a:ext>
-            </a:extLst>
-          </p:cNvPr>
-          <p:cNvSpPr>
-            <a:spLocks noGrp="1"/>
-          </p:cNvSpPr>
-          <p:nvPr>
-            <p:ph type="title"/>
-          </p:nvPr>
-        </p:nvSpPr>
-        <p:spPr>
-          <a:xfrm>
-            <a:off x="1452616" y="962902"/>
-            <a:ext cx="4176384" cy="2380828"/>
-          </a:xfrm>
-        </p:spPr>
-        <p:txBody>
-          <a:bodyPr vert="horz" lIns="91440" tIns="45720" rIns="91440" bIns="0" rtlCol="0" anchor="b">
-            <a:normAutofit/>
-          </a:bodyPr>
-          <a:lstStyle/>
-          <a:p>
-            <a:endParaRPr lang="en-US" sz="4800"/>
-          </a:p>
-        </p:txBody>
-      </p:sp>
       <p:cxnSp>
         <p:nvCxnSpPr>
           <p:cNvPr id="38" name="Straight Connector 37">
@@ -5143,10 +5112,671 @@
           </a:fontRef>
         </p:style>
       </p:cxnSp>
+      <p:sp>
+        <p:nvSpPr>
+          <p:cNvPr id="6" name="Title 1">
+            <a:extLst>
+              <a:ext uri="{FF2B5EF4-FFF2-40B4-BE49-F238E27FC236}">
+                <a16:creationId xmlns:a16="http://schemas.microsoft.com/office/drawing/2014/main" id="{5672A486-007D-C125-9655-E582F74CBBC0}"/>
+              </a:ext>
+            </a:extLst>
+          </p:cNvPr>
+          <p:cNvSpPr>
+            <a:spLocks noGrp="1"/>
+          </p:cNvSpPr>
+          <p:nvPr>
+            <p:ph type="title"/>
+          </p:nvPr>
+        </p:nvSpPr>
+        <p:spPr>
+          <a:xfrm>
+            <a:off x="753122" y="967069"/>
+            <a:ext cx="4176384" cy="2380828"/>
+          </a:xfrm>
+        </p:spPr>
+        <p:txBody>
+          <a:bodyPr vert="horz" lIns="91440" tIns="45720" rIns="91440" bIns="0" rtlCol="0" anchor="b">
+            <a:normAutofit/>
+          </a:bodyPr>
+          <a:lstStyle/>
+          <a:p>
+            <a:r>
+              <a:rPr lang="en-US" sz="4400" dirty="0"/>
+              <a:t>EXPLORATORY DATA ANALYSIS (EDA)</a:t>
+            </a:r>
+          </a:p>
+        </p:txBody>
+      </p:sp>
     </p:spTree>
     <p:extLst>
       <p:ext uri="{BB962C8B-B14F-4D97-AF65-F5344CB8AC3E}">
         <p14:creationId xmlns:p14="http://schemas.microsoft.com/office/powerpoint/2010/main" val="297175507"/>
+      </p:ext>
+    </p:extLst>
+  </p:cSld>
+  <p:clrMapOvr>
+    <a:masterClrMapping/>
+  </p:clrMapOvr>
+</p:sld>
+</file>
+
+<file path=ppt/slides/slide6.xml><?xml version="1.0" encoding="utf-8"?>
+<p:sld xmlns:a="http://schemas.openxmlformats.org/drawingml/2006/main" xmlns:r="http://schemas.openxmlformats.org/officeDocument/2006/relationships" xmlns:p="http://schemas.openxmlformats.org/presentationml/2006/main">
+  <p:cSld>
+    <p:bg>
+      <p:bgPr>
+        <a:gradFill rotWithShape="1">
+          <a:gsLst>
+            <a:gs pos="0">
+              <a:schemeClr val="bg2">
+                <a:tint val="94000"/>
+                <a:satMod val="80000"/>
+                <a:lumMod val="106000"/>
+              </a:schemeClr>
+            </a:gs>
+            <a:gs pos="100000">
+              <a:schemeClr val="bg2">
+                <a:shade val="80000"/>
+              </a:schemeClr>
+            </a:gs>
+          </a:gsLst>
+          <a:path path="circle">
+            <a:fillToRect l="43000" r="43000" b="100000"/>
+          </a:path>
+        </a:gradFill>
+        <a:effectLst/>
+      </p:bgPr>
+    </p:bg>
+    <p:spTree>
+      <p:nvGrpSpPr>
+        <p:cNvPr id="1" name=""/>
+        <p:cNvGrpSpPr/>
+        <p:nvPr/>
+      </p:nvGrpSpPr>
+      <p:grpSpPr>
+        <a:xfrm>
+          <a:off x="0" y="0"/>
+          <a:ext cx="0" cy="0"/>
+          <a:chOff x="0" y="0"/>
+          <a:chExt cx="0" cy="0"/>
+        </a:xfrm>
+      </p:grpSpPr>
+      <p:sp>
+        <p:nvSpPr>
+          <p:cNvPr id="37" name="Rectangle 36">
+            <a:extLst>
+              <a:ext uri="{FF2B5EF4-FFF2-40B4-BE49-F238E27FC236}">
+                <a16:creationId xmlns:a16="http://schemas.microsoft.com/office/drawing/2014/main" id="{0CABCAE3-64FC-4149-819F-2C1812824154}"/>
+              </a:ext>
+              <a:ext uri="{C183D7F6-B498-43B3-948B-1728B52AA6E4}">
+                <adec:decorative xmlns:adec="http://schemas.microsoft.com/office/drawing/2017/decorative" val="1"/>
+              </a:ext>
+            </a:extLst>
+          </p:cNvPr>
+          <p:cNvSpPr>
+            <a:spLocks noGrp="1" noRot="1" noChangeAspect="1" noMove="1" noResize="1" noEditPoints="1" noAdjustHandles="1" noChangeArrowheads="1" noChangeShapeType="1" noTextEdit="1"/>
+          </p:cNvSpPr>
+          <p:nvPr>
+            <p:extLst>
+              <p:ext uri="{386F3935-93C4-4BCD-93E2-E3B085C9AB24}">
+                <p16:designElem xmlns:p16="http://schemas.microsoft.com/office/powerpoint/2015/main" val="1"/>
+              </p:ext>
+            </p:extLst>
+          </p:nvPr>
+        </p:nvSpPr>
+        <p:spPr>
+          <a:xfrm>
+            <a:off x="0" y="2019476"/>
+            <a:ext cx="12192000" cy="4105941"/>
+          </a:xfrm>
+          <a:prstGeom prst="rect">
+            <a:avLst/>
+          </a:prstGeom>
+          <a:gradFill flip="none" rotWithShape="1">
+            <a:gsLst>
+              <a:gs pos="0">
+                <a:schemeClr val="bg2">
+                  <a:alpha val="0"/>
+                </a:schemeClr>
+              </a:gs>
+              <a:gs pos="100000">
+                <a:schemeClr val="bg2"/>
+              </a:gs>
+            </a:gsLst>
+            <a:lin ang="5400000" scaled="0"/>
+            <a:tileRect/>
+          </a:gradFill>
+          <a:ln>
+            <a:noFill/>
+          </a:ln>
+        </p:spPr>
+        <p:style>
+          <a:lnRef idx="2">
+            <a:schemeClr val="accent1">
+              <a:shade val="50000"/>
+            </a:schemeClr>
+          </a:lnRef>
+          <a:fillRef idx="1">
+            <a:schemeClr val="accent1"/>
+          </a:fillRef>
+          <a:effectRef idx="0">
+            <a:schemeClr val="accent1"/>
+          </a:effectRef>
+          <a:fontRef idx="minor">
+            <a:schemeClr val="lt1"/>
+          </a:fontRef>
+        </p:style>
+        <p:txBody>
+          <a:bodyPr/>
+          <a:lstStyle/>
+          <a:p>
+            <a:endParaRPr lang="en-KE"/>
+          </a:p>
+        </p:txBody>
+      </p:sp>
+      <p:pic>
+        <p:nvPicPr>
+          <p:cNvPr id="39" name="Picture 38">
+            <a:extLst>
+              <a:ext uri="{FF2B5EF4-FFF2-40B4-BE49-F238E27FC236}">
+                <a16:creationId xmlns:a16="http://schemas.microsoft.com/office/drawing/2014/main" id="{012FDCFE-9AD2-4D8A-8CBF-B3AA37EBF6DD}"/>
+              </a:ext>
+              <a:ext uri="{C183D7F6-B498-43B3-948B-1728B52AA6E4}">
+                <adec:decorative xmlns:adec="http://schemas.microsoft.com/office/drawing/2017/decorative" val="1"/>
+              </a:ext>
+            </a:extLst>
+          </p:cNvPr>
+          <p:cNvPicPr>
+            <a:picLocks noGrp="1" noRot="1" noChangeAspect="1" noMove="1" noResize="1" noEditPoints="1" noAdjustHandles="1" noChangeArrowheads="1" noChangeShapeType="1" noCrop="1"/>
+          </p:cNvPicPr>
+          <p:nvPr>
+            <p:extLst>
+              <p:ext uri="{386F3935-93C4-4BCD-93E2-E3B085C9AB24}">
+                <p16:designElem xmlns:p16="http://schemas.microsoft.com/office/powerpoint/2015/main" val="1"/>
+              </p:ext>
+            </p:extLst>
+          </p:nvPr>
+        </p:nvPicPr>
+        <p:blipFill rotWithShape="1">
+          <a:blip r:embed="rId2">
+            <a:extLst>
+              <a:ext uri="{28A0092B-C50C-407E-A947-70E740481C1C}">
+                <a14:useLocalDpi xmlns:a14="http://schemas.microsoft.com/office/drawing/2010/main" val="0"/>
+              </a:ext>
+            </a:extLst>
+          </a:blip>
+          <a:srcRect t="1538" b="-1538"/>
+          <a:stretch/>
+        </p:blipFill>
+        <p:spPr bwMode="black">
+          <a:xfrm>
+            <a:off x="0" y="6126480"/>
+            <a:ext cx="12192000" cy="742950"/>
+          </a:xfrm>
+          <a:prstGeom prst="rect">
+            <a:avLst/>
+          </a:prstGeom>
+        </p:spPr>
+      </p:pic>
+      <p:cxnSp>
+        <p:nvCxnSpPr>
+          <p:cNvPr id="41" name="Straight Connector 40">
+            <a:extLst>
+              <a:ext uri="{FF2B5EF4-FFF2-40B4-BE49-F238E27FC236}">
+                <a16:creationId xmlns:a16="http://schemas.microsoft.com/office/drawing/2014/main" id="{FBD463FC-4CA8-4FF4-85A3-AF9F4B98D210}"/>
+              </a:ext>
+              <a:ext uri="{C183D7F6-B498-43B3-948B-1728B52AA6E4}">
+                <adec:decorative xmlns:adec="http://schemas.microsoft.com/office/drawing/2017/decorative" val="1"/>
+              </a:ext>
+            </a:extLst>
+          </p:cNvPr>
+          <p:cNvCxnSpPr>
+            <a:cxnSpLocks noGrp="1" noRot="1" noChangeAspect="1" noMove="1" noResize="1" noEditPoints="1" noAdjustHandles="1" noChangeArrowheads="1" noChangeShapeType="1"/>
+          </p:cNvCxnSpPr>
+          <p:nvPr>
+            <p:extLst>
+              <p:ext uri="{386F3935-93C4-4BCD-93E2-E3B085C9AB24}">
+                <p16:designElem xmlns:p16="http://schemas.microsoft.com/office/powerpoint/2015/main" val="1"/>
+              </p:ext>
+            </p:extLst>
+          </p:nvPr>
+        </p:nvCxnSpPr>
+        <p:spPr>
+          <a:xfrm>
+            <a:off x="0" y="6128413"/>
+            <a:ext cx="12192000" cy="0"/>
+          </a:xfrm>
+          <a:prstGeom prst="line">
+            <a:avLst/>
+          </a:prstGeom>
+          <a:ln w="12700">
+            <a:solidFill>
+              <a:srgbClr val="000001">
+                <a:alpha val="20000"/>
+              </a:srgbClr>
+            </a:solidFill>
+          </a:ln>
+        </p:spPr>
+        <p:style>
+          <a:lnRef idx="1">
+            <a:schemeClr val="accent1"/>
+          </a:lnRef>
+          <a:fillRef idx="0">
+            <a:schemeClr val="accent1"/>
+          </a:fillRef>
+          <a:effectRef idx="0">
+            <a:schemeClr val="accent1"/>
+          </a:effectRef>
+          <a:fontRef idx="minor">
+            <a:schemeClr val="tx1"/>
+          </a:fontRef>
+        </p:style>
+      </p:cxnSp>
+      <p:cxnSp>
+        <p:nvCxnSpPr>
+          <p:cNvPr id="43" name="Straight Connector 42">
+            <a:extLst>
+              <a:ext uri="{FF2B5EF4-FFF2-40B4-BE49-F238E27FC236}">
+                <a16:creationId xmlns:a16="http://schemas.microsoft.com/office/drawing/2014/main" id="{BECF35C3-8B44-4F4B-BD25-4C01823DB22A}"/>
+              </a:ext>
+              <a:ext uri="{C183D7F6-B498-43B3-948B-1728B52AA6E4}">
+                <adec:decorative xmlns:adec="http://schemas.microsoft.com/office/drawing/2017/decorative" val="1"/>
+              </a:ext>
+            </a:extLst>
+          </p:cNvPr>
+          <p:cNvCxnSpPr>
+            <a:cxnSpLocks noGrp="1" noRot="1" noChangeAspect="1" noMove="1" noResize="1" noEditPoints="1" noAdjustHandles="1" noChangeArrowheads="1" noChangeShapeType="1"/>
+          </p:cNvCxnSpPr>
+          <p:nvPr>
+            <p:extLst>
+              <p:ext uri="{386F3935-93C4-4BCD-93E2-E3B085C9AB24}">
+                <p16:designElem xmlns:p16="http://schemas.microsoft.com/office/powerpoint/2015/main" val="1"/>
+              </p:ext>
+            </p:extLst>
+          </p:nvPr>
+        </p:nvCxnSpPr>
+        <p:spPr>
+          <a:xfrm>
+            <a:off x="2417780" y="3528542"/>
+            <a:ext cx="8637072" cy="0"/>
+          </a:xfrm>
+          <a:prstGeom prst="line">
+            <a:avLst/>
+          </a:prstGeom>
+          <a:ln w="31750"/>
+        </p:spPr>
+        <p:style>
+          <a:lnRef idx="3">
+            <a:schemeClr val="accent1"/>
+          </a:lnRef>
+          <a:fillRef idx="0">
+            <a:schemeClr val="accent1"/>
+          </a:fillRef>
+          <a:effectRef idx="2">
+            <a:schemeClr val="accent1"/>
+          </a:effectRef>
+          <a:fontRef idx="minor">
+            <a:schemeClr val="tx1"/>
+          </a:fontRef>
+        </p:style>
+      </p:cxnSp>
+      <p:sp useBgFill="1">
+        <p:nvSpPr>
+          <p:cNvPr id="45" name="Rectangle 44">
+            <a:extLst>
+              <a:ext uri="{FF2B5EF4-FFF2-40B4-BE49-F238E27FC236}">
+                <a16:creationId xmlns:a16="http://schemas.microsoft.com/office/drawing/2014/main" id="{D0712110-0BC1-4B31-B3BB-63B44222E87F}"/>
+              </a:ext>
+              <a:ext uri="{C183D7F6-B498-43B3-948B-1728B52AA6E4}">
+                <adec:decorative xmlns:adec="http://schemas.microsoft.com/office/drawing/2017/decorative" val="1"/>
+              </a:ext>
+            </a:extLst>
+          </p:cNvPr>
+          <p:cNvSpPr>
+            <a:spLocks noGrp="1" noRot="1" noChangeAspect="1" noMove="1" noResize="1" noEditPoints="1" noAdjustHandles="1" noChangeArrowheads="1" noChangeShapeType="1" noTextEdit="1"/>
+          </p:cNvSpPr>
+          <p:nvPr>
+            <p:extLst>
+              <p:ext uri="{386F3935-93C4-4BCD-93E2-E3B085C9AB24}">
+                <p16:designElem xmlns:p16="http://schemas.microsoft.com/office/powerpoint/2015/main" val="1"/>
+              </p:ext>
+            </p:extLst>
+          </p:nvPr>
+        </p:nvSpPr>
+        <p:spPr>
+          <a:xfrm>
+            <a:off x="2" y="0"/>
+            <a:ext cx="12191695" cy="6858000"/>
+          </a:xfrm>
+          <a:prstGeom prst="rect">
+            <a:avLst/>
+          </a:prstGeom>
+          <a:ln>
+            <a:noFill/>
+          </a:ln>
+        </p:spPr>
+        <p:style>
+          <a:lnRef idx="2">
+            <a:schemeClr val="accent1">
+              <a:shade val="50000"/>
+            </a:schemeClr>
+          </a:lnRef>
+          <a:fillRef idx="1">
+            <a:schemeClr val="accent1"/>
+          </a:fillRef>
+          <a:effectRef idx="0">
+            <a:schemeClr val="accent1"/>
+          </a:effectRef>
+          <a:fontRef idx="minor">
+            <a:schemeClr val="lt1"/>
+          </a:fontRef>
+        </p:style>
+        <p:txBody>
+          <a:bodyPr rtlCol="0" anchor="ctr"/>
+          <a:lstStyle/>
+          <a:p>
+            <a:pPr algn="ctr"/>
+            <a:endParaRPr lang="en-US"/>
+          </a:p>
+        </p:txBody>
+      </p:sp>
+      <p:sp>
+        <p:nvSpPr>
+          <p:cNvPr id="47" name="Rectangle 46">
+            <a:extLst>
+              <a:ext uri="{FF2B5EF4-FFF2-40B4-BE49-F238E27FC236}">
+                <a16:creationId xmlns:a16="http://schemas.microsoft.com/office/drawing/2014/main" id="{4466B5F3-C053-4580-B04A-1EF949888280}"/>
+              </a:ext>
+              <a:ext uri="{C183D7F6-B498-43B3-948B-1728B52AA6E4}">
+                <adec:decorative xmlns:adec="http://schemas.microsoft.com/office/drawing/2017/decorative" val="1"/>
+              </a:ext>
+            </a:extLst>
+          </p:cNvPr>
+          <p:cNvSpPr>
+            <a:spLocks noGrp="1" noRot="1" noChangeAspect="1" noMove="1" noResize="1" noEditPoints="1" noAdjustHandles="1" noChangeArrowheads="1" noChangeShapeType="1" noTextEdit="1"/>
+          </p:cNvSpPr>
+          <p:nvPr>
+            <p:extLst>
+              <p:ext uri="{386F3935-93C4-4BCD-93E2-E3B085C9AB24}">
+                <p16:designElem xmlns:p16="http://schemas.microsoft.com/office/powerpoint/2015/main" val="1"/>
+              </p:ext>
+            </p:extLst>
+          </p:nvPr>
+        </p:nvSpPr>
+        <p:spPr>
+          <a:xfrm>
+            <a:off x="0" y="2019476"/>
+            <a:ext cx="12192000" cy="4105941"/>
+          </a:xfrm>
+          <a:prstGeom prst="rect">
+            <a:avLst/>
+          </a:prstGeom>
+          <a:gradFill flip="none" rotWithShape="1">
+            <a:gsLst>
+              <a:gs pos="0">
+                <a:schemeClr val="bg2">
+                  <a:alpha val="0"/>
+                </a:schemeClr>
+              </a:gs>
+              <a:gs pos="100000">
+                <a:schemeClr val="bg2"/>
+              </a:gs>
+            </a:gsLst>
+            <a:lin ang="5400000" scaled="0"/>
+            <a:tileRect/>
+          </a:gradFill>
+          <a:ln>
+            <a:noFill/>
+          </a:ln>
+        </p:spPr>
+        <p:style>
+          <a:lnRef idx="2">
+            <a:schemeClr val="accent1">
+              <a:shade val="50000"/>
+            </a:schemeClr>
+          </a:lnRef>
+          <a:fillRef idx="1">
+            <a:schemeClr val="accent1"/>
+          </a:fillRef>
+          <a:effectRef idx="0">
+            <a:schemeClr val="accent1"/>
+          </a:effectRef>
+          <a:fontRef idx="minor">
+            <a:schemeClr val="lt1"/>
+          </a:fontRef>
+        </p:style>
+        <p:txBody>
+          <a:bodyPr rtlCol="0" anchor="ctr"/>
+          <a:lstStyle/>
+          <a:p>
+            <a:pPr lvl="0" algn="ctr"/>
+            <a:endParaRPr lang="en-US"/>
+          </a:p>
+        </p:txBody>
+      </p:sp>
+      <p:sp>
+        <p:nvSpPr>
+          <p:cNvPr id="6" name="Title 1">
+            <a:extLst>
+              <a:ext uri="{FF2B5EF4-FFF2-40B4-BE49-F238E27FC236}">
+                <a16:creationId xmlns:a16="http://schemas.microsoft.com/office/drawing/2014/main" id="{A89CF177-947E-7F9B-90E4-E208E2683F54}"/>
+              </a:ext>
+            </a:extLst>
+          </p:cNvPr>
+          <p:cNvSpPr>
+            <a:spLocks noGrp="1"/>
+          </p:cNvSpPr>
+          <p:nvPr>
+            <p:ph type="title"/>
+          </p:nvPr>
+        </p:nvSpPr>
+        <p:spPr>
+          <a:xfrm>
+            <a:off x="1280338" y="1038081"/>
+            <a:ext cx="4176384" cy="2380828"/>
+          </a:xfrm>
+        </p:spPr>
+        <p:txBody>
+          <a:bodyPr vert="horz" lIns="91440" tIns="45720" rIns="91440" bIns="0" rtlCol="0" anchor="b">
+            <a:normAutofit fontScale="90000"/>
+          </a:bodyPr>
+          <a:lstStyle/>
+          <a:p>
+            <a:r>
+              <a:rPr lang="en-US" sz="4400" dirty="0"/>
+              <a:t>EXPLORATORY DATA ANALYSIS (EDA) </a:t>
+            </a:r>
+            <a:r>
+              <a:rPr lang="en-US" sz="4400" dirty="0" err="1"/>
+              <a:t>Univariative</a:t>
+            </a:r>
+            <a:r>
+              <a:rPr lang="en-US" sz="4400" dirty="0"/>
+              <a:t> analysis</a:t>
+            </a:r>
+          </a:p>
+        </p:txBody>
+      </p:sp>
+      <p:cxnSp>
+        <p:nvCxnSpPr>
+          <p:cNvPr id="49" name="Straight Connector 48">
+            <a:extLst>
+              <a:ext uri="{FF2B5EF4-FFF2-40B4-BE49-F238E27FC236}">
+                <a16:creationId xmlns:a16="http://schemas.microsoft.com/office/drawing/2014/main" id="{FA6123F2-4B61-414F-A7E5-5B7828EACAE2}"/>
+              </a:ext>
+              <a:ext uri="{C183D7F6-B498-43B3-948B-1728B52AA6E4}">
+                <adec:decorative xmlns:adec="http://schemas.microsoft.com/office/drawing/2017/decorative" val="1"/>
+              </a:ext>
+            </a:extLst>
+          </p:cNvPr>
+          <p:cNvCxnSpPr>
+            <a:cxnSpLocks noGrp="1" noRot="1" noChangeAspect="1" noMove="1" noResize="1" noEditPoints="1" noAdjustHandles="1" noChangeArrowheads="1" noChangeShapeType="1"/>
+          </p:cNvCxnSpPr>
+          <p:nvPr>
+            <p:extLst>
+              <p:ext uri="{386F3935-93C4-4BCD-93E2-E3B085C9AB24}">
+                <p16:designElem xmlns:p16="http://schemas.microsoft.com/office/powerpoint/2015/main" val="1"/>
+              </p:ext>
+            </p:extLst>
+          </p:nvPr>
+        </p:nvCxnSpPr>
+        <p:spPr>
+          <a:xfrm>
+            <a:off x="1452617" y="3528543"/>
+            <a:ext cx="4171479" cy="0"/>
+          </a:xfrm>
+          <a:prstGeom prst="line">
+            <a:avLst/>
+          </a:prstGeom>
+          <a:ln w="31750"/>
+        </p:spPr>
+        <p:style>
+          <a:lnRef idx="3">
+            <a:schemeClr val="accent1"/>
+          </a:lnRef>
+          <a:fillRef idx="0">
+            <a:schemeClr val="accent1"/>
+          </a:fillRef>
+          <a:effectRef idx="2">
+            <a:schemeClr val="accent1"/>
+          </a:effectRef>
+          <a:fontRef idx="minor">
+            <a:schemeClr val="tx1"/>
+          </a:fontRef>
+        </p:style>
+      </p:cxnSp>
+      <p:pic>
+        <p:nvPicPr>
+          <p:cNvPr id="5" name="Picture 4" descr="A graph with red bars&#10;&#10;Description automatically generated">
+            <a:extLst>
+              <a:ext uri="{FF2B5EF4-FFF2-40B4-BE49-F238E27FC236}">
+                <a16:creationId xmlns:a16="http://schemas.microsoft.com/office/drawing/2014/main" id="{048D4CA4-00AC-A095-CB28-2F49F39E3A87}"/>
+              </a:ext>
+            </a:extLst>
+          </p:cNvPr>
+          <p:cNvPicPr>
+            <a:picLocks noChangeAspect="1"/>
+          </p:cNvPicPr>
+          <p:nvPr/>
+        </p:nvPicPr>
+        <p:blipFill>
+          <a:blip r:embed="rId3"/>
+          <a:stretch>
+            <a:fillRect/>
+          </a:stretch>
+        </p:blipFill>
+        <p:spPr>
+          <a:xfrm>
+            <a:off x="5010685" y="729586"/>
+            <a:ext cx="7181012" cy="4775372"/>
+          </a:xfrm>
+          <a:prstGeom prst="rect">
+            <a:avLst/>
+          </a:prstGeom>
+        </p:spPr>
+      </p:pic>
+      <p:pic>
+        <p:nvPicPr>
+          <p:cNvPr id="51" name="Picture 50">
+            <a:extLst>
+              <a:ext uri="{FF2B5EF4-FFF2-40B4-BE49-F238E27FC236}">
+                <a16:creationId xmlns:a16="http://schemas.microsoft.com/office/drawing/2014/main" id="{25CED634-E2D0-4AB7-96DD-816C9B52C5CF}"/>
+              </a:ext>
+              <a:ext uri="{C183D7F6-B498-43B3-948B-1728B52AA6E4}">
+                <adec:decorative xmlns:adec="http://schemas.microsoft.com/office/drawing/2017/decorative" val="1"/>
+              </a:ext>
+            </a:extLst>
+          </p:cNvPr>
+          <p:cNvPicPr>
+            <a:picLocks noGrp="1" noRot="1" noChangeAspect="1" noMove="1" noResize="1" noEditPoints="1" noAdjustHandles="1" noChangeArrowheads="1" noChangeShapeType="1" noCrop="1"/>
+          </p:cNvPicPr>
+          <p:nvPr>
+            <p:extLst>
+              <p:ext uri="{386F3935-93C4-4BCD-93E2-E3B085C9AB24}">
+                <p16:designElem xmlns:p16="http://schemas.microsoft.com/office/powerpoint/2015/main" val="1"/>
+              </p:ext>
+            </p:extLst>
+          </p:nvPr>
+        </p:nvPicPr>
+        <p:blipFill rotWithShape="1">
+          <a:blip r:embed="rId2">
+            <a:extLst>
+              <a:ext uri="{28A0092B-C50C-407E-A947-70E740481C1C}">
+                <a14:useLocalDpi xmlns:a14="http://schemas.microsoft.com/office/drawing/2010/main" val="0"/>
+              </a:ext>
+            </a:extLst>
+          </a:blip>
+          <a:srcRect t="1538" b="-1538"/>
+          <a:stretch/>
+        </p:blipFill>
+        <p:spPr bwMode="black">
+          <a:xfrm>
+            <a:off x="0" y="6126480"/>
+            <a:ext cx="12192000" cy="742950"/>
+          </a:xfrm>
+          <a:prstGeom prst="rect">
+            <a:avLst/>
+          </a:prstGeom>
+        </p:spPr>
+      </p:pic>
+      <p:cxnSp>
+        <p:nvCxnSpPr>
+          <p:cNvPr id="53" name="Straight Connector 52">
+            <a:extLst>
+              <a:ext uri="{FF2B5EF4-FFF2-40B4-BE49-F238E27FC236}">
+                <a16:creationId xmlns:a16="http://schemas.microsoft.com/office/drawing/2014/main" id="{FCDDCDFB-696D-4FDF-9B58-24F71B7C37BC}"/>
+              </a:ext>
+              <a:ext uri="{C183D7F6-B498-43B3-948B-1728B52AA6E4}">
+                <adec:decorative xmlns:adec="http://schemas.microsoft.com/office/drawing/2017/decorative" val="1"/>
+              </a:ext>
+            </a:extLst>
+          </p:cNvPr>
+          <p:cNvCxnSpPr>
+            <a:cxnSpLocks noGrp="1" noRot="1" noChangeAspect="1" noMove="1" noResize="1" noEditPoints="1" noAdjustHandles="1" noChangeArrowheads="1" noChangeShapeType="1"/>
+          </p:cNvCxnSpPr>
+          <p:nvPr>
+            <p:extLst>
+              <p:ext uri="{386F3935-93C4-4BCD-93E2-E3B085C9AB24}">
+                <p16:designElem xmlns:p16="http://schemas.microsoft.com/office/powerpoint/2015/main" val="1"/>
+              </p:ext>
+            </p:extLst>
+          </p:nvPr>
+        </p:nvCxnSpPr>
+        <p:spPr>
+          <a:xfrm>
+            <a:off x="0" y="6128413"/>
+            <a:ext cx="12192000" cy="0"/>
+          </a:xfrm>
+          <a:prstGeom prst="line">
+            <a:avLst/>
+          </a:prstGeom>
+          <a:ln w="12700">
+            <a:solidFill>
+              <a:srgbClr val="000001">
+                <a:alpha val="20000"/>
+              </a:srgbClr>
+            </a:solidFill>
+          </a:ln>
+        </p:spPr>
+        <p:style>
+          <a:lnRef idx="1">
+            <a:schemeClr val="accent1"/>
+          </a:lnRef>
+          <a:fillRef idx="0">
+            <a:schemeClr val="accent1"/>
+          </a:fillRef>
+          <a:effectRef idx="0">
+            <a:schemeClr val="accent1"/>
+          </a:effectRef>
+          <a:fontRef idx="minor">
+            <a:schemeClr val="tx1"/>
+          </a:fontRef>
+        </p:style>
+      </p:cxnSp>
+    </p:spTree>
+    <p:extLst>
+      <p:ext uri="{BB962C8B-B14F-4D97-AF65-F5344CB8AC3E}">
+        <p14:creationId xmlns:p14="http://schemas.microsoft.com/office/powerpoint/2010/main" val="2495934607"/>
       </p:ext>
     </p:extLst>
   </p:cSld>

--- a/Presentation1.pptx
+++ b/Presentation1.pptx
@@ -11,6 +11,13 @@
     <p:sldId id="259" r:id="rId5"/>
     <p:sldId id="260" r:id="rId6"/>
     <p:sldId id="261" r:id="rId7"/>
+    <p:sldId id="262" r:id="rId8"/>
+    <p:sldId id="263" r:id="rId9"/>
+    <p:sldId id="264" r:id="rId10"/>
+    <p:sldId id="268" r:id="rId11"/>
+    <p:sldId id="267" r:id="rId12"/>
+    <p:sldId id="265" r:id="rId13"/>
+    <p:sldId id="266" r:id="rId14"/>
   </p:sldIdLst>
   <p:sldSz cx="12192000" cy="6858000"/>
   <p:notesSz cx="6858000" cy="9144000"/>
@@ -109,6 +116,11 @@
       </a:defRPr>
     </a:lvl9pPr>
   </p:defaultTextStyle>
+  <p:extLst>
+    <p:ext uri="{EFAFB233-063F-42B5-8137-9DF3F51BA10A}">
+      <p15:sldGuideLst xmlns:p15="http://schemas.microsoft.com/office/powerpoint/2012/main"/>
+    </p:ext>
+  </p:extLst>
 </p:presentation>
 </file>
 
@@ -251,7 +263,7 @@
           <a:p>
             <a:fld id="{E24842F6-AAFA-8F45-8A9D-01CDE4916F93}" type="datetimeFigureOut">
               <a:rPr lang="en-KE" smtClean="0"/>
-              <a:t>17/12/2024</a:t>
+              <a:t>22/12/2024</a:t>
             </a:fld>
             <a:endParaRPr lang="en-KE"/>
           </a:p>
@@ -462,7 +474,7 @@
           <a:p>
             <a:fld id="{E24842F6-AAFA-8F45-8A9D-01CDE4916F93}" type="datetimeFigureOut">
               <a:rPr lang="en-KE" smtClean="0"/>
-              <a:t>17/12/2024</a:t>
+              <a:t>22/12/2024</a:t>
             </a:fld>
             <a:endParaRPr lang="en-KE"/>
           </a:p>
@@ -677,7 +689,7 @@
           <a:p>
             <a:fld id="{E24842F6-AAFA-8F45-8A9D-01CDE4916F93}" type="datetimeFigureOut">
               <a:rPr lang="en-KE" smtClean="0"/>
-              <a:t>17/12/2024</a:t>
+              <a:t>22/12/2024</a:t>
             </a:fld>
             <a:endParaRPr lang="en-KE"/>
           </a:p>
@@ -878,7 +890,7 @@
           <a:p>
             <a:fld id="{E24842F6-AAFA-8F45-8A9D-01CDE4916F93}" type="datetimeFigureOut">
               <a:rPr lang="en-KE" smtClean="0"/>
-              <a:t>17/12/2024</a:t>
+              <a:t>22/12/2024</a:t>
             </a:fld>
             <a:endParaRPr lang="en-KE"/>
           </a:p>
@@ -1157,7 +1169,7 @@
           <a:p>
             <a:fld id="{E24842F6-AAFA-8F45-8A9D-01CDE4916F93}" type="datetimeFigureOut">
               <a:rPr lang="en-KE" smtClean="0"/>
-              <a:t>17/12/2024</a:t>
+              <a:t>22/12/2024</a:t>
             </a:fld>
             <a:endParaRPr lang="en-KE"/>
           </a:p>
@@ -1425,7 +1437,7 @@
           <a:p>
             <a:fld id="{E24842F6-AAFA-8F45-8A9D-01CDE4916F93}" type="datetimeFigureOut">
               <a:rPr lang="en-KE" smtClean="0"/>
-              <a:t>17/12/2024</a:t>
+              <a:t>22/12/2024</a:t>
             </a:fld>
             <a:endParaRPr lang="en-KE"/>
           </a:p>
@@ -1841,7 +1853,7 @@
           <a:p>
             <a:fld id="{E24842F6-AAFA-8F45-8A9D-01CDE4916F93}" type="datetimeFigureOut">
               <a:rPr lang="en-KE" smtClean="0"/>
-              <a:t>17/12/2024</a:t>
+              <a:t>22/12/2024</a:t>
             </a:fld>
             <a:endParaRPr lang="en-KE"/>
           </a:p>
@@ -1990,7 +2002,7 @@
           <a:p>
             <a:fld id="{E24842F6-AAFA-8F45-8A9D-01CDE4916F93}" type="datetimeFigureOut">
               <a:rPr lang="en-KE" smtClean="0"/>
-              <a:t>17/12/2024</a:t>
+              <a:t>22/12/2024</a:t>
             </a:fld>
             <a:endParaRPr lang="en-KE"/>
           </a:p>
@@ -2116,7 +2128,7 @@
           <a:p>
             <a:fld id="{E24842F6-AAFA-8F45-8A9D-01CDE4916F93}" type="datetimeFigureOut">
               <a:rPr lang="en-KE" smtClean="0"/>
-              <a:t>17/12/2024</a:t>
+              <a:t>22/12/2024</a:t>
             </a:fld>
             <a:endParaRPr lang="en-KE"/>
           </a:p>
@@ -2367,7 +2379,7 @@
           <a:p>
             <a:fld id="{E24842F6-AAFA-8F45-8A9D-01CDE4916F93}" type="datetimeFigureOut">
               <a:rPr lang="en-KE" smtClean="0"/>
-              <a:t>17/12/2024</a:t>
+              <a:t>22/12/2024</a:t>
             </a:fld>
             <a:endParaRPr lang="en-KE"/>
           </a:p>
@@ -2812,7 +2824,7 @@
           <a:p>
             <a:fld id="{E24842F6-AAFA-8F45-8A9D-01CDE4916F93}" type="datetimeFigureOut">
               <a:rPr lang="en-KE" smtClean="0"/>
-              <a:t>17/12/2024</a:t>
+              <a:t>22/12/2024</a:t>
             </a:fld>
             <a:endParaRPr lang="en-KE"/>
           </a:p>
@@ -3139,7 +3151,7 @@
           <a:p>
             <a:fld id="{E24842F6-AAFA-8F45-8A9D-01CDE4916F93}" type="datetimeFigureOut">
               <a:rPr lang="en-KE" smtClean="0"/>
-              <a:t>17/12/2024</a:t>
+              <a:t>22/12/2024</a:t>
             </a:fld>
             <a:endParaRPr lang="en-KE"/>
           </a:p>
@@ -3694,6 +3706,592 @@
 </p:sld>
 </file>
 
+<file path=ppt/slides/slide10.xml><?xml version="1.0" encoding="utf-8"?>
+<p:sld xmlns:a="http://schemas.openxmlformats.org/drawingml/2006/main" xmlns:r="http://schemas.openxmlformats.org/officeDocument/2006/relationships" xmlns:p="http://schemas.openxmlformats.org/presentationml/2006/main">
+  <p:cSld>
+    <p:spTree>
+      <p:nvGrpSpPr>
+        <p:cNvPr id="1" name="">
+          <a:extLst>
+            <a:ext uri="{FF2B5EF4-FFF2-40B4-BE49-F238E27FC236}">
+              <a16:creationId xmlns:a16="http://schemas.microsoft.com/office/drawing/2014/main" id="{4E0202F9-0037-E803-DD70-0BE3EE892B8D}"/>
+            </a:ext>
+          </a:extLst>
+        </p:cNvPr>
+        <p:cNvGrpSpPr/>
+        <p:nvPr/>
+      </p:nvGrpSpPr>
+      <p:grpSpPr>
+        <a:xfrm>
+          <a:off x="0" y="0"/>
+          <a:ext cx="0" cy="0"/>
+          <a:chOff x="0" y="0"/>
+          <a:chExt cx="0" cy="0"/>
+        </a:xfrm>
+      </p:grpSpPr>
+      <p:sp>
+        <p:nvSpPr>
+          <p:cNvPr id="3" name="Title 2">
+            <a:extLst>
+              <a:ext uri="{FF2B5EF4-FFF2-40B4-BE49-F238E27FC236}">
+                <a16:creationId xmlns:a16="http://schemas.microsoft.com/office/drawing/2014/main" id="{CA5A0574-DD58-FEC7-B807-B352A7E0D91C}"/>
+              </a:ext>
+            </a:extLst>
+          </p:cNvPr>
+          <p:cNvSpPr>
+            <a:spLocks noGrp="1"/>
+          </p:cNvSpPr>
+          <p:nvPr>
+            <p:ph type="title"/>
+          </p:nvPr>
+        </p:nvSpPr>
+        <p:spPr/>
+        <p:txBody>
+          <a:bodyPr/>
+          <a:lstStyle/>
+          <a:p>
+            <a:r>
+              <a:rPr lang="en-GB" dirty="0"/>
+              <a:t>M</a:t>
+            </a:r>
+            <a:r>
+              <a:rPr lang="en-KE" dirty="0"/>
+              <a:t>odel comparison</a:t>
+            </a:r>
+          </a:p>
+        </p:txBody>
+      </p:sp>
+      <p:sp>
+        <p:nvSpPr>
+          <p:cNvPr id="4" name="Content Placeholder 3">
+            <a:extLst>
+              <a:ext uri="{FF2B5EF4-FFF2-40B4-BE49-F238E27FC236}">
+                <a16:creationId xmlns:a16="http://schemas.microsoft.com/office/drawing/2014/main" id="{47146EB1-FC80-D4BE-5421-ADFA696B84CD}"/>
+              </a:ext>
+            </a:extLst>
+          </p:cNvPr>
+          <p:cNvSpPr>
+            <a:spLocks noGrp="1"/>
+          </p:cNvSpPr>
+          <p:nvPr>
+            <p:ph idx="1"/>
+          </p:nvPr>
+        </p:nvSpPr>
+        <p:spPr/>
+        <p:txBody>
+          <a:bodyPr>
+            <a:normAutofit/>
+          </a:bodyPr>
+          <a:lstStyle/>
+          <a:p>
+            <a:pPr marL="0" indent="0" algn="l">
+              <a:spcAft>
+                <a:spcPts val="450"/>
+              </a:spcAft>
+              <a:buNone/>
+            </a:pPr>
+            <a:r>
+              <a:rPr lang="en-GB" dirty="0">
+                <a:latin typeface="Roboto" panose="02000000000000000000" pitchFamily="2" charset="0"/>
+              </a:rPr>
+              <a:t>From all the models mentioned above that were tested, Gradient boosting emerged the best given the size of the data in play for this project.</a:t>
+            </a:r>
+          </a:p>
+          <a:p>
+            <a:r>
+              <a:rPr lang="en-GB" dirty="0">
+                <a:latin typeface="Roboto" panose="02000000000000000000" pitchFamily="2" charset="0"/>
+              </a:rPr>
+              <a:t>The Model combines the </a:t>
+            </a:r>
+            <a:r>
+              <a:rPr lang="en-GB">
+                <a:latin typeface="Roboto" panose="02000000000000000000" pitchFamily="2" charset="0"/>
+              </a:rPr>
+              <a:t>strengths the </a:t>
+            </a:r>
+            <a:r>
+              <a:rPr lang="en-GB" dirty="0">
+                <a:latin typeface="Roboto" panose="02000000000000000000" pitchFamily="2" charset="0"/>
+              </a:rPr>
+              <a:t>flexibility of Decision Trees, allowing it to model complex non-linear relationships, handle interactions between features and generalize well on unseen data. Its performance were further enhanced through Hyperparameter Tuning, which likely led to it outperforming the other models tested.</a:t>
+            </a:r>
+          </a:p>
+          <a:p>
+            <a:endParaRPr lang="en-KE" dirty="0"/>
+          </a:p>
+        </p:txBody>
+      </p:sp>
+    </p:spTree>
+    <p:extLst>
+      <p:ext uri="{BB962C8B-B14F-4D97-AF65-F5344CB8AC3E}">
+        <p14:creationId xmlns:p14="http://schemas.microsoft.com/office/powerpoint/2010/main" val="1023269620"/>
+      </p:ext>
+    </p:extLst>
+  </p:cSld>
+  <p:clrMapOvr>
+    <a:masterClrMapping/>
+  </p:clrMapOvr>
+</p:sld>
+</file>
+
+<file path=ppt/slides/slide11.xml><?xml version="1.0" encoding="utf-8"?>
+<p:sld xmlns:a="http://schemas.openxmlformats.org/drawingml/2006/main" xmlns:r="http://schemas.openxmlformats.org/officeDocument/2006/relationships" xmlns:p="http://schemas.openxmlformats.org/presentationml/2006/main">
+  <p:cSld>
+    <p:spTree>
+      <p:nvGrpSpPr>
+        <p:cNvPr id="1" name="">
+          <a:extLst>
+            <a:ext uri="{FF2B5EF4-FFF2-40B4-BE49-F238E27FC236}">
+              <a16:creationId xmlns:a16="http://schemas.microsoft.com/office/drawing/2014/main" id="{D6DE8301-B6A1-6D81-9144-D1DCF8C28A23}"/>
+            </a:ext>
+          </a:extLst>
+        </p:cNvPr>
+        <p:cNvGrpSpPr/>
+        <p:nvPr/>
+      </p:nvGrpSpPr>
+      <p:grpSpPr>
+        <a:xfrm>
+          <a:off x="0" y="0"/>
+          <a:ext cx="0" cy="0"/>
+          <a:chOff x="0" y="0"/>
+          <a:chExt cx="0" cy="0"/>
+        </a:xfrm>
+      </p:grpSpPr>
+      <p:sp>
+        <p:nvSpPr>
+          <p:cNvPr id="3" name="Title 2">
+            <a:extLst>
+              <a:ext uri="{FF2B5EF4-FFF2-40B4-BE49-F238E27FC236}">
+                <a16:creationId xmlns:a16="http://schemas.microsoft.com/office/drawing/2014/main" id="{E7AB3807-5BF7-A521-C2A5-112483DA91B8}"/>
+              </a:ext>
+            </a:extLst>
+          </p:cNvPr>
+          <p:cNvSpPr>
+            <a:spLocks noGrp="1"/>
+          </p:cNvSpPr>
+          <p:nvPr>
+            <p:ph type="title"/>
+          </p:nvPr>
+        </p:nvSpPr>
+        <p:spPr/>
+        <p:txBody>
+          <a:bodyPr/>
+          <a:lstStyle/>
+          <a:p>
+            <a:r>
+              <a:rPr lang="en-KE" dirty="0"/>
+              <a:t>DATA MODELING</a:t>
+            </a:r>
+          </a:p>
+        </p:txBody>
+      </p:sp>
+      <p:sp>
+        <p:nvSpPr>
+          <p:cNvPr id="4" name="Content Placeholder 3">
+            <a:extLst>
+              <a:ext uri="{FF2B5EF4-FFF2-40B4-BE49-F238E27FC236}">
+                <a16:creationId xmlns:a16="http://schemas.microsoft.com/office/drawing/2014/main" id="{BFFA87CF-C474-11C0-3D2B-8F50E015B6C9}"/>
+              </a:ext>
+            </a:extLst>
+          </p:cNvPr>
+          <p:cNvSpPr>
+            <a:spLocks noGrp="1"/>
+          </p:cNvSpPr>
+          <p:nvPr>
+            <p:ph idx="1"/>
+          </p:nvPr>
+        </p:nvSpPr>
+        <p:spPr/>
+        <p:txBody>
+          <a:bodyPr/>
+          <a:lstStyle/>
+          <a:p>
+            <a:pPr marL="0" indent="0" algn="l">
+              <a:spcAft>
+                <a:spcPts val="450"/>
+              </a:spcAft>
+              <a:buNone/>
+            </a:pPr>
+            <a:r>
+              <a:rPr lang="en-GB" b="0" i="0" dirty="0">
+                <a:effectLst/>
+                <a:latin typeface="Roboto" panose="02000000000000000000" pitchFamily="2" charset="0"/>
+              </a:rPr>
+              <a:t>Several machine learning models will be trained and evaluated, including:</a:t>
+            </a:r>
+          </a:p>
+          <a:p>
+            <a:pPr algn="l">
+              <a:buFont typeface="+mj-lt"/>
+              <a:buAutoNum type="arabicPeriod"/>
+            </a:pPr>
+            <a:r>
+              <a:rPr lang="en-GB" b="0" i="0" dirty="0">
+                <a:effectLst/>
+                <a:latin typeface="Roboto" panose="02000000000000000000" pitchFamily="2" charset="0"/>
+              </a:rPr>
+              <a:t>Logistic Regression</a:t>
+            </a:r>
+          </a:p>
+          <a:p>
+            <a:pPr algn="l">
+              <a:buFont typeface="+mj-lt"/>
+              <a:buAutoNum type="arabicPeriod"/>
+            </a:pPr>
+            <a:r>
+              <a:rPr lang="en-GB" b="0" i="0" dirty="0">
+                <a:effectLst/>
+                <a:latin typeface="Roboto" panose="02000000000000000000" pitchFamily="2" charset="0"/>
+              </a:rPr>
+              <a:t>Regularized Logistic Regression</a:t>
+            </a:r>
+          </a:p>
+          <a:p>
+            <a:pPr algn="l">
+              <a:buFont typeface="+mj-lt"/>
+              <a:buAutoNum type="arabicPeriod"/>
+            </a:pPr>
+            <a:r>
+              <a:rPr lang="en-GB" b="0" i="0" dirty="0">
+                <a:effectLst/>
+                <a:latin typeface="Roboto" panose="02000000000000000000" pitchFamily="2" charset="0"/>
+              </a:rPr>
+              <a:t>Decision Trees</a:t>
+            </a:r>
+          </a:p>
+          <a:p>
+            <a:pPr algn="l">
+              <a:buFont typeface="+mj-lt"/>
+              <a:buAutoNum type="arabicPeriod"/>
+            </a:pPr>
+            <a:r>
+              <a:rPr lang="en-GB" b="0" i="0" dirty="0">
+                <a:effectLst/>
+                <a:latin typeface="Roboto" panose="02000000000000000000" pitchFamily="2" charset="0"/>
+              </a:rPr>
+              <a:t>Random Forest</a:t>
+            </a:r>
+          </a:p>
+          <a:p>
+            <a:pPr algn="l">
+              <a:buFont typeface="+mj-lt"/>
+              <a:buAutoNum type="arabicPeriod"/>
+            </a:pPr>
+            <a:r>
+              <a:rPr lang="en-GB" b="0" i="0" dirty="0">
+                <a:effectLst/>
+                <a:latin typeface="Roboto" panose="02000000000000000000" pitchFamily="2" charset="0"/>
+              </a:rPr>
+              <a:t>Gradient Boosting</a:t>
+            </a:r>
+          </a:p>
+          <a:p>
+            <a:endParaRPr lang="en-KE" dirty="0"/>
+          </a:p>
+        </p:txBody>
+      </p:sp>
+    </p:spTree>
+    <p:extLst>
+      <p:ext uri="{BB962C8B-B14F-4D97-AF65-F5344CB8AC3E}">
+        <p14:creationId xmlns:p14="http://schemas.microsoft.com/office/powerpoint/2010/main" val="1815661309"/>
+      </p:ext>
+    </p:extLst>
+  </p:cSld>
+  <p:clrMapOvr>
+    <a:masterClrMapping/>
+  </p:clrMapOvr>
+</p:sld>
+</file>
+
+<file path=ppt/slides/slide12.xml><?xml version="1.0" encoding="utf-8"?>
+<p:sld xmlns:a="http://schemas.openxmlformats.org/drawingml/2006/main" xmlns:r="http://schemas.openxmlformats.org/officeDocument/2006/relationships" xmlns:p="http://schemas.openxmlformats.org/presentationml/2006/main">
+  <p:cSld>
+    <p:spTree>
+      <p:nvGrpSpPr>
+        <p:cNvPr id="1" name=""/>
+        <p:cNvGrpSpPr/>
+        <p:nvPr/>
+      </p:nvGrpSpPr>
+      <p:grpSpPr>
+        <a:xfrm>
+          <a:off x="0" y="0"/>
+          <a:ext cx="0" cy="0"/>
+          <a:chOff x="0" y="0"/>
+          <a:chExt cx="0" cy="0"/>
+        </a:xfrm>
+      </p:grpSpPr>
+      <p:sp>
+        <p:nvSpPr>
+          <p:cNvPr id="2" name="Title 1">
+            <a:extLst>
+              <a:ext uri="{FF2B5EF4-FFF2-40B4-BE49-F238E27FC236}">
+                <a16:creationId xmlns:a16="http://schemas.microsoft.com/office/drawing/2014/main" id="{54951E08-05A5-0E3C-D7F6-C7355B4DB8BB}"/>
+              </a:ext>
+            </a:extLst>
+          </p:cNvPr>
+          <p:cNvSpPr>
+            <a:spLocks noGrp="1"/>
+          </p:cNvSpPr>
+          <p:nvPr>
+            <p:ph type="title"/>
+          </p:nvPr>
+        </p:nvSpPr>
+        <p:spPr/>
+        <p:txBody>
+          <a:bodyPr/>
+          <a:lstStyle/>
+          <a:p>
+            <a:r>
+              <a:rPr lang="en-GB" b="0" i="0" dirty="0">
+                <a:effectLst/>
+                <a:latin typeface="Roboto" panose="02000000000000000000" pitchFamily="2" charset="0"/>
+              </a:rPr>
+              <a:t>Best model</a:t>
+            </a:r>
+            <a:endParaRPr lang="en-KE" dirty="0"/>
+          </a:p>
+        </p:txBody>
+      </p:sp>
+      <p:sp>
+        <p:nvSpPr>
+          <p:cNvPr id="3" name="Content Placeholder 2">
+            <a:extLst>
+              <a:ext uri="{FF2B5EF4-FFF2-40B4-BE49-F238E27FC236}">
+                <a16:creationId xmlns:a16="http://schemas.microsoft.com/office/drawing/2014/main" id="{43621232-DC15-60C9-E1A9-6B2886B4E481}"/>
+              </a:ext>
+            </a:extLst>
+          </p:cNvPr>
+          <p:cNvSpPr>
+            <a:spLocks noGrp="1"/>
+          </p:cNvSpPr>
+          <p:nvPr>
+            <p:ph idx="1"/>
+          </p:nvPr>
+        </p:nvSpPr>
+        <p:spPr/>
+        <p:txBody>
+          <a:bodyPr>
+            <a:normAutofit lnSpcReduction="10000"/>
+          </a:bodyPr>
+          <a:lstStyle/>
+          <a:p>
+            <a:pPr algn="l">
+              <a:spcBef>
+                <a:spcPts val="525"/>
+              </a:spcBef>
+              <a:spcAft>
+                <a:spcPts val="375"/>
+              </a:spcAft>
+            </a:pPr>
+            <a:r>
+              <a:rPr lang="en-GB" b="0" i="0" dirty="0">
+                <a:effectLst/>
+                <a:latin typeface="Roboto" panose="02000000000000000000" pitchFamily="2" charset="0"/>
+              </a:rPr>
+              <a:t>Best model in our case as indicated on the chart is Gradient Boosting</a:t>
+            </a:r>
+          </a:p>
+          <a:p>
+            <a:pPr algn="l">
+              <a:spcBef>
+                <a:spcPts val="525"/>
+              </a:spcBef>
+              <a:spcAft>
+                <a:spcPts val="450"/>
+              </a:spcAft>
+            </a:pPr>
+            <a:r>
+              <a:rPr lang="en-GB" b="0" i="0" dirty="0">
+                <a:effectLst/>
+                <a:latin typeface="Roboto" panose="02000000000000000000" pitchFamily="2" charset="0"/>
+              </a:rPr>
+              <a:t>Gradient Boosting emerged as the top-performing model for this problem primarily due to the large size of the dataset. It leverages the strengths of ensemble learning and the flexibility of Decision Trees, enabling it to capture complex non-linear relationships, handle feature interactions effectively, and generalize well to unseen data. Additionally, its performance was further optimized through hyperparameter tuning, which likely contributed to its superior results compared to the other models.</a:t>
+            </a:r>
+            <a:br>
+              <a:rPr lang="en-GB" dirty="0"/>
+            </a:br>
+            <a:endParaRPr lang="en-KE" dirty="0"/>
+          </a:p>
+        </p:txBody>
+      </p:sp>
+    </p:spTree>
+    <p:extLst>
+      <p:ext uri="{BB962C8B-B14F-4D97-AF65-F5344CB8AC3E}">
+        <p14:creationId xmlns:p14="http://schemas.microsoft.com/office/powerpoint/2010/main" val="2337275269"/>
+      </p:ext>
+    </p:extLst>
+  </p:cSld>
+  <p:clrMapOvr>
+    <a:masterClrMapping/>
+  </p:clrMapOvr>
+</p:sld>
+</file>
+
+<file path=ppt/slides/slide13.xml><?xml version="1.0" encoding="utf-8"?>
+<p:sld xmlns:a="http://schemas.openxmlformats.org/drawingml/2006/main" xmlns:r="http://schemas.openxmlformats.org/officeDocument/2006/relationships" xmlns:p="http://schemas.openxmlformats.org/presentationml/2006/main">
+  <p:cSld>
+    <p:spTree>
+      <p:nvGrpSpPr>
+        <p:cNvPr id="1" name="">
+          <a:extLst>
+            <a:ext uri="{FF2B5EF4-FFF2-40B4-BE49-F238E27FC236}">
+              <a16:creationId xmlns:a16="http://schemas.microsoft.com/office/drawing/2014/main" id="{5DB339B1-728E-2BE7-E2F1-56760FB006C6}"/>
+            </a:ext>
+          </a:extLst>
+        </p:cNvPr>
+        <p:cNvGrpSpPr/>
+        <p:nvPr/>
+      </p:nvGrpSpPr>
+      <p:grpSpPr>
+        <a:xfrm>
+          <a:off x="0" y="0"/>
+          <a:ext cx="0" cy="0"/>
+          <a:chOff x="0" y="0"/>
+          <a:chExt cx="0" cy="0"/>
+        </a:xfrm>
+      </p:grpSpPr>
+      <p:sp>
+        <p:nvSpPr>
+          <p:cNvPr id="2" name="Title 1">
+            <a:extLst>
+              <a:ext uri="{FF2B5EF4-FFF2-40B4-BE49-F238E27FC236}">
+                <a16:creationId xmlns:a16="http://schemas.microsoft.com/office/drawing/2014/main" id="{7867E61A-CC91-D040-3372-44578B0A1063}"/>
+              </a:ext>
+            </a:extLst>
+          </p:cNvPr>
+          <p:cNvSpPr>
+            <a:spLocks noGrp="1"/>
+          </p:cNvSpPr>
+          <p:nvPr>
+            <p:ph type="title"/>
+          </p:nvPr>
+        </p:nvSpPr>
+        <p:spPr/>
+        <p:txBody>
+          <a:bodyPr/>
+          <a:lstStyle/>
+          <a:p>
+            <a:r>
+              <a:rPr lang="en-GB" b="0" i="0" dirty="0">
+                <a:effectLst/>
+                <a:latin typeface="Roboto" panose="02000000000000000000" pitchFamily="2" charset="0"/>
+              </a:rPr>
+              <a:t>Recommendations</a:t>
+            </a:r>
+            <a:endParaRPr lang="en-KE" dirty="0"/>
+          </a:p>
+        </p:txBody>
+      </p:sp>
+      <p:sp>
+        <p:nvSpPr>
+          <p:cNvPr id="3" name="Content Placeholder 2">
+            <a:extLst>
+              <a:ext uri="{FF2B5EF4-FFF2-40B4-BE49-F238E27FC236}">
+                <a16:creationId xmlns:a16="http://schemas.microsoft.com/office/drawing/2014/main" id="{66BE56A5-F770-47E8-2A0B-D82F70D5EB1E}"/>
+              </a:ext>
+            </a:extLst>
+          </p:cNvPr>
+          <p:cNvSpPr>
+            <a:spLocks noGrp="1"/>
+          </p:cNvSpPr>
+          <p:nvPr>
+            <p:ph idx="1"/>
+          </p:nvPr>
+        </p:nvSpPr>
+        <p:spPr/>
+        <p:txBody>
+          <a:bodyPr>
+            <a:normAutofit fontScale="85000" lnSpcReduction="10000"/>
+          </a:bodyPr>
+          <a:lstStyle/>
+          <a:p>
+            <a:pPr>
+              <a:spcBef>
+                <a:spcPts val="525"/>
+              </a:spcBef>
+              <a:spcAft>
+                <a:spcPts val="450"/>
+              </a:spcAft>
+            </a:pPr>
+            <a:r>
+              <a:rPr lang="en-GB" b="0" i="0" dirty="0">
+                <a:effectLst/>
+                <a:latin typeface="Roboto" panose="02000000000000000000" pitchFamily="2" charset="0"/>
+              </a:rPr>
+              <a:t>Policy Adjustments: Modify traffic regulations and safety measures based on observed patterns, such as enhancing signage or enforcing speed limits in high-risk zones.</a:t>
+            </a:r>
+          </a:p>
+          <a:p>
+            <a:pPr algn="l">
+              <a:spcBef>
+                <a:spcPts val="525"/>
+              </a:spcBef>
+              <a:spcAft>
+                <a:spcPts val="450"/>
+              </a:spcAft>
+            </a:pPr>
+            <a:r>
+              <a:rPr lang="en-GB" b="0" i="0" dirty="0">
+                <a:effectLst/>
+                <a:latin typeface="Roboto" panose="02000000000000000000" pitchFamily="2" charset="0"/>
+              </a:rPr>
+              <a:t>Enhanced Traffic Monitoring: Focus on targeted interventions in areas with high accident rates, addressing the identified contributory factors to mitigate risks effectively.</a:t>
+            </a:r>
+          </a:p>
+          <a:p>
+            <a:pPr algn="l">
+              <a:spcBef>
+                <a:spcPts val="525"/>
+              </a:spcBef>
+              <a:spcAft>
+                <a:spcPts val="450"/>
+              </a:spcAft>
+            </a:pPr>
+            <a:r>
+              <a:rPr lang="en-GB" b="0" i="0" dirty="0">
+                <a:effectLst/>
+                <a:latin typeface="Roboto" panose="02000000000000000000" pitchFamily="2" charset="0"/>
+              </a:rPr>
+              <a:t>Model Deployment: Deploy the top-performing model in a real-time traffic monitoring system to deliver proactive alerts and help reduce accident rates.</a:t>
+            </a:r>
+          </a:p>
+          <a:p>
+            <a:pPr algn="l">
+              <a:spcBef>
+                <a:spcPts val="525"/>
+              </a:spcBef>
+              <a:spcAft>
+                <a:spcPts val="450"/>
+              </a:spcAft>
+            </a:pPr>
+            <a:r>
+              <a:rPr lang="en-GB" b="0" i="0" dirty="0">
+                <a:effectLst/>
+                <a:latin typeface="Roboto" panose="02000000000000000000" pitchFamily="2" charset="0"/>
+              </a:rPr>
+              <a:t>Further Research: Expand this analysis by incorporating more recent data and additional features, such as vehicle types and driver demographics, to improve model accuracy and insights.</a:t>
+            </a:r>
+            <a:br>
+              <a:rPr lang="en-GB" dirty="0"/>
+            </a:br>
+            <a:endParaRPr lang="en-KE" dirty="0"/>
+          </a:p>
+        </p:txBody>
+      </p:sp>
+    </p:spTree>
+    <p:extLst>
+      <p:ext uri="{BB962C8B-B14F-4D97-AF65-F5344CB8AC3E}">
+        <p14:creationId xmlns:p14="http://schemas.microsoft.com/office/powerpoint/2010/main" val="1919562608"/>
+      </p:ext>
+    </p:extLst>
+  </p:cSld>
+  <p:clrMapOvr>
+    <a:masterClrMapping/>
+  </p:clrMapOvr>
+</p:sld>
+</file>
+
 <file path=ppt/slides/slide2.xml><?xml version="1.0" encoding="utf-8"?>
 <p:sld xmlns:a="http://schemas.openxmlformats.org/drawingml/2006/main" xmlns:r="http://schemas.openxmlformats.org/officeDocument/2006/relationships" xmlns:p="http://schemas.openxmlformats.org/presentationml/2006/main">
   <p:cSld>
@@ -5777,6 +6375,1456 @@
     <p:extLst>
       <p:ext uri="{BB962C8B-B14F-4D97-AF65-F5344CB8AC3E}">
         <p14:creationId xmlns:p14="http://schemas.microsoft.com/office/powerpoint/2010/main" val="2495934607"/>
+      </p:ext>
+    </p:extLst>
+  </p:cSld>
+  <p:clrMapOvr>
+    <a:masterClrMapping/>
+  </p:clrMapOvr>
+</p:sld>
+</file>
+
+<file path=ppt/slides/slide7.xml><?xml version="1.0" encoding="utf-8"?>
+<p:sld xmlns:a="http://schemas.openxmlformats.org/drawingml/2006/main" xmlns:r="http://schemas.openxmlformats.org/officeDocument/2006/relationships" xmlns:p="http://schemas.openxmlformats.org/presentationml/2006/main">
+  <p:cSld>
+    <p:bg>
+      <p:bgPr>
+        <a:gradFill rotWithShape="1">
+          <a:gsLst>
+            <a:gs pos="0">
+              <a:schemeClr val="bg2">
+                <a:tint val="94000"/>
+                <a:satMod val="80000"/>
+                <a:lumMod val="106000"/>
+              </a:schemeClr>
+            </a:gs>
+            <a:gs pos="100000">
+              <a:schemeClr val="bg2">
+                <a:shade val="80000"/>
+              </a:schemeClr>
+            </a:gs>
+          </a:gsLst>
+          <a:path path="circle">
+            <a:fillToRect l="43000" r="43000" b="100000"/>
+          </a:path>
+        </a:gradFill>
+        <a:effectLst/>
+      </p:bgPr>
+    </p:bg>
+    <p:spTree>
+      <p:nvGrpSpPr>
+        <p:cNvPr id="1" name="">
+          <a:extLst>
+            <a:ext uri="{FF2B5EF4-FFF2-40B4-BE49-F238E27FC236}">
+              <a16:creationId xmlns:a16="http://schemas.microsoft.com/office/drawing/2014/main" id="{089090D0-D9AA-EEE1-2F7B-0BF0CA77F37D}"/>
+            </a:ext>
+          </a:extLst>
+        </p:cNvPr>
+        <p:cNvGrpSpPr/>
+        <p:nvPr/>
+      </p:nvGrpSpPr>
+      <p:grpSpPr>
+        <a:xfrm>
+          <a:off x="0" y="0"/>
+          <a:ext cx="0" cy="0"/>
+          <a:chOff x="0" y="0"/>
+          <a:chExt cx="0" cy="0"/>
+        </a:xfrm>
+      </p:grpSpPr>
+      <p:sp>
+        <p:nvSpPr>
+          <p:cNvPr id="37" name="Rectangle 36">
+            <a:extLst>
+              <a:ext uri="{FF2B5EF4-FFF2-40B4-BE49-F238E27FC236}">
+                <a16:creationId xmlns:a16="http://schemas.microsoft.com/office/drawing/2014/main" id="{D4BCBF9C-C8D4-FBE0-7AAA-4E2FA306B2DD}"/>
+              </a:ext>
+              <a:ext uri="{C183D7F6-B498-43B3-948B-1728B52AA6E4}">
+                <adec:decorative xmlns:adec="http://schemas.microsoft.com/office/drawing/2017/decorative" val="1"/>
+              </a:ext>
+            </a:extLst>
+          </p:cNvPr>
+          <p:cNvSpPr>
+            <a:spLocks noGrp="1" noRot="1" noChangeAspect="1" noMove="1" noResize="1" noEditPoints="1" noAdjustHandles="1" noChangeArrowheads="1" noChangeShapeType="1" noTextEdit="1"/>
+          </p:cNvSpPr>
+          <p:nvPr>
+            <p:extLst>
+              <p:ext uri="{386F3935-93C4-4BCD-93E2-E3B085C9AB24}">
+                <p16:designElem xmlns:p16="http://schemas.microsoft.com/office/powerpoint/2015/main" val="1"/>
+              </p:ext>
+            </p:extLst>
+          </p:nvPr>
+        </p:nvSpPr>
+        <p:spPr>
+          <a:xfrm>
+            <a:off x="0" y="2019476"/>
+            <a:ext cx="12192000" cy="4105941"/>
+          </a:xfrm>
+          <a:prstGeom prst="rect">
+            <a:avLst/>
+          </a:prstGeom>
+          <a:gradFill flip="none" rotWithShape="1">
+            <a:gsLst>
+              <a:gs pos="0">
+                <a:schemeClr val="bg2">
+                  <a:alpha val="0"/>
+                </a:schemeClr>
+              </a:gs>
+              <a:gs pos="100000">
+                <a:schemeClr val="bg2"/>
+              </a:gs>
+            </a:gsLst>
+            <a:lin ang="5400000" scaled="0"/>
+            <a:tileRect/>
+          </a:gradFill>
+          <a:ln>
+            <a:noFill/>
+          </a:ln>
+        </p:spPr>
+        <p:style>
+          <a:lnRef idx="2">
+            <a:schemeClr val="accent1">
+              <a:shade val="50000"/>
+            </a:schemeClr>
+          </a:lnRef>
+          <a:fillRef idx="1">
+            <a:schemeClr val="accent1"/>
+          </a:fillRef>
+          <a:effectRef idx="0">
+            <a:schemeClr val="accent1"/>
+          </a:effectRef>
+          <a:fontRef idx="minor">
+            <a:schemeClr val="lt1"/>
+          </a:fontRef>
+        </p:style>
+        <p:txBody>
+          <a:bodyPr/>
+          <a:lstStyle/>
+          <a:p>
+            <a:endParaRPr lang="en-KE"/>
+          </a:p>
+        </p:txBody>
+      </p:sp>
+      <p:pic>
+        <p:nvPicPr>
+          <p:cNvPr id="39" name="Picture 38">
+            <a:extLst>
+              <a:ext uri="{FF2B5EF4-FFF2-40B4-BE49-F238E27FC236}">
+                <a16:creationId xmlns:a16="http://schemas.microsoft.com/office/drawing/2014/main" id="{222F873F-EE3A-769A-7093-29528A4A810F}"/>
+              </a:ext>
+              <a:ext uri="{C183D7F6-B498-43B3-948B-1728B52AA6E4}">
+                <adec:decorative xmlns:adec="http://schemas.microsoft.com/office/drawing/2017/decorative" val="1"/>
+              </a:ext>
+            </a:extLst>
+          </p:cNvPr>
+          <p:cNvPicPr>
+            <a:picLocks noGrp="1" noRot="1" noChangeAspect="1" noMove="1" noResize="1" noEditPoints="1" noAdjustHandles="1" noChangeArrowheads="1" noChangeShapeType="1" noCrop="1"/>
+          </p:cNvPicPr>
+          <p:nvPr>
+            <p:extLst>
+              <p:ext uri="{386F3935-93C4-4BCD-93E2-E3B085C9AB24}">
+                <p16:designElem xmlns:p16="http://schemas.microsoft.com/office/powerpoint/2015/main" val="1"/>
+              </p:ext>
+            </p:extLst>
+          </p:nvPr>
+        </p:nvPicPr>
+        <p:blipFill rotWithShape="1">
+          <a:blip r:embed="rId2">
+            <a:extLst>
+              <a:ext uri="{28A0092B-C50C-407E-A947-70E740481C1C}">
+                <a14:useLocalDpi xmlns:a14="http://schemas.microsoft.com/office/drawing/2010/main" val="0"/>
+              </a:ext>
+            </a:extLst>
+          </a:blip>
+          <a:srcRect t="1538" b="-1538"/>
+          <a:stretch/>
+        </p:blipFill>
+        <p:spPr bwMode="black">
+          <a:xfrm>
+            <a:off x="0" y="6126480"/>
+            <a:ext cx="12192000" cy="742950"/>
+          </a:xfrm>
+          <a:prstGeom prst="rect">
+            <a:avLst/>
+          </a:prstGeom>
+        </p:spPr>
+      </p:pic>
+      <p:cxnSp>
+        <p:nvCxnSpPr>
+          <p:cNvPr id="41" name="Straight Connector 40">
+            <a:extLst>
+              <a:ext uri="{FF2B5EF4-FFF2-40B4-BE49-F238E27FC236}">
+                <a16:creationId xmlns:a16="http://schemas.microsoft.com/office/drawing/2014/main" id="{45149CE8-68F8-7425-AEAA-6C6E3AF9279E}"/>
+              </a:ext>
+              <a:ext uri="{C183D7F6-B498-43B3-948B-1728B52AA6E4}">
+                <adec:decorative xmlns:adec="http://schemas.microsoft.com/office/drawing/2017/decorative" val="1"/>
+              </a:ext>
+            </a:extLst>
+          </p:cNvPr>
+          <p:cNvCxnSpPr>
+            <a:cxnSpLocks noGrp="1" noRot="1" noChangeAspect="1" noMove="1" noResize="1" noEditPoints="1" noAdjustHandles="1" noChangeArrowheads="1" noChangeShapeType="1"/>
+          </p:cNvCxnSpPr>
+          <p:nvPr>
+            <p:extLst>
+              <p:ext uri="{386F3935-93C4-4BCD-93E2-E3B085C9AB24}">
+                <p16:designElem xmlns:p16="http://schemas.microsoft.com/office/powerpoint/2015/main" val="1"/>
+              </p:ext>
+            </p:extLst>
+          </p:nvPr>
+        </p:nvCxnSpPr>
+        <p:spPr>
+          <a:xfrm>
+            <a:off x="0" y="6128413"/>
+            <a:ext cx="12192000" cy="0"/>
+          </a:xfrm>
+          <a:prstGeom prst="line">
+            <a:avLst/>
+          </a:prstGeom>
+          <a:ln w="12700">
+            <a:solidFill>
+              <a:srgbClr val="000001">
+                <a:alpha val="20000"/>
+              </a:srgbClr>
+            </a:solidFill>
+          </a:ln>
+        </p:spPr>
+        <p:style>
+          <a:lnRef idx="1">
+            <a:schemeClr val="accent1"/>
+          </a:lnRef>
+          <a:fillRef idx="0">
+            <a:schemeClr val="accent1"/>
+          </a:fillRef>
+          <a:effectRef idx="0">
+            <a:schemeClr val="accent1"/>
+          </a:effectRef>
+          <a:fontRef idx="minor">
+            <a:schemeClr val="tx1"/>
+          </a:fontRef>
+        </p:style>
+      </p:cxnSp>
+      <p:cxnSp>
+        <p:nvCxnSpPr>
+          <p:cNvPr id="43" name="Straight Connector 42">
+            <a:extLst>
+              <a:ext uri="{FF2B5EF4-FFF2-40B4-BE49-F238E27FC236}">
+                <a16:creationId xmlns:a16="http://schemas.microsoft.com/office/drawing/2014/main" id="{721F7DF0-3EE1-9E6B-B120-E0DA803FE13B}"/>
+              </a:ext>
+              <a:ext uri="{C183D7F6-B498-43B3-948B-1728B52AA6E4}">
+                <adec:decorative xmlns:adec="http://schemas.microsoft.com/office/drawing/2017/decorative" val="1"/>
+              </a:ext>
+            </a:extLst>
+          </p:cNvPr>
+          <p:cNvCxnSpPr>
+            <a:cxnSpLocks noGrp="1" noRot="1" noChangeAspect="1" noMove="1" noResize="1" noEditPoints="1" noAdjustHandles="1" noChangeArrowheads="1" noChangeShapeType="1"/>
+          </p:cNvCxnSpPr>
+          <p:nvPr>
+            <p:extLst>
+              <p:ext uri="{386F3935-93C4-4BCD-93E2-E3B085C9AB24}">
+                <p16:designElem xmlns:p16="http://schemas.microsoft.com/office/powerpoint/2015/main" val="1"/>
+              </p:ext>
+            </p:extLst>
+          </p:nvPr>
+        </p:nvCxnSpPr>
+        <p:spPr>
+          <a:xfrm>
+            <a:off x="2417780" y="3528542"/>
+            <a:ext cx="8637072" cy="0"/>
+          </a:xfrm>
+          <a:prstGeom prst="line">
+            <a:avLst/>
+          </a:prstGeom>
+          <a:ln w="31750"/>
+        </p:spPr>
+        <p:style>
+          <a:lnRef idx="3">
+            <a:schemeClr val="accent1"/>
+          </a:lnRef>
+          <a:fillRef idx="0">
+            <a:schemeClr val="accent1"/>
+          </a:fillRef>
+          <a:effectRef idx="2">
+            <a:schemeClr val="accent1"/>
+          </a:effectRef>
+          <a:fontRef idx="minor">
+            <a:schemeClr val="tx1"/>
+          </a:fontRef>
+        </p:style>
+      </p:cxnSp>
+      <p:sp useBgFill="1">
+        <p:nvSpPr>
+          <p:cNvPr id="45" name="Rectangle 44">
+            <a:extLst>
+              <a:ext uri="{FF2B5EF4-FFF2-40B4-BE49-F238E27FC236}">
+                <a16:creationId xmlns:a16="http://schemas.microsoft.com/office/drawing/2014/main" id="{F2867BCC-84F6-5244-753C-DC22B900E305}"/>
+              </a:ext>
+              <a:ext uri="{C183D7F6-B498-43B3-948B-1728B52AA6E4}">
+                <adec:decorative xmlns:adec="http://schemas.microsoft.com/office/drawing/2017/decorative" val="1"/>
+              </a:ext>
+            </a:extLst>
+          </p:cNvPr>
+          <p:cNvSpPr>
+            <a:spLocks noGrp="1" noRot="1" noChangeAspect="1" noMove="1" noResize="1" noEditPoints="1" noAdjustHandles="1" noChangeArrowheads="1" noChangeShapeType="1" noTextEdit="1"/>
+          </p:cNvSpPr>
+          <p:nvPr>
+            <p:extLst>
+              <p:ext uri="{386F3935-93C4-4BCD-93E2-E3B085C9AB24}">
+                <p16:designElem xmlns:p16="http://schemas.microsoft.com/office/powerpoint/2015/main" val="1"/>
+              </p:ext>
+            </p:extLst>
+          </p:nvPr>
+        </p:nvSpPr>
+        <p:spPr>
+          <a:xfrm>
+            <a:off x="2" y="0"/>
+            <a:ext cx="12191695" cy="6858000"/>
+          </a:xfrm>
+          <a:prstGeom prst="rect">
+            <a:avLst/>
+          </a:prstGeom>
+          <a:ln>
+            <a:noFill/>
+          </a:ln>
+        </p:spPr>
+        <p:style>
+          <a:lnRef idx="2">
+            <a:schemeClr val="accent1">
+              <a:shade val="50000"/>
+            </a:schemeClr>
+          </a:lnRef>
+          <a:fillRef idx="1">
+            <a:schemeClr val="accent1"/>
+          </a:fillRef>
+          <a:effectRef idx="0">
+            <a:schemeClr val="accent1"/>
+          </a:effectRef>
+          <a:fontRef idx="minor">
+            <a:schemeClr val="lt1"/>
+          </a:fontRef>
+        </p:style>
+        <p:txBody>
+          <a:bodyPr rtlCol="0" anchor="ctr"/>
+          <a:lstStyle/>
+          <a:p>
+            <a:pPr algn="ctr"/>
+            <a:endParaRPr lang="en-US"/>
+          </a:p>
+        </p:txBody>
+      </p:sp>
+      <p:sp>
+        <p:nvSpPr>
+          <p:cNvPr id="47" name="Rectangle 46">
+            <a:extLst>
+              <a:ext uri="{FF2B5EF4-FFF2-40B4-BE49-F238E27FC236}">
+                <a16:creationId xmlns:a16="http://schemas.microsoft.com/office/drawing/2014/main" id="{CD0518F7-0EE9-D927-43FB-47D4E8CBEA45}"/>
+              </a:ext>
+              <a:ext uri="{C183D7F6-B498-43B3-948B-1728B52AA6E4}">
+                <adec:decorative xmlns:adec="http://schemas.microsoft.com/office/drawing/2017/decorative" val="1"/>
+              </a:ext>
+            </a:extLst>
+          </p:cNvPr>
+          <p:cNvSpPr>
+            <a:spLocks noGrp="1" noRot="1" noChangeAspect="1" noMove="1" noResize="1" noEditPoints="1" noAdjustHandles="1" noChangeArrowheads="1" noChangeShapeType="1" noTextEdit="1"/>
+          </p:cNvSpPr>
+          <p:nvPr>
+            <p:extLst>
+              <p:ext uri="{386F3935-93C4-4BCD-93E2-E3B085C9AB24}">
+                <p16:designElem xmlns:p16="http://schemas.microsoft.com/office/powerpoint/2015/main" val="1"/>
+              </p:ext>
+            </p:extLst>
+          </p:nvPr>
+        </p:nvSpPr>
+        <p:spPr>
+          <a:xfrm>
+            <a:off x="0" y="2019476"/>
+            <a:ext cx="12192000" cy="4105941"/>
+          </a:xfrm>
+          <a:prstGeom prst="rect">
+            <a:avLst/>
+          </a:prstGeom>
+          <a:gradFill flip="none" rotWithShape="1">
+            <a:gsLst>
+              <a:gs pos="0">
+                <a:schemeClr val="bg2">
+                  <a:alpha val="0"/>
+                </a:schemeClr>
+              </a:gs>
+              <a:gs pos="100000">
+                <a:schemeClr val="bg2"/>
+              </a:gs>
+            </a:gsLst>
+            <a:lin ang="5400000" scaled="0"/>
+            <a:tileRect/>
+          </a:gradFill>
+          <a:ln>
+            <a:noFill/>
+          </a:ln>
+        </p:spPr>
+        <p:style>
+          <a:lnRef idx="2">
+            <a:schemeClr val="accent1">
+              <a:shade val="50000"/>
+            </a:schemeClr>
+          </a:lnRef>
+          <a:fillRef idx="1">
+            <a:schemeClr val="accent1"/>
+          </a:fillRef>
+          <a:effectRef idx="0">
+            <a:schemeClr val="accent1"/>
+          </a:effectRef>
+          <a:fontRef idx="minor">
+            <a:schemeClr val="lt1"/>
+          </a:fontRef>
+        </p:style>
+        <p:txBody>
+          <a:bodyPr rtlCol="0" anchor="ctr"/>
+          <a:lstStyle/>
+          <a:p>
+            <a:pPr lvl="0" algn="ctr"/>
+            <a:endParaRPr lang="en-US"/>
+          </a:p>
+        </p:txBody>
+      </p:sp>
+      <p:sp>
+        <p:nvSpPr>
+          <p:cNvPr id="6" name="Title 1">
+            <a:extLst>
+              <a:ext uri="{FF2B5EF4-FFF2-40B4-BE49-F238E27FC236}">
+                <a16:creationId xmlns:a16="http://schemas.microsoft.com/office/drawing/2014/main" id="{3B3B3FF4-B89D-8ABC-4EFE-044068CF8697}"/>
+              </a:ext>
+            </a:extLst>
+          </p:cNvPr>
+          <p:cNvSpPr>
+            <a:spLocks noGrp="1"/>
+          </p:cNvSpPr>
+          <p:nvPr>
+            <p:ph type="title"/>
+          </p:nvPr>
+        </p:nvSpPr>
+        <p:spPr>
+          <a:xfrm>
+            <a:off x="118682" y="1111363"/>
+            <a:ext cx="4176384" cy="2380828"/>
+          </a:xfrm>
+        </p:spPr>
+        <p:txBody>
+          <a:bodyPr vert="horz" lIns="91440" tIns="45720" rIns="91440" bIns="0" rtlCol="0" anchor="b">
+            <a:normAutofit fontScale="90000"/>
+          </a:bodyPr>
+          <a:lstStyle/>
+          <a:p>
+            <a:r>
+              <a:rPr lang="en-US" sz="4400" dirty="0"/>
+              <a:t>EXPLORATORY DATA ANALYSIS (EDA) </a:t>
+            </a:r>
+            <a:r>
+              <a:rPr lang="en-GB" sz="4400" dirty="0" err="1"/>
+              <a:t>Multivariative</a:t>
+            </a:r>
+            <a:br>
+              <a:rPr lang="en-GB" sz="4400" dirty="0"/>
+            </a:br>
+            <a:r>
+              <a:rPr lang="en-US" sz="4400" dirty="0"/>
+              <a:t> analysis</a:t>
+            </a:r>
+          </a:p>
+        </p:txBody>
+      </p:sp>
+      <p:cxnSp>
+        <p:nvCxnSpPr>
+          <p:cNvPr id="49" name="Straight Connector 48">
+            <a:extLst>
+              <a:ext uri="{FF2B5EF4-FFF2-40B4-BE49-F238E27FC236}">
+                <a16:creationId xmlns:a16="http://schemas.microsoft.com/office/drawing/2014/main" id="{C456B8F2-F757-8EB2-A8D5-6B1CD79E60DF}"/>
+              </a:ext>
+              <a:ext uri="{C183D7F6-B498-43B3-948B-1728B52AA6E4}">
+                <adec:decorative xmlns:adec="http://schemas.microsoft.com/office/drawing/2017/decorative" val="1"/>
+              </a:ext>
+            </a:extLst>
+          </p:cNvPr>
+          <p:cNvCxnSpPr>
+            <a:cxnSpLocks noGrp="1" noRot="1" noChangeAspect="1" noMove="1" noResize="1" noEditPoints="1" noAdjustHandles="1" noChangeArrowheads="1" noChangeShapeType="1"/>
+          </p:cNvCxnSpPr>
+          <p:nvPr>
+            <p:extLst>
+              <p:ext uri="{386F3935-93C4-4BCD-93E2-E3B085C9AB24}">
+                <p16:designElem xmlns:p16="http://schemas.microsoft.com/office/powerpoint/2015/main" val="1"/>
+              </p:ext>
+            </p:extLst>
+          </p:nvPr>
+        </p:nvCxnSpPr>
+        <p:spPr>
+          <a:xfrm>
+            <a:off x="1452617" y="3528543"/>
+            <a:ext cx="4171479" cy="0"/>
+          </a:xfrm>
+          <a:prstGeom prst="line">
+            <a:avLst/>
+          </a:prstGeom>
+          <a:ln w="31750"/>
+        </p:spPr>
+        <p:style>
+          <a:lnRef idx="3">
+            <a:schemeClr val="accent1"/>
+          </a:lnRef>
+          <a:fillRef idx="0">
+            <a:schemeClr val="accent1"/>
+          </a:fillRef>
+          <a:effectRef idx="2">
+            <a:schemeClr val="accent1"/>
+          </a:effectRef>
+          <a:fontRef idx="minor">
+            <a:schemeClr val="tx1"/>
+          </a:fontRef>
+        </p:style>
+      </p:cxnSp>
+      <p:pic>
+        <p:nvPicPr>
+          <p:cNvPr id="51" name="Picture 50">
+            <a:extLst>
+              <a:ext uri="{FF2B5EF4-FFF2-40B4-BE49-F238E27FC236}">
+                <a16:creationId xmlns:a16="http://schemas.microsoft.com/office/drawing/2014/main" id="{8B8F41FE-A318-486C-9C2E-1AC0A46B1C0C}"/>
+              </a:ext>
+              <a:ext uri="{C183D7F6-B498-43B3-948B-1728B52AA6E4}">
+                <adec:decorative xmlns:adec="http://schemas.microsoft.com/office/drawing/2017/decorative" val="1"/>
+              </a:ext>
+            </a:extLst>
+          </p:cNvPr>
+          <p:cNvPicPr>
+            <a:picLocks noGrp="1" noRot="1" noChangeAspect="1" noMove="1" noResize="1" noEditPoints="1" noAdjustHandles="1" noChangeArrowheads="1" noChangeShapeType="1" noCrop="1"/>
+          </p:cNvPicPr>
+          <p:nvPr>
+            <p:extLst>
+              <p:ext uri="{386F3935-93C4-4BCD-93E2-E3B085C9AB24}">
+                <p16:designElem xmlns:p16="http://schemas.microsoft.com/office/powerpoint/2015/main" val="1"/>
+              </p:ext>
+            </p:extLst>
+          </p:nvPr>
+        </p:nvPicPr>
+        <p:blipFill rotWithShape="1">
+          <a:blip r:embed="rId2">
+            <a:extLst>
+              <a:ext uri="{28A0092B-C50C-407E-A947-70E740481C1C}">
+                <a14:useLocalDpi xmlns:a14="http://schemas.microsoft.com/office/drawing/2010/main" val="0"/>
+              </a:ext>
+            </a:extLst>
+          </a:blip>
+          <a:srcRect t="1538" b="-1538"/>
+          <a:stretch/>
+        </p:blipFill>
+        <p:spPr bwMode="black">
+          <a:xfrm>
+            <a:off x="0" y="6126480"/>
+            <a:ext cx="12192000" cy="742950"/>
+          </a:xfrm>
+          <a:prstGeom prst="rect">
+            <a:avLst/>
+          </a:prstGeom>
+        </p:spPr>
+      </p:pic>
+      <p:cxnSp>
+        <p:nvCxnSpPr>
+          <p:cNvPr id="53" name="Straight Connector 52">
+            <a:extLst>
+              <a:ext uri="{FF2B5EF4-FFF2-40B4-BE49-F238E27FC236}">
+                <a16:creationId xmlns:a16="http://schemas.microsoft.com/office/drawing/2014/main" id="{8E6F5DD5-32CE-29E0-419F-69461AAC5290}"/>
+              </a:ext>
+              <a:ext uri="{C183D7F6-B498-43B3-948B-1728B52AA6E4}">
+                <adec:decorative xmlns:adec="http://schemas.microsoft.com/office/drawing/2017/decorative" val="1"/>
+              </a:ext>
+            </a:extLst>
+          </p:cNvPr>
+          <p:cNvCxnSpPr>
+            <a:cxnSpLocks noGrp="1" noRot="1" noChangeAspect="1" noMove="1" noResize="1" noEditPoints="1" noAdjustHandles="1" noChangeArrowheads="1" noChangeShapeType="1"/>
+          </p:cNvCxnSpPr>
+          <p:nvPr>
+            <p:extLst>
+              <p:ext uri="{386F3935-93C4-4BCD-93E2-E3B085C9AB24}">
+                <p16:designElem xmlns:p16="http://schemas.microsoft.com/office/powerpoint/2015/main" val="1"/>
+              </p:ext>
+            </p:extLst>
+          </p:nvPr>
+        </p:nvCxnSpPr>
+        <p:spPr>
+          <a:xfrm>
+            <a:off x="0" y="6128413"/>
+            <a:ext cx="12192000" cy="0"/>
+          </a:xfrm>
+          <a:prstGeom prst="line">
+            <a:avLst/>
+          </a:prstGeom>
+          <a:ln w="12700">
+            <a:solidFill>
+              <a:srgbClr val="000001">
+                <a:alpha val="20000"/>
+              </a:srgbClr>
+            </a:solidFill>
+          </a:ln>
+        </p:spPr>
+        <p:style>
+          <a:lnRef idx="1">
+            <a:schemeClr val="accent1"/>
+          </a:lnRef>
+          <a:fillRef idx="0">
+            <a:schemeClr val="accent1"/>
+          </a:fillRef>
+          <a:effectRef idx="0">
+            <a:schemeClr val="accent1"/>
+          </a:effectRef>
+          <a:fontRef idx="minor">
+            <a:schemeClr val="tx1"/>
+          </a:fontRef>
+        </p:style>
+      </p:cxnSp>
+      <p:pic>
+        <p:nvPicPr>
+          <p:cNvPr id="3" name="Picture 2" descr="A screenshot of a graph&#10;&#10;Description automatically generated">
+            <a:extLst>
+              <a:ext uri="{FF2B5EF4-FFF2-40B4-BE49-F238E27FC236}">
+                <a16:creationId xmlns:a16="http://schemas.microsoft.com/office/drawing/2014/main" id="{CF837BBB-EE0E-8D4E-7EB8-57B3EAE7080F}"/>
+              </a:ext>
+            </a:extLst>
+          </p:cNvPr>
+          <p:cNvPicPr>
+            <a:picLocks noChangeAspect="1"/>
+          </p:cNvPicPr>
+          <p:nvPr/>
+        </p:nvPicPr>
+        <p:blipFill>
+          <a:blip r:embed="rId3"/>
+          <a:stretch>
+            <a:fillRect/>
+          </a:stretch>
+        </p:blipFill>
+        <p:spPr>
+          <a:xfrm>
+            <a:off x="4091871" y="257374"/>
+            <a:ext cx="7981447" cy="4856879"/>
+          </a:xfrm>
+          <a:prstGeom prst="rect">
+            <a:avLst/>
+          </a:prstGeom>
+        </p:spPr>
+      </p:pic>
+    </p:spTree>
+    <p:extLst>
+      <p:ext uri="{BB962C8B-B14F-4D97-AF65-F5344CB8AC3E}">
+        <p14:creationId xmlns:p14="http://schemas.microsoft.com/office/powerpoint/2010/main" val="4001812197"/>
+      </p:ext>
+    </p:extLst>
+  </p:cSld>
+  <p:clrMapOvr>
+    <a:masterClrMapping/>
+  </p:clrMapOvr>
+</p:sld>
+</file>
+
+<file path=ppt/slides/slide8.xml><?xml version="1.0" encoding="utf-8"?>
+<p:sld xmlns:a="http://schemas.openxmlformats.org/drawingml/2006/main" xmlns:r="http://schemas.openxmlformats.org/officeDocument/2006/relationships" xmlns:p="http://schemas.openxmlformats.org/presentationml/2006/main">
+  <p:cSld>
+    <p:bg>
+      <p:bgPr>
+        <a:gradFill rotWithShape="1">
+          <a:gsLst>
+            <a:gs pos="0">
+              <a:schemeClr val="bg2">
+                <a:tint val="94000"/>
+                <a:satMod val="80000"/>
+                <a:lumMod val="106000"/>
+              </a:schemeClr>
+            </a:gs>
+            <a:gs pos="100000">
+              <a:schemeClr val="bg2">
+                <a:shade val="80000"/>
+              </a:schemeClr>
+            </a:gs>
+          </a:gsLst>
+          <a:path path="circle">
+            <a:fillToRect l="43000" r="43000" b="100000"/>
+          </a:path>
+        </a:gradFill>
+        <a:effectLst/>
+      </p:bgPr>
+    </p:bg>
+    <p:spTree>
+      <p:nvGrpSpPr>
+        <p:cNvPr id="1" name="">
+          <a:extLst>
+            <a:ext uri="{FF2B5EF4-FFF2-40B4-BE49-F238E27FC236}">
+              <a16:creationId xmlns:a16="http://schemas.microsoft.com/office/drawing/2014/main" id="{24CAF90F-D868-9B5C-C3C2-AB2938E085FF}"/>
+            </a:ext>
+          </a:extLst>
+        </p:cNvPr>
+        <p:cNvGrpSpPr/>
+        <p:nvPr/>
+      </p:nvGrpSpPr>
+      <p:grpSpPr>
+        <a:xfrm>
+          <a:off x="0" y="0"/>
+          <a:ext cx="0" cy="0"/>
+          <a:chOff x="0" y="0"/>
+          <a:chExt cx="0" cy="0"/>
+        </a:xfrm>
+      </p:grpSpPr>
+      <p:sp>
+        <p:nvSpPr>
+          <p:cNvPr id="101" name="Rectangle 100">
+            <a:extLst>
+              <a:ext uri="{FF2B5EF4-FFF2-40B4-BE49-F238E27FC236}">
+                <a16:creationId xmlns:a16="http://schemas.microsoft.com/office/drawing/2014/main" id="{0CABCAE3-64FC-4149-819F-2C1812824154}"/>
+              </a:ext>
+              <a:ext uri="{C183D7F6-B498-43B3-948B-1728B52AA6E4}">
+                <adec:decorative xmlns:adec="http://schemas.microsoft.com/office/drawing/2017/decorative" val="1"/>
+              </a:ext>
+            </a:extLst>
+          </p:cNvPr>
+          <p:cNvSpPr>
+            <a:spLocks noGrp="1" noRot="1" noChangeAspect="1" noMove="1" noResize="1" noEditPoints="1" noAdjustHandles="1" noChangeArrowheads="1" noChangeShapeType="1" noTextEdit="1"/>
+          </p:cNvSpPr>
+          <p:nvPr>
+            <p:extLst>
+              <p:ext uri="{386F3935-93C4-4BCD-93E2-E3B085C9AB24}">
+                <p16:designElem xmlns:p16="http://schemas.microsoft.com/office/powerpoint/2015/main" val="1"/>
+              </p:ext>
+            </p:extLst>
+          </p:nvPr>
+        </p:nvSpPr>
+        <p:spPr>
+          <a:xfrm>
+            <a:off x="0" y="2019476"/>
+            <a:ext cx="12192000" cy="4105941"/>
+          </a:xfrm>
+          <a:prstGeom prst="rect">
+            <a:avLst/>
+          </a:prstGeom>
+          <a:gradFill flip="none" rotWithShape="1">
+            <a:gsLst>
+              <a:gs pos="0">
+                <a:schemeClr val="bg2">
+                  <a:alpha val="0"/>
+                </a:schemeClr>
+              </a:gs>
+              <a:gs pos="100000">
+                <a:schemeClr val="bg2"/>
+              </a:gs>
+            </a:gsLst>
+            <a:lin ang="5400000" scaled="0"/>
+            <a:tileRect/>
+          </a:gradFill>
+          <a:ln>
+            <a:noFill/>
+          </a:ln>
+        </p:spPr>
+        <p:style>
+          <a:lnRef idx="2">
+            <a:schemeClr val="accent1">
+              <a:shade val="50000"/>
+            </a:schemeClr>
+          </a:lnRef>
+          <a:fillRef idx="1">
+            <a:schemeClr val="accent1"/>
+          </a:fillRef>
+          <a:effectRef idx="0">
+            <a:schemeClr val="accent1"/>
+          </a:effectRef>
+          <a:fontRef idx="minor">
+            <a:schemeClr val="lt1"/>
+          </a:fontRef>
+        </p:style>
+        <p:txBody>
+          <a:bodyPr/>
+          <a:lstStyle/>
+          <a:p>
+            <a:endParaRPr lang="en-KE"/>
+          </a:p>
+        </p:txBody>
+      </p:sp>
+      <p:pic>
+        <p:nvPicPr>
+          <p:cNvPr id="102" name="Picture 101">
+            <a:extLst>
+              <a:ext uri="{FF2B5EF4-FFF2-40B4-BE49-F238E27FC236}">
+                <a16:creationId xmlns:a16="http://schemas.microsoft.com/office/drawing/2014/main" id="{012FDCFE-9AD2-4D8A-8CBF-B3AA37EBF6DD}"/>
+              </a:ext>
+              <a:ext uri="{C183D7F6-B498-43B3-948B-1728B52AA6E4}">
+                <adec:decorative xmlns:adec="http://schemas.microsoft.com/office/drawing/2017/decorative" val="1"/>
+              </a:ext>
+            </a:extLst>
+          </p:cNvPr>
+          <p:cNvPicPr>
+            <a:picLocks noGrp="1" noRot="1" noChangeAspect="1" noMove="1" noResize="1" noEditPoints="1" noAdjustHandles="1" noChangeArrowheads="1" noChangeShapeType="1" noCrop="1"/>
+          </p:cNvPicPr>
+          <p:nvPr>
+            <p:extLst>
+              <p:ext uri="{386F3935-93C4-4BCD-93E2-E3B085C9AB24}">
+                <p16:designElem xmlns:p16="http://schemas.microsoft.com/office/powerpoint/2015/main" val="1"/>
+              </p:ext>
+            </p:extLst>
+          </p:nvPr>
+        </p:nvPicPr>
+        <p:blipFill rotWithShape="1">
+          <a:blip r:embed="rId2">
+            <a:extLst>
+              <a:ext uri="{28A0092B-C50C-407E-A947-70E740481C1C}">
+                <a14:useLocalDpi xmlns:a14="http://schemas.microsoft.com/office/drawing/2010/main" val="0"/>
+              </a:ext>
+            </a:extLst>
+          </a:blip>
+          <a:srcRect t="1538" b="-1538"/>
+          <a:stretch/>
+        </p:blipFill>
+        <p:spPr bwMode="black">
+          <a:xfrm>
+            <a:off x="0" y="6126480"/>
+            <a:ext cx="12192000" cy="742950"/>
+          </a:xfrm>
+          <a:prstGeom prst="rect">
+            <a:avLst/>
+          </a:prstGeom>
+        </p:spPr>
+      </p:pic>
+      <p:cxnSp>
+        <p:nvCxnSpPr>
+          <p:cNvPr id="103" name="Straight Connector 102">
+            <a:extLst>
+              <a:ext uri="{FF2B5EF4-FFF2-40B4-BE49-F238E27FC236}">
+                <a16:creationId xmlns:a16="http://schemas.microsoft.com/office/drawing/2014/main" id="{FBD463FC-4CA8-4FF4-85A3-AF9F4B98D210}"/>
+              </a:ext>
+              <a:ext uri="{C183D7F6-B498-43B3-948B-1728B52AA6E4}">
+                <adec:decorative xmlns:adec="http://schemas.microsoft.com/office/drawing/2017/decorative" val="1"/>
+              </a:ext>
+            </a:extLst>
+          </p:cNvPr>
+          <p:cNvCxnSpPr>
+            <a:cxnSpLocks noGrp="1" noRot="1" noChangeAspect="1" noMove="1" noResize="1" noEditPoints="1" noAdjustHandles="1" noChangeArrowheads="1" noChangeShapeType="1"/>
+          </p:cNvCxnSpPr>
+          <p:nvPr>
+            <p:extLst>
+              <p:ext uri="{386F3935-93C4-4BCD-93E2-E3B085C9AB24}">
+                <p16:designElem xmlns:p16="http://schemas.microsoft.com/office/powerpoint/2015/main" val="1"/>
+              </p:ext>
+            </p:extLst>
+          </p:nvPr>
+        </p:nvCxnSpPr>
+        <p:spPr>
+          <a:xfrm>
+            <a:off x="0" y="6128413"/>
+            <a:ext cx="12192000" cy="0"/>
+          </a:xfrm>
+          <a:prstGeom prst="line">
+            <a:avLst/>
+          </a:prstGeom>
+          <a:ln w="12700">
+            <a:solidFill>
+              <a:srgbClr val="000001">
+                <a:alpha val="20000"/>
+              </a:srgbClr>
+            </a:solidFill>
+          </a:ln>
+        </p:spPr>
+        <p:style>
+          <a:lnRef idx="1">
+            <a:schemeClr val="accent1"/>
+          </a:lnRef>
+          <a:fillRef idx="0">
+            <a:schemeClr val="accent1"/>
+          </a:fillRef>
+          <a:effectRef idx="0">
+            <a:schemeClr val="accent1"/>
+          </a:effectRef>
+          <a:fontRef idx="minor">
+            <a:schemeClr val="tx1"/>
+          </a:fontRef>
+        </p:style>
+      </p:cxnSp>
+      <p:cxnSp>
+        <p:nvCxnSpPr>
+          <p:cNvPr id="104" name="Straight Connector 103">
+            <a:extLst>
+              <a:ext uri="{FF2B5EF4-FFF2-40B4-BE49-F238E27FC236}">
+                <a16:creationId xmlns:a16="http://schemas.microsoft.com/office/drawing/2014/main" id="{BECF35C3-8B44-4F4B-BD25-4C01823DB22A}"/>
+              </a:ext>
+              <a:ext uri="{C183D7F6-B498-43B3-948B-1728B52AA6E4}">
+                <adec:decorative xmlns:adec="http://schemas.microsoft.com/office/drawing/2017/decorative" val="1"/>
+              </a:ext>
+            </a:extLst>
+          </p:cNvPr>
+          <p:cNvCxnSpPr>
+            <a:cxnSpLocks noGrp="1" noRot="1" noChangeAspect="1" noMove="1" noResize="1" noEditPoints="1" noAdjustHandles="1" noChangeArrowheads="1" noChangeShapeType="1"/>
+          </p:cNvCxnSpPr>
+          <p:nvPr>
+            <p:extLst>
+              <p:ext uri="{386F3935-93C4-4BCD-93E2-E3B085C9AB24}">
+                <p16:designElem xmlns:p16="http://schemas.microsoft.com/office/powerpoint/2015/main" val="1"/>
+              </p:ext>
+            </p:extLst>
+          </p:nvPr>
+        </p:nvCxnSpPr>
+        <p:spPr>
+          <a:xfrm>
+            <a:off x="2417780" y="3528542"/>
+            <a:ext cx="8637072" cy="0"/>
+          </a:xfrm>
+          <a:prstGeom prst="line">
+            <a:avLst/>
+          </a:prstGeom>
+          <a:ln w="31750"/>
+        </p:spPr>
+        <p:style>
+          <a:lnRef idx="3">
+            <a:schemeClr val="accent1"/>
+          </a:lnRef>
+          <a:fillRef idx="0">
+            <a:schemeClr val="accent1"/>
+          </a:fillRef>
+          <a:effectRef idx="2">
+            <a:schemeClr val="accent1"/>
+          </a:effectRef>
+          <a:fontRef idx="minor">
+            <a:schemeClr val="tx1"/>
+          </a:fontRef>
+        </p:style>
+      </p:cxnSp>
+      <p:sp useBgFill="1">
+        <p:nvSpPr>
+          <p:cNvPr id="105" name="Rectangle 104">
+            <a:extLst>
+              <a:ext uri="{FF2B5EF4-FFF2-40B4-BE49-F238E27FC236}">
+                <a16:creationId xmlns:a16="http://schemas.microsoft.com/office/drawing/2014/main" id="{8BC298DB-2D5C-40A1-9A78-6B4A12198A9B}"/>
+              </a:ext>
+              <a:ext uri="{C183D7F6-B498-43B3-948B-1728B52AA6E4}">
+                <adec:decorative xmlns:adec="http://schemas.microsoft.com/office/drawing/2017/decorative" val="1"/>
+              </a:ext>
+            </a:extLst>
+          </p:cNvPr>
+          <p:cNvSpPr>
+            <a:spLocks noGrp="1" noRot="1" noChangeAspect="1" noMove="1" noResize="1" noEditPoints="1" noAdjustHandles="1" noChangeArrowheads="1" noChangeShapeType="1" noTextEdit="1"/>
+          </p:cNvSpPr>
+          <p:nvPr>
+            <p:extLst>
+              <p:ext uri="{386F3935-93C4-4BCD-93E2-E3B085C9AB24}">
+                <p16:designElem xmlns:p16="http://schemas.microsoft.com/office/powerpoint/2015/main" val="1"/>
+              </p:ext>
+            </p:extLst>
+          </p:nvPr>
+        </p:nvSpPr>
+        <p:spPr>
+          <a:xfrm>
+            <a:off x="2" y="0"/>
+            <a:ext cx="12191695" cy="6858000"/>
+          </a:xfrm>
+          <a:prstGeom prst="rect">
+            <a:avLst/>
+          </a:prstGeom>
+          <a:ln>
+            <a:noFill/>
+          </a:ln>
+        </p:spPr>
+        <p:style>
+          <a:lnRef idx="2">
+            <a:schemeClr val="accent1">
+              <a:shade val="50000"/>
+            </a:schemeClr>
+          </a:lnRef>
+          <a:fillRef idx="1">
+            <a:schemeClr val="accent1"/>
+          </a:fillRef>
+          <a:effectRef idx="0">
+            <a:schemeClr val="accent1"/>
+          </a:effectRef>
+          <a:fontRef idx="minor">
+            <a:schemeClr val="lt1"/>
+          </a:fontRef>
+        </p:style>
+        <p:txBody>
+          <a:bodyPr rtlCol="0" anchor="ctr"/>
+          <a:lstStyle/>
+          <a:p>
+            <a:pPr algn="ctr"/>
+            <a:endParaRPr lang="en-US"/>
+          </a:p>
+        </p:txBody>
+      </p:sp>
+      <p:sp>
+        <p:nvSpPr>
+          <p:cNvPr id="106" name="Rectangle 105">
+            <a:extLst>
+              <a:ext uri="{FF2B5EF4-FFF2-40B4-BE49-F238E27FC236}">
+                <a16:creationId xmlns:a16="http://schemas.microsoft.com/office/drawing/2014/main" id="{35C2355B-7CE9-4192-9142-A41CA0A0C08B}"/>
+              </a:ext>
+              <a:ext uri="{C183D7F6-B498-43B3-948B-1728B52AA6E4}">
+                <adec:decorative xmlns:adec="http://schemas.microsoft.com/office/drawing/2017/decorative" val="1"/>
+              </a:ext>
+            </a:extLst>
+          </p:cNvPr>
+          <p:cNvSpPr>
+            <a:spLocks noGrp="1" noRot="1" noChangeAspect="1" noMove="1" noResize="1" noEditPoints="1" noAdjustHandles="1" noChangeArrowheads="1" noChangeShapeType="1" noTextEdit="1"/>
+          </p:cNvSpPr>
+          <p:nvPr>
+            <p:extLst>
+              <p:ext uri="{386F3935-93C4-4BCD-93E2-E3B085C9AB24}">
+                <p16:designElem xmlns:p16="http://schemas.microsoft.com/office/powerpoint/2015/main" val="1"/>
+              </p:ext>
+            </p:extLst>
+          </p:nvPr>
+        </p:nvSpPr>
+        <p:spPr>
+          <a:xfrm>
+            <a:off x="0" y="2019476"/>
+            <a:ext cx="12192000" cy="4105941"/>
+          </a:xfrm>
+          <a:prstGeom prst="rect">
+            <a:avLst/>
+          </a:prstGeom>
+          <a:gradFill flip="none" rotWithShape="1">
+            <a:gsLst>
+              <a:gs pos="0">
+                <a:schemeClr val="bg2">
+                  <a:alpha val="0"/>
+                </a:schemeClr>
+              </a:gs>
+              <a:gs pos="100000">
+                <a:schemeClr val="bg2"/>
+              </a:gs>
+            </a:gsLst>
+            <a:lin ang="5400000" scaled="0"/>
+            <a:tileRect/>
+          </a:gradFill>
+          <a:ln>
+            <a:noFill/>
+          </a:ln>
+        </p:spPr>
+        <p:style>
+          <a:lnRef idx="2">
+            <a:schemeClr val="accent1">
+              <a:shade val="50000"/>
+            </a:schemeClr>
+          </a:lnRef>
+          <a:fillRef idx="1">
+            <a:schemeClr val="accent1"/>
+          </a:fillRef>
+          <a:effectRef idx="0">
+            <a:schemeClr val="accent1"/>
+          </a:effectRef>
+          <a:fontRef idx="minor">
+            <a:schemeClr val="lt1"/>
+          </a:fontRef>
+        </p:style>
+        <p:txBody>
+          <a:bodyPr rtlCol="0" anchor="ctr"/>
+          <a:lstStyle/>
+          <a:p>
+            <a:pPr lvl="0" algn="ctr"/>
+            <a:endParaRPr lang="en-US"/>
+          </a:p>
+        </p:txBody>
+      </p:sp>
+      <p:sp>
+        <p:nvSpPr>
+          <p:cNvPr id="6" name="Title 1">
+            <a:extLst>
+              <a:ext uri="{FF2B5EF4-FFF2-40B4-BE49-F238E27FC236}">
+                <a16:creationId xmlns:a16="http://schemas.microsoft.com/office/drawing/2014/main" id="{9C84DC9E-EC31-6022-A7C2-1586E9D02755}"/>
+              </a:ext>
+            </a:extLst>
+          </p:cNvPr>
+          <p:cNvSpPr>
+            <a:spLocks noGrp="1"/>
+          </p:cNvSpPr>
+          <p:nvPr>
+            <p:ph type="title"/>
+          </p:nvPr>
+        </p:nvSpPr>
+        <p:spPr>
+          <a:xfrm>
+            <a:off x="7883913" y="943660"/>
+            <a:ext cx="4151306" cy="2374516"/>
+          </a:xfrm>
+        </p:spPr>
+        <p:txBody>
+          <a:bodyPr vert="horz" lIns="91440" tIns="45720" rIns="91440" bIns="0" rtlCol="0" anchor="b">
+            <a:noAutofit/>
+          </a:bodyPr>
+          <a:lstStyle/>
+          <a:p>
+            <a:pPr algn="r"/>
+            <a:r>
+              <a:rPr lang="en-US" sz="3600" dirty="0"/>
+              <a:t>EXPLORATORY DATA ANALYSIS (EDA) </a:t>
+            </a:r>
+            <a:r>
+              <a:rPr lang="en-US" sz="3600" dirty="0" err="1"/>
+              <a:t>Multivariative</a:t>
+            </a:r>
+            <a:br>
+              <a:rPr lang="en-US" sz="3600" dirty="0"/>
+            </a:br>
+            <a:r>
+              <a:rPr lang="en-US" sz="3600" dirty="0"/>
+              <a:t> analysis</a:t>
+            </a:r>
+          </a:p>
+        </p:txBody>
+      </p:sp>
+      <p:pic>
+        <p:nvPicPr>
+          <p:cNvPr id="3" name="Picture 2" descr="A graph of different colored dots&#10;&#10;Description automatically generated">
+            <a:extLst>
+              <a:ext uri="{FF2B5EF4-FFF2-40B4-BE49-F238E27FC236}">
+                <a16:creationId xmlns:a16="http://schemas.microsoft.com/office/drawing/2014/main" id="{9E0FC10C-DF1C-B144-A60F-FD98B32F8C51}"/>
+              </a:ext>
+            </a:extLst>
+          </p:cNvPr>
+          <p:cNvPicPr>
+            <a:picLocks noChangeAspect="1"/>
+          </p:cNvPicPr>
+          <p:nvPr/>
+        </p:nvPicPr>
+        <p:blipFill>
+          <a:blip r:embed="rId3"/>
+          <a:stretch>
+            <a:fillRect/>
+          </a:stretch>
+        </p:blipFill>
+        <p:spPr>
+          <a:xfrm>
+            <a:off x="63954" y="138990"/>
+            <a:ext cx="7732201" cy="5257896"/>
+          </a:xfrm>
+          <a:prstGeom prst="rect">
+            <a:avLst/>
+          </a:prstGeom>
+        </p:spPr>
+      </p:pic>
+      <p:cxnSp>
+        <p:nvCxnSpPr>
+          <p:cNvPr id="107" name="Straight Connector 106">
+            <a:extLst>
+              <a:ext uri="{FF2B5EF4-FFF2-40B4-BE49-F238E27FC236}">
+                <a16:creationId xmlns:a16="http://schemas.microsoft.com/office/drawing/2014/main" id="{06D05ED8-39E4-42F8-92CB-704C2BD0D215}"/>
+              </a:ext>
+              <a:ext uri="{C183D7F6-B498-43B3-948B-1728B52AA6E4}">
+                <adec:decorative xmlns:adec="http://schemas.microsoft.com/office/drawing/2017/decorative" val="1"/>
+              </a:ext>
+            </a:extLst>
+          </p:cNvPr>
+          <p:cNvCxnSpPr>
+            <a:cxnSpLocks noGrp="1" noRot="1" noChangeAspect="1" noMove="1" noResize="1" noEditPoints="1" noAdjustHandles="1" noChangeArrowheads="1" noChangeShapeType="1"/>
+          </p:cNvCxnSpPr>
+          <p:nvPr>
+            <p:extLst>
+              <p:ext uri="{386F3935-93C4-4BCD-93E2-E3B085C9AB24}">
+                <p16:designElem xmlns:p16="http://schemas.microsoft.com/office/powerpoint/2015/main" val="1"/>
+              </p:ext>
+            </p:extLst>
+          </p:nvPr>
+        </p:nvCxnSpPr>
+        <p:spPr>
+          <a:xfrm>
+            <a:off x="6579647" y="3526496"/>
+            <a:ext cx="4149931" cy="0"/>
+          </a:xfrm>
+          <a:prstGeom prst="line">
+            <a:avLst/>
+          </a:prstGeom>
+          <a:ln w="31750"/>
+        </p:spPr>
+        <p:style>
+          <a:lnRef idx="3">
+            <a:schemeClr val="accent1"/>
+          </a:lnRef>
+          <a:fillRef idx="0">
+            <a:schemeClr val="accent1"/>
+          </a:fillRef>
+          <a:effectRef idx="2">
+            <a:schemeClr val="accent1"/>
+          </a:effectRef>
+          <a:fontRef idx="minor">
+            <a:schemeClr val="tx1"/>
+          </a:fontRef>
+        </p:style>
+      </p:cxnSp>
+      <p:pic>
+        <p:nvPicPr>
+          <p:cNvPr id="108" name="Picture 107">
+            <a:extLst>
+              <a:ext uri="{FF2B5EF4-FFF2-40B4-BE49-F238E27FC236}">
+                <a16:creationId xmlns:a16="http://schemas.microsoft.com/office/drawing/2014/main" id="{45CE2E7C-6AA3-4710-825D-4CDDF788C7BC}"/>
+              </a:ext>
+              <a:ext uri="{C183D7F6-B498-43B3-948B-1728B52AA6E4}">
+                <adec:decorative xmlns:adec="http://schemas.microsoft.com/office/drawing/2017/decorative" val="1"/>
+              </a:ext>
+            </a:extLst>
+          </p:cNvPr>
+          <p:cNvPicPr>
+            <a:picLocks noGrp="1" noRot="1" noChangeAspect="1" noMove="1" noResize="1" noEditPoints="1" noAdjustHandles="1" noChangeArrowheads="1" noChangeShapeType="1" noCrop="1"/>
+          </p:cNvPicPr>
+          <p:nvPr>
+            <p:extLst>
+              <p:ext uri="{386F3935-93C4-4BCD-93E2-E3B085C9AB24}">
+                <p16:designElem xmlns:p16="http://schemas.microsoft.com/office/powerpoint/2015/main" val="1"/>
+              </p:ext>
+            </p:extLst>
+          </p:nvPr>
+        </p:nvPicPr>
+        <p:blipFill rotWithShape="1">
+          <a:blip r:embed="rId2">
+            <a:extLst>
+              <a:ext uri="{28A0092B-C50C-407E-A947-70E740481C1C}">
+                <a14:useLocalDpi xmlns:a14="http://schemas.microsoft.com/office/drawing/2010/main" val="0"/>
+              </a:ext>
+            </a:extLst>
+          </a:blip>
+          <a:srcRect t="1538" b="-1538"/>
+          <a:stretch/>
+        </p:blipFill>
+        <p:spPr bwMode="black">
+          <a:xfrm>
+            <a:off x="0" y="6126480"/>
+            <a:ext cx="12192000" cy="742950"/>
+          </a:xfrm>
+          <a:prstGeom prst="rect">
+            <a:avLst/>
+          </a:prstGeom>
+        </p:spPr>
+      </p:pic>
+      <p:cxnSp>
+        <p:nvCxnSpPr>
+          <p:cNvPr id="109" name="Straight Connector 108">
+            <a:extLst>
+              <a:ext uri="{FF2B5EF4-FFF2-40B4-BE49-F238E27FC236}">
+                <a16:creationId xmlns:a16="http://schemas.microsoft.com/office/drawing/2014/main" id="{3256C6C3-0EDC-4651-AB37-9F26CFAA6C86}"/>
+              </a:ext>
+              <a:ext uri="{C183D7F6-B498-43B3-948B-1728B52AA6E4}">
+                <adec:decorative xmlns:adec="http://schemas.microsoft.com/office/drawing/2017/decorative" val="1"/>
+              </a:ext>
+            </a:extLst>
+          </p:cNvPr>
+          <p:cNvCxnSpPr>
+            <a:cxnSpLocks noGrp="1" noRot="1" noChangeAspect="1" noMove="1" noResize="1" noEditPoints="1" noAdjustHandles="1" noChangeArrowheads="1" noChangeShapeType="1"/>
+          </p:cNvCxnSpPr>
+          <p:nvPr>
+            <p:extLst>
+              <p:ext uri="{386F3935-93C4-4BCD-93E2-E3B085C9AB24}">
+                <p16:designElem xmlns:p16="http://schemas.microsoft.com/office/powerpoint/2015/main" val="1"/>
+              </p:ext>
+            </p:extLst>
+          </p:nvPr>
+        </p:nvCxnSpPr>
+        <p:spPr>
+          <a:xfrm>
+            <a:off x="0" y="6128413"/>
+            <a:ext cx="12192000" cy="0"/>
+          </a:xfrm>
+          <a:prstGeom prst="line">
+            <a:avLst/>
+          </a:prstGeom>
+          <a:ln w="12700">
+            <a:solidFill>
+              <a:srgbClr val="000001">
+                <a:alpha val="20000"/>
+              </a:srgbClr>
+            </a:solidFill>
+          </a:ln>
+        </p:spPr>
+        <p:style>
+          <a:lnRef idx="1">
+            <a:schemeClr val="accent1"/>
+          </a:lnRef>
+          <a:fillRef idx="0">
+            <a:schemeClr val="accent1"/>
+          </a:fillRef>
+          <a:effectRef idx="0">
+            <a:schemeClr val="accent1"/>
+          </a:effectRef>
+          <a:fontRef idx="minor">
+            <a:schemeClr val="tx1"/>
+          </a:fontRef>
+        </p:style>
+      </p:cxnSp>
+    </p:spTree>
+    <p:extLst>
+      <p:ext uri="{BB962C8B-B14F-4D97-AF65-F5344CB8AC3E}">
+        <p14:creationId xmlns:p14="http://schemas.microsoft.com/office/powerpoint/2010/main" val="2929152087"/>
+      </p:ext>
+    </p:extLst>
+  </p:cSld>
+  <p:clrMapOvr>
+    <a:masterClrMapping/>
+  </p:clrMapOvr>
+</p:sld>
+</file>
+
+<file path=ppt/slides/slide9.xml><?xml version="1.0" encoding="utf-8"?>
+<p:sld xmlns:a="http://schemas.openxmlformats.org/drawingml/2006/main" xmlns:r="http://schemas.openxmlformats.org/officeDocument/2006/relationships" xmlns:p="http://schemas.openxmlformats.org/presentationml/2006/main">
+  <p:cSld>
+    <p:spTree>
+      <p:nvGrpSpPr>
+        <p:cNvPr id="1" name=""/>
+        <p:cNvGrpSpPr/>
+        <p:nvPr/>
+      </p:nvGrpSpPr>
+      <p:grpSpPr>
+        <a:xfrm>
+          <a:off x="0" y="0"/>
+          <a:ext cx="0" cy="0"/>
+          <a:chOff x="0" y="0"/>
+          <a:chExt cx="0" cy="0"/>
+        </a:xfrm>
+      </p:grpSpPr>
+      <p:sp>
+        <p:nvSpPr>
+          <p:cNvPr id="3" name="Title 2">
+            <a:extLst>
+              <a:ext uri="{FF2B5EF4-FFF2-40B4-BE49-F238E27FC236}">
+                <a16:creationId xmlns:a16="http://schemas.microsoft.com/office/drawing/2014/main" id="{C8F51C52-1652-952E-BC52-68470BCB0A2D}"/>
+              </a:ext>
+            </a:extLst>
+          </p:cNvPr>
+          <p:cNvSpPr>
+            <a:spLocks noGrp="1"/>
+          </p:cNvSpPr>
+          <p:nvPr>
+            <p:ph type="title"/>
+          </p:nvPr>
+        </p:nvSpPr>
+        <p:spPr/>
+        <p:txBody>
+          <a:bodyPr/>
+          <a:lstStyle/>
+          <a:p>
+            <a:r>
+              <a:rPr lang="en-KE" dirty="0"/>
+              <a:t>MODELING APROACH &amp; EVAPUATION METRICS</a:t>
+            </a:r>
+          </a:p>
+        </p:txBody>
+      </p:sp>
+      <p:sp>
+        <p:nvSpPr>
+          <p:cNvPr id="4" name="Content Placeholder 3">
+            <a:extLst>
+              <a:ext uri="{FF2B5EF4-FFF2-40B4-BE49-F238E27FC236}">
+                <a16:creationId xmlns:a16="http://schemas.microsoft.com/office/drawing/2014/main" id="{D81F2E08-9524-FBD1-7ABA-0ACEDBA7AD62}"/>
+              </a:ext>
+            </a:extLst>
+          </p:cNvPr>
+          <p:cNvSpPr>
+            <a:spLocks noGrp="1"/>
+          </p:cNvSpPr>
+          <p:nvPr>
+            <p:ph idx="1"/>
+          </p:nvPr>
+        </p:nvSpPr>
+        <p:spPr/>
+        <p:txBody>
+          <a:bodyPr>
+            <a:normAutofit fontScale="77500" lnSpcReduction="20000"/>
+          </a:bodyPr>
+          <a:lstStyle/>
+          <a:p>
+            <a:pPr marL="0" indent="0" algn="l">
+              <a:spcAft>
+                <a:spcPts val="450"/>
+              </a:spcAft>
+              <a:buNone/>
+            </a:pPr>
+            <a:r>
+              <a:rPr lang="en-GB" dirty="0">
+                <a:latin typeface="Roboto" panose="02000000000000000000" pitchFamily="2" charset="0"/>
+              </a:rPr>
+              <a:t>Models tested include: Gradient Boosting, Random Forest, Lasso Logic Regression, Decision Tree, Ridge Classifier,  </a:t>
+            </a:r>
+          </a:p>
+          <a:p>
+            <a:pPr marL="0" indent="0" algn="l">
+              <a:spcAft>
+                <a:spcPts val="450"/>
+              </a:spcAft>
+              <a:buNone/>
+            </a:pPr>
+            <a:r>
+              <a:rPr lang="en-GB" b="0" i="0" dirty="0">
+                <a:effectLst/>
+                <a:latin typeface="Roboto" panose="02000000000000000000" pitchFamily="2" charset="0"/>
+              </a:rPr>
+              <a:t>Evaluation Metrics</a:t>
+            </a:r>
+          </a:p>
+          <a:p>
+            <a:pPr>
+              <a:spcAft>
+                <a:spcPts val="450"/>
+              </a:spcAft>
+            </a:pPr>
+            <a:r>
+              <a:rPr lang="en-GB" sz="2100" dirty="0">
+                <a:latin typeface="Roboto" panose="02000000000000000000" pitchFamily="2" charset="0"/>
+              </a:rPr>
+              <a:t>Accuracy: The proportion of correct predictions made by the model.</a:t>
+            </a:r>
+          </a:p>
+          <a:p>
+            <a:pPr>
+              <a:spcAft>
+                <a:spcPts val="450"/>
+              </a:spcAft>
+            </a:pPr>
+            <a:r>
+              <a:rPr lang="en-GB" sz="2100" dirty="0">
+                <a:latin typeface="Roboto" panose="02000000000000000000" pitchFamily="2" charset="0"/>
+              </a:rPr>
+              <a:t>Precision: The ability of the model to correctly identify positive instances.</a:t>
+            </a:r>
+          </a:p>
+          <a:p>
+            <a:pPr>
+              <a:spcAft>
+                <a:spcPts val="450"/>
+              </a:spcAft>
+            </a:pPr>
+            <a:r>
+              <a:rPr lang="en-GB" sz="2100" dirty="0">
+                <a:latin typeface="Roboto" panose="02000000000000000000" pitchFamily="2" charset="0"/>
+              </a:rPr>
+              <a:t>Recall: The ability of the model to capture all positive instances.</a:t>
+            </a:r>
+          </a:p>
+          <a:p>
+            <a:pPr>
+              <a:spcAft>
+                <a:spcPts val="450"/>
+              </a:spcAft>
+            </a:pPr>
+            <a:r>
+              <a:rPr lang="en-GB" sz="2100" dirty="0">
+                <a:latin typeface="Roboto" panose="02000000000000000000" pitchFamily="2" charset="0"/>
+              </a:rPr>
+              <a:t>F1-Score: The harmonic mean of precision and recall, balancing the two.</a:t>
+            </a:r>
+          </a:p>
+          <a:p>
+            <a:pPr>
+              <a:spcAft>
+                <a:spcPts val="450"/>
+              </a:spcAft>
+            </a:pPr>
+            <a:r>
+              <a:rPr lang="en-GB" sz="2100" dirty="0">
+                <a:latin typeface="Roboto" panose="02000000000000000000" pitchFamily="2" charset="0"/>
+              </a:rPr>
+              <a:t>Confusion Matrix: A detailed breakdown of the model's performance across different classes.</a:t>
+            </a:r>
+          </a:p>
+          <a:p>
+            <a:endParaRPr lang="en-KE" dirty="0"/>
+          </a:p>
+        </p:txBody>
+      </p:sp>
+    </p:spTree>
+    <p:extLst>
+      <p:ext uri="{BB962C8B-B14F-4D97-AF65-F5344CB8AC3E}">
+        <p14:creationId xmlns:p14="http://schemas.microsoft.com/office/powerpoint/2010/main" val="1254221650"/>
       </p:ext>
     </p:extLst>
   </p:cSld>

--- a/Presentation1.pptx
+++ b/Presentation1.pptx
@@ -15,9 +15,10 @@
     <p:sldId id="263" r:id="rId9"/>
     <p:sldId id="264" r:id="rId10"/>
     <p:sldId id="268" r:id="rId11"/>
-    <p:sldId id="267" r:id="rId12"/>
-    <p:sldId id="265" r:id="rId13"/>
-    <p:sldId id="266" r:id="rId14"/>
+    <p:sldId id="269" r:id="rId12"/>
+    <p:sldId id="267" r:id="rId13"/>
+    <p:sldId id="265" r:id="rId14"/>
+    <p:sldId id="266" r:id="rId15"/>
   </p:sldIdLst>
   <p:sldSz cx="12192000" cy="6858000"/>
   <p:notesSz cx="6858000" cy="9144000"/>
@@ -3802,19 +3803,7 @@
               <a:rPr lang="en-GB" dirty="0">
                 <a:latin typeface="Roboto" panose="02000000000000000000" pitchFamily="2" charset="0"/>
               </a:rPr>
-              <a:t>The Model combines the </a:t>
-            </a:r>
-            <a:r>
-              <a:rPr lang="en-GB">
-                <a:latin typeface="Roboto" panose="02000000000000000000" pitchFamily="2" charset="0"/>
-              </a:rPr>
-              <a:t>strengths the </a:t>
-            </a:r>
-            <a:r>
-              <a:rPr lang="en-GB" dirty="0">
-                <a:latin typeface="Roboto" panose="02000000000000000000" pitchFamily="2" charset="0"/>
-              </a:rPr>
-              <a:t>flexibility of Decision Trees, allowing it to model complex non-linear relationships, handle interactions between features and generalize well on unseen data. Its performance were further enhanced through Hyperparameter Tuning, which likely led to it outperforming the other models tested.</a:t>
+              <a:t>The Model combines the strengths the flexibility of Decision Trees, allowing it to model complex non-linear relationships, handle interactions between features and generalize well on unseen data. Its performance were further enhanced through Hyperparameter Tuning, which likely led to it outperforming the other models tested.</a:t>
             </a:r>
           </a:p>
           <a:p>
@@ -3836,6 +3825,93 @@
 </file>
 
 <file path=ppt/slides/slide11.xml><?xml version="1.0" encoding="utf-8"?>
+<p:sld xmlns:a="http://schemas.openxmlformats.org/drawingml/2006/main" xmlns:r="http://schemas.openxmlformats.org/officeDocument/2006/relationships" xmlns:p="http://schemas.openxmlformats.org/presentationml/2006/main">
+  <p:cSld>
+    <p:spTree>
+      <p:nvGrpSpPr>
+        <p:cNvPr id="1" name=""/>
+        <p:cNvGrpSpPr/>
+        <p:nvPr/>
+      </p:nvGrpSpPr>
+      <p:grpSpPr>
+        <a:xfrm>
+          <a:off x="0" y="0"/>
+          <a:ext cx="0" cy="0"/>
+          <a:chOff x="0" y="0"/>
+          <a:chExt cx="0" cy="0"/>
+        </a:xfrm>
+      </p:grpSpPr>
+      <p:sp>
+        <p:nvSpPr>
+          <p:cNvPr id="2" name="Title 1">
+            <a:extLst>
+              <a:ext uri="{FF2B5EF4-FFF2-40B4-BE49-F238E27FC236}">
+                <a16:creationId xmlns:a16="http://schemas.microsoft.com/office/drawing/2014/main" id="{99CC88D6-6A32-3502-F910-A04B884BE5AF}"/>
+              </a:ext>
+            </a:extLst>
+          </p:cNvPr>
+          <p:cNvSpPr>
+            <a:spLocks noGrp="1"/>
+          </p:cNvSpPr>
+          <p:nvPr>
+            <p:ph type="title"/>
+          </p:nvPr>
+        </p:nvSpPr>
+        <p:spPr/>
+        <p:txBody>
+          <a:bodyPr/>
+          <a:lstStyle/>
+          <a:p>
+            <a:r>
+              <a:rPr lang="en-KE"/>
+              <a:t>MODEL COMPARISON CHART</a:t>
+            </a:r>
+          </a:p>
+        </p:txBody>
+      </p:sp>
+      <p:pic>
+        <p:nvPicPr>
+          <p:cNvPr id="5" name="Content Placeholder 4" descr="A graph showing a performance comparison&#10;&#10;Description automatically generated">
+            <a:extLst>
+              <a:ext uri="{FF2B5EF4-FFF2-40B4-BE49-F238E27FC236}">
+                <a16:creationId xmlns:a16="http://schemas.microsoft.com/office/drawing/2014/main" id="{87DBC532-BFDD-9E3E-542B-A0E1A09DC34B}"/>
+              </a:ext>
+            </a:extLst>
+          </p:cNvPr>
+          <p:cNvPicPr>
+            <a:picLocks noGrp="1" noChangeAspect="1"/>
+          </p:cNvPicPr>
+          <p:nvPr>
+            <p:ph idx="1"/>
+          </p:nvPr>
+        </p:nvPicPr>
+        <p:blipFill>
+          <a:blip r:embed="rId2"/>
+          <a:stretch>
+            <a:fillRect/>
+          </a:stretch>
+        </p:blipFill>
+        <p:spPr>
+          <a:xfrm>
+            <a:off x="1802296" y="1773776"/>
+            <a:ext cx="8030817" cy="4373218"/>
+          </a:xfrm>
+        </p:spPr>
+      </p:pic>
+    </p:spTree>
+    <p:extLst>
+      <p:ext uri="{BB962C8B-B14F-4D97-AF65-F5344CB8AC3E}">
+        <p14:creationId xmlns:p14="http://schemas.microsoft.com/office/powerpoint/2010/main" val="3946871219"/>
+      </p:ext>
+    </p:extLst>
+  </p:cSld>
+  <p:clrMapOvr>
+    <a:masterClrMapping/>
+  </p:clrMapOvr>
+</p:sld>
+</file>
+
+<file path=ppt/slides/slide12.xml><?xml version="1.0" encoding="utf-8"?>
 <p:sld xmlns:a="http://schemas.openxmlformats.org/drawingml/2006/main" xmlns:r="http://schemas.openxmlformats.org/officeDocument/2006/relationships" xmlns:p="http://schemas.openxmlformats.org/presentationml/2006/main">
   <p:cSld>
     <p:spTree>
@@ -4004,7 +4080,7 @@
 </p:sld>
 </file>
 
-<file path=ppt/slides/slide12.xml><?xml version="1.0" encoding="utf-8"?>
+<file path=ppt/slides/slide13.xml><?xml version="1.0" encoding="utf-8"?>
 <p:sld xmlns:a="http://schemas.openxmlformats.org/drawingml/2006/main" xmlns:r="http://schemas.openxmlformats.org/officeDocument/2006/relationships" xmlns:p="http://schemas.openxmlformats.org/presentationml/2006/main">
   <p:cSld>
     <p:spTree>
@@ -4128,7 +4204,7 @@
 </p:sld>
 </file>
 
-<file path=ppt/slides/slide13.xml><?xml version="1.0" encoding="utf-8"?>
+<file path=ppt/slides/slide14.xml><?xml version="1.0" encoding="utf-8"?>
 <p:sld xmlns:a="http://schemas.openxmlformats.org/drawingml/2006/main" xmlns:r="http://schemas.openxmlformats.org/officeDocument/2006/relationships" xmlns:p="http://schemas.openxmlformats.org/presentationml/2006/main">
   <p:cSld>
     <p:spTree>

--- a/Presentation1.pptx
+++ b/Presentation1.pptx
@@ -4,6 +4,9 @@
   <p:sldMasterIdLst>
     <p:sldMasterId id="2147483768" r:id="rId1"/>
   </p:sldMasterIdLst>
+  <p:notesMasterIdLst>
+    <p:notesMasterId r:id="rId19"/>
+  </p:notesMasterIdLst>
   <p:sldIdLst>
     <p:sldId id="256" r:id="rId2"/>
     <p:sldId id="257" r:id="rId3"/>
@@ -19,6 +22,9 @@
     <p:sldId id="267" r:id="rId13"/>
     <p:sldId id="265" r:id="rId14"/>
     <p:sldId id="266" r:id="rId15"/>
+    <p:sldId id="270" r:id="rId16"/>
+    <p:sldId id="271" r:id="rId17"/>
+    <p:sldId id="272" r:id="rId18"/>
   </p:sldIdLst>
   <p:sldSz cx="12192000" cy="6858000"/>
   <p:notesSz cx="6858000" cy="9144000"/>
@@ -123,6 +129,440 @@
     </p:ext>
   </p:extLst>
 </p:presentation>
+</file>
+
+<file path=ppt/notesMasters/notesMaster1.xml><?xml version="1.0" encoding="utf-8"?>
+<p:notesMaster xmlns:a="http://schemas.openxmlformats.org/drawingml/2006/main" xmlns:r="http://schemas.openxmlformats.org/officeDocument/2006/relationships" xmlns:p="http://schemas.openxmlformats.org/presentationml/2006/main">
+  <p:cSld>
+    <p:bg>
+      <p:bgRef idx="1001">
+        <a:schemeClr val="bg1"/>
+      </p:bgRef>
+    </p:bg>
+    <p:spTree>
+      <p:nvGrpSpPr>
+        <p:cNvPr id="1" name=""/>
+        <p:cNvGrpSpPr/>
+        <p:nvPr/>
+      </p:nvGrpSpPr>
+      <p:grpSpPr>
+        <a:xfrm>
+          <a:off x="0" y="0"/>
+          <a:ext cx="0" cy="0"/>
+          <a:chOff x="0" y="0"/>
+          <a:chExt cx="0" cy="0"/>
+        </a:xfrm>
+      </p:grpSpPr>
+      <p:sp>
+        <p:nvSpPr>
+          <p:cNvPr id="2" name="Header Placeholder 1"/>
+          <p:cNvSpPr>
+            <a:spLocks noGrp="1"/>
+          </p:cNvSpPr>
+          <p:nvPr>
+            <p:ph type="hdr" sz="quarter"/>
+          </p:nvPr>
+        </p:nvSpPr>
+        <p:spPr>
+          <a:xfrm>
+            <a:off x="0" y="0"/>
+            <a:ext cx="2971800" cy="458788"/>
+          </a:xfrm>
+          <a:prstGeom prst="rect">
+            <a:avLst/>
+          </a:prstGeom>
+        </p:spPr>
+        <p:txBody>
+          <a:bodyPr vert="horz" lIns="91440" tIns="45720" rIns="91440" bIns="45720" rtlCol="0"/>
+          <a:lstStyle>
+            <a:lvl1pPr algn="l">
+              <a:defRPr sz="1200"/>
+            </a:lvl1pPr>
+          </a:lstStyle>
+          <a:p>
+            <a:endParaRPr lang="en-KE"/>
+          </a:p>
+        </p:txBody>
+      </p:sp>
+      <p:sp>
+        <p:nvSpPr>
+          <p:cNvPr id="3" name="Date Placeholder 2"/>
+          <p:cNvSpPr>
+            <a:spLocks noGrp="1"/>
+          </p:cNvSpPr>
+          <p:nvPr>
+            <p:ph type="dt" idx="1"/>
+          </p:nvPr>
+        </p:nvSpPr>
+        <p:spPr>
+          <a:xfrm>
+            <a:off x="3884613" y="0"/>
+            <a:ext cx="2971800" cy="458788"/>
+          </a:xfrm>
+          <a:prstGeom prst="rect">
+            <a:avLst/>
+          </a:prstGeom>
+        </p:spPr>
+        <p:txBody>
+          <a:bodyPr vert="horz" lIns="91440" tIns="45720" rIns="91440" bIns="45720" rtlCol="0"/>
+          <a:lstStyle>
+            <a:lvl1pPr algn="r">
+              <a:defRPr sz="1200"/>
+            </a:lvl1pPr>
+          </a:lstStyle>
+          <a:p>
+            <a:fld id="{BD2C87AE-1D75-EC45-978E-D35DC6A318ED}" type="datetimeFigureOut">
+              <a:rPr lang="en-KE" smtClean="0"/>
+              <a:t>23/12/2024</a:t>
+            </a:fld>
+            <a:endParaRPr lang="en-KE"/>
+          </a:p>
+        </p:txBody>
+      </p:sp>
+      <p:sp>
+        <p:nvSpPr>
+          <p:cNvPr id="4" name="Slide Image Placeholder 3"/>
+          <p:cNvSpPr>
+            <a:spLocks noGrp="1" noRot="1" noChangeAspect="1"/>
+          </p:cNvSpPr>
+          <p:nvPr>
+            <p:ph type="sldImg" idx="2"/>
+          </p:nvPr>
+        </p:nvSpPr>
+        <p:spPr>
+          <a:xfrm>
+            <a:off x="685800" y="1143000"/>
+            <a:ext cx="5486400" cy="3086100"/>
+          </a:xfrm>
+          <a:prstGeom prst="rect">
+            <a:avLst/>
+          </a:prstGeom>
+          <a:noFill/>
+          <a:ln w="12700">
+            <a:solidFill>
+              <a:prstClr val="black"/>
+            </a:solidFill>
+          </a:ln>
+        </p:spPr>
+        <p:txBody>
+          <a:bodyPr vert="horz" lIns="91440" tIns="45720" rIns="91440" bIns="45720" rtlCol="0" anchor="ctr"/>
+          <a:lstStyle/>
+          <a:p>
+            <a:endParaRPr lang="en-KE"/>
+          </a:p>
+        </p:txBody>
+      </p:sp>
+      <p:sp>
+        <p:nvSpPr>
+          <p:cNvPr id="5" name="Notes Placeholder 4"/>
+          <p:cNvSpPr>
+            <a:spLocks noGrp="1"/>
+          </p:cNvSpPr>
+          <p:nvPr>
+            <p:ph type="body" sz="quarter" idx="3"/>
+          </p:nvPr>
+        </p:nvSpPr>
+        <p:spPr>
+          <a:xfrm>
+            <a:off x="685800" y="4400550"/>
+            <a:ext cx="5486400" cy="3600450"/>
+          </a:xfrm>
+          <a:prstGeom prst="rect">
+            <a:avLst/>
+          </a:prstGeom>
+        </p:spPr>
+        <p:txBody>
+          <a:bodyPr vert="horz" lIns="91440" tIns="45720" rIns="91440" bIns="45720" rtlCol="0"/>
+          <a:lstStyle/>
+          <a:p>
+            <a:pPr lvl="0"/>
+            <a:r>
+              <a:rPr lang="en-GB"/>
+              <a:t>Click to edit Master text styles</a:t>
+            </a:r>
+          </a:p>
+          <a:p>
+            <a:pPr lvl="1"/>
+            <a:r>
+              <a:rPr lang="en-GB"/>
+              <a:t>Second level</a:t>
+            </a:r>
+          </a:p>
+          <a:p>
+            <a:pPr lvl="2"/>
+            <a:r>
+              <a:rPr lang="en-GB"/>
+              <a:t>Third level</a:t>
+            </a:r>
+          </a:p>
+          <a:p>
+            <a:pPr lvl="3"/>
+            <a:r>
+              <a:rPr lang="en-GB"/>
+              <a:t>Fourth level</a:t>
+            </a:r>
+          </a:p>
+          <a:p>
+            <a:pPr lvl="4"/>
+            <a:r>
+              <a:rPr lang="en-GB"/>
+              <a:t>Fifth level</a:t>
+            </a:r>
+            <a:endParaRPr lang="en-KE"/>
+          </a:p>
+        </p:txBody>
+      </p:sp>
+      <p:sp>
+        <p:nvSpPr>
+          <p:cNvPr id="6" name="Footer Placeholder 5"/>
+          <p:cNvSpPr>
+            <a:spLocks noGrp="1"/>
+          </p:cNvSpPr>
+          <p:nvPr>
+            <p:ph type="ftr" sz="quarter" idx="4"/>
+          </p:nvPr>
+        </p:nvSpPr>
+        <p:spPr>
+          <a:xfrm>
+            <a:off x="0" y="8685213"/>
+            <a:ext cx="2971800" cy="458787"/>
+          </a:xfrm>
+          <a:prstGeom prst="rect">
+            <a:avLst/>
+          </a:prstGeom>
+        </p:spPr>
+        <p:txBody>
+          <a:bodyPr vert="horz" lIns="91440" tIns="45720" rIns="91440" bIns="45720" rtlCol="0" anchor="b"/>
+          <a:lstStyle>
+            <a:lvl1pPr algn="l">
+              <a:defRPr sz="1200"/>
+            </a:lvl1pPr>
+          </a:lstStyle>
+          <a:p>
+            <a:endParaRPr lang="en-KE"/>
+          </a:p>
+        </p:txBody>
+      </p:sp>
+      <p:sp>
+        <p:nvSpPr>
+          <p:cNvPr id="7" name="Slide Number Placeholder 6"/>
+          <p:cNvSpPr>
+            <a:spLocks noGrp="1"/>
+          </p:cNvSpPr>
+          <p:nvPr>
+            <p:ph type="sldNum" sz="quarter" idx="5"/>
+          </p:nvPr>
+        </p:nvSpPr>
+        <p:spPr>
+          <a:xfrm>
+            <a:off x="3884613" y="8685213"/>
+            <a:ext cx="2971800" cy="458787"/>
+          </a:xfrm>
+          <a:prstGeom prst="rect">
+            <a:avLst/>
+          </a:prstGeom>
+        </p:spPr>
+        <p:txBody>
+          <a:bodyPr vert="horz" lIns="91440" tIns="45720" rIns="91440" bIns="45720" rtlCol="0" anchor="b"/>
+          <a:lstStyle>
+            <a:lvl1pPr algn="r">
+              <a:defRPr sz="1200"/>
+            </a:lvl1pPr>
+          </a:lstStyle>
+          <a:p>
+            <a:fld id="{B52BD8CA-CD4E-9049-89D0-26E048AFBA2E}" type="slidenum">
+              <a:rPr lang="en-KE" smtClean="0"/>
+              <a:t>‹#›</a:t>
+            </a:fld>
+            <a:endParaRPr lang="en-KE"/>
+          </a:p>
+        </p:txBody>
+      </p:sp>
+    </p:spTree>
+    <p:extLst>
+      <p:ext uri="{BB962C8B-B14F-4D97-AF65-F5344CB8AC3E}">
+        <p14:creationId xmlns:p14="http://schemas.microsoft.com/office/powerpoint/2010/main" val="67164341"/>
+      </p:ext>
+    </p:extLst>
+  </p:cSld>
+  <p:clrMap bg1="lt1" tx1="dk1" bg2="lt2" tx2="dk2" accent1="accent1" accent2="accent2" accent3="accent3" accent4="accent4" accent5="accent5" accent6="accent6" hlink="hlink" folHlink="folHlink"/>
+  <p:notesStyle>
+    <a:lvl1pPr marL="0" algn="l" defTabSz="914400" rtl="0" eaLnBrk="1" latinLnBrk="0" hangingPunct="1">
+      <a:defRPr sz="1200" kern="1200">
+        <a:solidFill>
+          <a:schemeClr val="tx1"/>
+        </a:solidFill>
+        <a:latin typeface="+mn-lt"/>
+        <a:ea typeface="+mn-ea"/>
+        <a:cs typeface="+mn-cs"/>
+      </a:defRPr>
+    </a:lvl1pPr>
+    <a:lvl2pPr marL="457200" algn="l" defTabSz="914400" rtl="0" eaLnBrk="1" latinLnBrk="0" hangingPunct="1">
+      <a:defRPr sz="1200" kern="1200">
+        <a:solidFill>
+          <a:schemeClr val="tx1"/>
+        </a:solidFill>
+        <a:latin typeface="+mn-lt"/>
+        <a:ea typeface="+mn-ea"/>
+        <a:cs typeface="+mn-cs"/>
+      </a:defRPr>
+    </a:lvl2pPr>
+    <a:lvl3pPr marL="914400" algn="l" defTabSz="914400" rtl="0" eaLnBrk="1" latinLnBrk="0" hangingPunct="1">
+      <a:defRPr sz="1200" kern="1200">
+        <a:solidFill>
+          <a:schemeClr val="tx1"/>
+        </a:solidFill>
+        <a:latin typeface="+mn-lt"/>
+        <a:ea typeface="+mn-ea"/>
+        <a:cs typeface="+mn-cs"/>
+      </a:defRPr>
+    </a:lvl3pPr>
+    <a:lvl4pPr marL="1371600" algn="l" defTabSz="914400" rtl="0" eaLnBrk="1" latinLnBrk="0" hangingPunct="1">
+      <a:defRPr sz="1200" kern="1200">
+        <a:solidFill>
+          <a:schemeClr val="tx1"/>
+        </a:solidFill>
+        <a:latin typeface="+mn-lt"/>
+        <a:ea typeface="+mn-ea"/>
+        <a:cs typeface="+mn-cs"/>
+      </a:defRPr>
+    </a:lvl4pPr>
+    <a:lvl5pPr marL="1828800" algn="l" defTabSz="914400" rtl="0" eaLnBrk="1" latinLnBrk="0" hangingPunct="1">
+      <a:defRPr sz="1200" kern="1200">
+        <a:solidFill>
+          <a:schemeClr val="tx1"/>
+        </a:solidFill>
+        <a:latin typeface="+mn-lt"/>
+        <a:ea typeface="+mn-ea"/>
+        <a:cs typeface="+mn-cs"/>
+      </a:defRPr>
+    </a:lvl5pPr>
+    <a:lvl6pPr marL="2286000" algn="l" defTabSz="914400" rtl="0" eaLnBrk="1" latinLnBrk="0" hangingPunct="1">
+      <a:defRPr sz="1200" kern="1200">
+        <a:solidFill>
+          <a:schemeClr val="tx1"/>
+        </a:solidFill>
+        <a:latin typeface="+mn-lt"/>
+        <a:ea typeface="+mn-ea"/>
+        <a:cs typeface="+mn-cs"/>
+      </a:defRPr>
+    </a:lvl6pPr>
+    <a:lvl7pPr marL="2743200" algn="l" defTabSz="914400" rtl="0" eaLnBrk="1" latinLnBrk="0" hangingPunct="1">
+      <a:defRPr sz="1200" kern="1200">
+        <a:solidFill>
+          <a:schemeClr val="tx1"/>
+        </a:solidFill>
+        <a:latin typeface="+mn-lt"/>
+        <a:ea typeface="+mn-ea"/>
+        <a:cs typeface="+mn-cs"/>
+      </a:defRPr>
+    </a:lvl7pPr>
+    <a:lvl8pPr marL="3200400" algn="l" defTabSz="914400" rtl="0" eaLnBrk="1" latinLnBrk="0" hangingPunct="1">
+      <a:defRPr sz="1200" kern="1200">
+        <a:solidFill>
+          <a:schemeClr val="tx1"/>
+        </a:solidFill>
+        <a:latin typeface="+mn-lt"/>
+        <a:ea typeface="+mn-ea"/>
+        <a:cs typeface="+mn-cs"/>
+      </a:defRPr>
+    </a:lvl8pPr>
+    <a:lvl9pPr marL="3657600" algn="l" defTabSz="914400" rtl="0" eaLnBrk="1" latinLnBrk="0" hangingPunct="1">
+      <a:defRPr sz="1200" kern="1200">
+        <a:solidFill>
+          <a:schemeClr val="tx1"/>
+        </a:solidFill>
+        <a:latin typeface="+mn-lt"/>
+        <a:ea typeface="+mn-ea"/>
+        <a:cs typeface="+mn-cs"/>
+      </a:defRPr>
+    </a:lvl9pPr>
+  </p:notesStyle>
+</p:notesMaster>
+</file>
+
+<file path=ppt/notesSlides/notesSlide1.xml><?xml version="1.0" encoding="utf-8"?>
+<p:notes xmlns:a="http://schemas.openxmlformats.org/drawingml/2006/main" xmlns:r="http://schemas.openxmlformats.org/officeDocument/2006/relationships" xmlns:p="http://schemas.openxmlformats.org/presentationml/2006/main">
+  <p:cSld>
+    <p:spTree>
+      <p:nvGrpSpPr>
+        <p:cNvPr id="1" name=""/>
+        <p:cNvGrpSpPr/>
+        <p:nvPr/>
+      </p:nvGrpSpPr>
+      <p:grpSpPr>
+        <a:xfrm>
+          <a:off x="0" y="0"/>
+          <a:ext cx="0" cy="0"/>
+          <a:chOff x="0" y="0"/>
+          <a:chExt cx="0" cy="0"/>
+        </a:xfrm>
+      </p:grpSpPr>
+      <p:sp>
+        <p:nvSpPr>
+          <p:cNvPr id="2" name="Slide Image Placeholder 1"/>
+          <p:cNvSpPr>
+            <a:spLocks noGrp="1" noRot="1" noChangeAspect="1"/>
+          </p:cNvSpPr>
+          <p:nvPr>
+            <p:ph type="sldImg"/>
+          </p:nvPr>
+        </p:nvSpPr>
+        <p:spPr/>
+      </p:sp>
+      <p:sp>
+        <p:nvSpPr>
+          <p:cNvPr id="3" name="Notes Placeholder 2"/>
+          <p:cNvSpPr>
+            <a:spLocks noGrp="1"/>
+          </p:cNvSpPr>
+          <p:nvPr>
+            <p:ph type="body" idx="1"/>
+          </p:nvPr>
+        </p:nvSpPr>
+        <p:spPr/>
+        <p:txBody>
+          <a:bodyPr/>
+          <a:lstStyle/>
+          <a:p>
+            <a:endParaRPr lang="en-KE"/>
+          </a:p>
+        </p:txBody>
+      </p:sp>
+      <p:sp>
+        <p:nvSpPr>
+          <p:cNvPr id="4" name="Slide Number Placeholder 3"/>
+          <p:cNvSpPr>
+            <a:spLocks noGrp="1"/>
+          </p:cNvSpPr>
+          <p:nvPr>
+            <p:ph type="sldNum" sz="quarter" idx="5"/>
+          </p:nvPr>
+        </p:nvSpPr>
+        <p:spPr/>
+        <p:txBody>
+          <a:bodyPr/>
+          <a:lstStyle/>
+          <a:p>
+            <a:fld id="{B52BD8CA-CD4E-9049-89D0-26E048AFBA2E}" type="slidenum">
+              <a:rPr lang="en-KE" smtClean="0"/>
+              <a:t>3</a:t>
+            </a:fld>
+            <a:endParaRPr lang="en-KE"/>
+          </a:p>
+        </p:txBody>
+      </p:sp>
+    </p:spTree>
+    <p:extLst>
+      <p:ext uri="{BB962C8B-B14F-4D97-AF65-F5344CB8AC3E}">
+        <p14:creationId xmlns:p14="http://schemas.microsoft.com/office/powerpoint/2010/main" val="2032326695"/>
+      </p:ext>
+    </p:extLst>
+  </p:cSld>
+  <p:clrMapOvr>
+    <a:masterClrMapping/>
+  </p:clrMapOvr>
+</p:notes>
 </file>
 
 <file path=ppt/slideLayouts/slideLayout1.xml><?xml version="1.0" encoding="utf-8"?>
@@ -3863,7 +4303,7 @@
           <a:lstStyle/>
           <a:p>
             <a:r>
-              <a:rPr lang="en-KE"/>
+              <a:rPr lang="en-KE" dirty="0"/>
               <a:t>MODEL COMPARISON CHART</a:t>
             </a:r>
           </a:p>
@@ -4368,6 +4808,312 @@
 </p:sld>
 </file>
 
+<file path=ppt/slides/slide15.xml><?xml version="1.0" encoding="utf-8"?>
+<p:sld xmlns:a="http://schemas.openxmlformats.org/drawingml/2006/main" xmlns:r="http://schemas.openxmlformats.org/officeDocument/2006/relationships" xmlns:p="http://schemas.openxmlformats.org/presentationml/2006/main">
+  <p:cSld>
+    <p:spTree>
+      <p:nvGrpSpPr>
+        <p:cNvPr id="1" name="">
+          <a:extLst>
+            <a:ext uri="{FF2B5EF4-FFF2-40B4-BE49-F238E27FC236}">
+              <a16:creationId xmlns:a16="http://schemas.microsoft.com/office/drawing/2014/main" id="{5D7CA22E-E013-58FA-8863-A111967620BE}"/>
+            </a:ext>
+          </a:extLst>
+        </p:cNvPr>
+        <p:cNvGrpSpPr/>
+        <p:nvPr/>
+      </p:nvGrpSpPr>
+      <p:grpSpPr>
+        <a:xfrm>
+          <a:off x="0" y="0"/>
+          <a:ext cx="0" cy="0"/>
+          <a:chOff x="0" y="0"/>
+          <a:chExt cx="0" cy="0"/>
+        </a:xfrm>
+      </p:grpSpPr>
+      <p:sp>
+        <p:nvSpPr>
+          <p:cNvPr id="2" name="Title 1">
+            <a:extLst>
+              <a:ext uri="{FF2B5EF4-FFF2-40B4-BE49-F238E27FC236}">
+                <a16:creationId xmlns:a16="http://schemas.microsoft.com/office/drawing/2014/main" id="{0795F91C-DE33-39B7-B4EB-53F785819363}"/>
+              </a:ext>
+            </a:extLst>
+          </p:cNvPr>
+          <p:cNvSpPr>
+            <a:spLocks noGrp="1"/>
+          </p:cNvSpPr>
+          <p:nvPr>
+            <p:ph type="title"/>
+          </p:nvPr>
+        </p:nvSpPr>
+        <p:spPr/>
+        <p:txBody>
+          <a:bodyPr/>
+          <a:lstStyle/>
+          <a:p>
+            <a:r>
+              <a:rPr lang="en-GB" b="0" i="0" dirty="0">
+                <a:effectLst/>
+                <a:latin typeface="Roboto" panose="02000000000000000000" pitchFamily="2" charset="0"/>
+              </a:rPr>
+              <a:t>CONCLUSION</a:t>
+            </a:r>
+            <a:endParaRPr lang="en-KE" dirty="0"/>
+          </a:p>
+        </p:txBody>
+      </p:sp>
+      <p:sp>
+        <p:nvSpPr>
+          <p:cNvPr id="3" name="Content Placeholder 2">
+            <a:extLst>
+              <a:ext uri="{FF2B5EF4-FFF2-40B4-BE49-F238E27FC236}">
+                <a16:creationId xmlns:a16="http://schemas.microsoft.com/office/drawing/2014/main" id="{167BC541-4EDD-951A-E6F6-945741629C8B}"/>
+              </a:ext>
+            </a:extLst>
+          </p:cNvPr>
+          <p:cNvSpPr>
+            <a:spLocks noGrp="1"/>
+          </p:cNvSpPr>
+          <p:nvPr>
+            <p:ph idx="1"/>
+          </p:nvPr>
+        </p:nvSpPr>
+        <p:spPr/>
+        <p:txBody>
+          <a:bodyPr>
+            <a:normAutofit/>
+          </a:bodyPr>
+          <a:lstStyle/>
+          <a:p>
+            <a:r>
+              <a:rPr lang="en-GB" dirty="0">
+                <a:latin typeface="Roboto" panose="02000000000000000000" pitchFamily="2" charset="0"/>
+              </a:rPr>
+              <a:t>The analysis of the traffic crash data has provided valuable insights into the primary contributory causes of accidents and the critical factors influencing road safety. By identifying the top features and causes associated with accidents, we can make informed recommendations to enhance road safety in the City of Chicago</a:t>
+            </a:r>
+          </a:p>
+          <a:p>
+            <a:r>
+              <a:rPr lang="en-GB" dirty="0">
+                <a:latin typeface="Roboto" panose="02000000000000000000" pitchFamily="2" charset="0"/>
+              </a:rPr>
+              <a:t>The insights gained from this analysis provide a clear pathway to making the city's roads safer for everyone by reducing traffic accidents, enhancing road safety, and ultimately save lives.</a:t>
+            </a:r>
+          </a:p>
+        </p:txBody>
+      </p:sp>
+    </p:spTree>
+    <p:extLst>
+      <p:ext uri="{BB962C8B-B14F-4D97-AF65-F5344CB8AC3E}">
+        <p14:creationId xmlns:p14="http://schemas.microsoft.com/office/powerpoint/2010/main" val="1077811493"/>
+      </p:ext>
+    </p:extLst>
+  </p:cSld>
+  <p:clrMapOvr>
+    <a:masterClrMapping/>
+  </p:clrMapOvr>
+</p:sld>
+</file>
+
+<file path=ppt/slides/slide16.xml><?xml version="1.0" encoding="utf-8"?>
+<p:sld xmlns:a="http://schemas.openxmlformats.org/drawingml/2006/main" xmlns:r="http://schemas.openxmlformats.org/officeDocument/2006/relationships" xmlns:p="http://schemas.openxmlformats.org/presentationml/2006/main">
+  <p:cSld>
+    <p:spTree>
+      <p:nvGrpSpPr>
+        <p:cNvPr id="1" name="">
+          <a:extLst>
+            <a:ext uri="{FF2B5EF4-FFF2-40B4-BE49-F238E27FC236}">
+              <a16:creationId xmlns:a16="http://schemas.microsoft.com/office/drawing/2014/main" id="{2E7AE363-D815-1028-BAD5-313211B42B76}"/>
+            </a:ext>
+          </a:extLst>
+        </p:cNvPr>
+        <p:cNvGrpSpPr/>
+        <p:nvPr/>
+      </p:nvGrpSpPr>
+      <p:grpSpPr>
+        <a:xfrm>
+          <a:off x="0" y="0"/>
+          <a:ext cx="0" cy="0"/>
+          <a:chOff x="0" y="0"/>
+          <a:chExt cx="0" cy="0"/>
+        </a:xfrm>
+      </p:grpSpPr>
+      <p:sp>
+        <p:nvSpPr>
+          <p:cNvPr id="2" name="Title 1">
+            <a:extLst>
+              <a:ext uri="{FF2B5EF4-FFF2-40B4-BE49-F238E27FC236}">
+                <a16:creationId xmlns:a16="http://schemas.microsoft.com/office/drawing/2014/main" id="{D05A5BCA-1F68-BDBB-82C4-129053C5B455}"/>
+              </a:ext>
+            </a:extLst>
+          </p:cNvPr>
+          <p:cNvSpPr>
+            <a:spLocks noGrp="1"/>
+          </p:cNvSpPr>
+          <p:nvPr>
+            <p:ph type="title"/>
+          </p:nvPr>
+        </p:nvSpPr>
+        <p:spPr/>
+        <p:txBody>
+          <a:bodyPr/>
+          <a:lstStyle/>
+          <a:p>
+            <a:r>
+              <a:rPr lang="en-GB" b="0" i="0" dirty="0">
+                <a:effectLst/>
+                <a:latin typeface="Roboto" panose="02000000000000000000" pitchFamily="2" charset="0"/>
+              </a:rPr>
+              <a:t>Next steps</a:t>
+            </a:r>
+            <a:endParaRPr lang="en-KE" dirty="0"/>
+          </a:p>
+        </p:txBody>
+      </p:sp>
+      <p:sp>
+        <p:nvSpPr>
+          <p:cNvPr id="3" name="Content Placeholder 2">
+            <a:extLst>
+              <a:ext uri="{FF2B5EF4-FFF2-40B4-BE49-F238E27FC236}">
+                <a16:creationId xmlns:a16="http://schemas.microsoft.com/office/drawing/2014/main" id="{271F0CBC-1C38-830E-B963-37E3C3B020D2}"/>
+              </a:ext>
+            </a:extLst>
+          </p:cNvPr>
+          <p:cNvSpPr>
+            <a:spLocks noGrp="1"/>
+          </p:cNvSpPr>
+          <p:nvPr>
+            <p:ph idx="1"/>
+          </p:nvPr>
+        </p:nvSpPr>
+        <p:spPr/>
+        <p:txBody>
+          <a:bodyPr>
+            <a:normAutofit/>
+          </a:bodyPr>
+          <a:lstStyle/>
+          <a:p>
+            <a:r>
+              <a:rPr lang="en-GB" dirty="0">
+                <a:latin typeface="Roboto" panose="02000000000000000000" pitchFamily="2" charset="0"/>
+              </a:rPr>
+              <a:t>Putting into effect the recommendations made so as to enhance the road safety and reduce incidences and accidents on our roads</a:t>
+            </a:r>
+          </a:p>
+        </p:txBody>
+      </p:sp>
+    </p:spTree>
+    <p:extLst>
+      <p:ext uri="{BB962C8B-B14F-4D97-AF65-F5344CB8AC3E}">
+        <p14:creationId xmlns:p14="http://schemas.microsoft.com/office/powerpoint/2010/main" val="2858819484"/>
+      </p:ext>
+    </p:extLst>
+  </p:cSld>
+  <p:clrMapOvr>
+    <a:masterClrMapping/>
+  </p:clrMapOvr>
+</p:sld>
+</file>
+
+<file path=ppt/slides/slide17.xml><?xml version="1.0" encoding="utf-8"?>
+<p:sld xmlns:a="http://schemas.openxmlformats.org/drawingml/2006/main" xmlns:r="http://schemas.openxmlformats.org/officeDocument/2006/relationships" xmlns:p="http://schemas.openxmlformats.org/presentationml/2006/main">
+  <p:cSld>
+    <p:spTree>
+      <p:nvGrpSpPr>
+        <p:cNvPr id="1" name="">
+          <a:extLst>
+            <a:ext uri="{FF2B5EF4-FFF2-40B4-BE49-F238E27FC236}">
+              <a16:creationId xmlns:a16="http://schemas.microsoft.com/office/drawing/2014/main" id="{BA086999-BCB2-1ACB-ED40-F13FEBB15ED0}"/>
+            </a:ext>
+          </a:extLst>
+        </p:cNvPr>
+        <p:cNvGrpSpPr/>
+        <p:nvPr/>
+      </p:nvGrpSpPr>
+      <p:grpSpPr>
+        <a:xfrm>
+          <a:off x="0" y="0"/>
+          <a:ext cx="0" cy="0"/>
+          <a:chOff x="0" y="0"/>
+          <a:chExt cx="0" cy="0"/>
+        </a:xfrm>
+      </p:grpSpPr>
+      <p:sp>
+        <p:nvSpPr>
+          <p:cNvPr id="2" name="Title 1">
+            <a:extLst>
+              <a:ext uri="{FF2B5EF4-FFF2-40B4-BE49-F238E27FC236}">
+                <a16:creationId xmlns:a16="http://schemas.microsoft.com/office/drawing/2014/main" id="{3B2E3157-0503-5216-828E-6104AB962572}"/>
+              </a:ext>
+            </a:extLst>
+          </p:cNvPr>
+          <p:cNvSpPr>
+            <a:spLocks noGrp="1"/>
+          </p:cNvSpPr>
+          <p:nvPr>
+            <p:ph type="ctrTitle"/>
+          </p:nvPr>
+        </p:nvSpPr>
+        <p:spPr/>
+        <p:txBody>
+          <a:bodyPr/>
+          <a:lstStyle/>
+          <a:p>
+            <a:pPr algn="ctr"/>
+            <a:r>
+              <a:rPr lang="en-GB" b="0" i="0" dirty="0">
+                <a:effectLst/>
+                <a:latin typeface="Roboto" panose="02000000000000000000" pitchFamily="2" charset="0"/>
+              </a:rPr>
+              <a:t>THANK YOU</a:t>
+            </a:r>
+            <a:endParaRPr lang="en-KE" dirty="0"/>
+          </a:p>
+        </p:txBody>
+      </p:sp>
+      <p:sp>
+        <p:nvSpPr>
+          <p:cNvPr id="4" name="Subtitle 3">
+            <a:extLst>
+              <a:ext uri="{FF2B5EF4-FFF2-40B4-BE49-F238E27FC236}">
+                <a16:creationId xmlns:a16="http://schemas.microsoft.com/office/drawing/2014/main" id="{1AF30E03-7FF0-2607-3077-1658DC57E653}"/>
+              </a:ext>
+            </a:extLst>
+          </p:cNvPr>
+          <p:cNvSpPr>
+            <a:spLocks noGrp="1"/>
+          </p:cNvSpPr>
+          <p:nvPr>
+            <p:ph type="subTitle" idx="1"/>
+          </p:nvPr>
+        </p:nvSpPr>
+        <p:spPr/>
+        <p:txBody>
+          <a:bodyPr/>
+          <a:lstStyle/>
+          <a:p>
+            <a:pPr algn="ctr"/>
+            <a:r>
+              <a:rPr lang="en-KE" dirty="0"/>
+              <a:t>Q &amp; A</a:t>
+            </a:r>
+          </a:p>
+        </p:txBody>
+      </p:sp>
+    </p:spTree>
+    <p:extLst>
+      <p:ext uri="{BB962C8B-B14F-4D97-AF65-F5344CB8AC3E}">
+        <p14:creationId xmlns:p14="http://schemas.microsoft.com/office/powerpoint/2010/main" val="3626393469"/>
+      </p:ext>
+    </p:extLst>
+  </p:cSld>
+  <p:clrMapOvr>
+    <a:masterClrMapping/>
+  </p:clrMapOvr>
+</p:sld>
+</file>
+
 <file path=ppt/slides/slide2.xml><?xml version="1.0" encoding="utf-8"?>
 <p:sld xmlns:a="http://schemas.openxmlformats.org/drawingml/2006/main" xmlns:r="http://schemas.openxmlformats.org/officeDocument/2006/relationships" xmlns:p="http://schemas.openxmlformats.org/presentationml/2006/main">
   <p:cSld>
@@ -4437,7 +5183,7 @@
           <a:lstStyle/>
           <a:p>
             <a:r>
-              <a:rPr lang="en-KE" sz="2400" dirty="0"/>
+              <a:rPr lang="en-KE" sz="2400" b="1" dirty="0"/>
               <a:t>Problem Statement:  </a:t>
             </a:r>
             <a:r>
@@ -4456,7 +5202,7 @@
           </a:p>
           <a:p>
             <a:r>
-              <a:rPr lang="en-KE" sz="2400" dirty="0"/>
+              <a:rPr lang="en-KE" sz="2400" b="1" dirty="0"/>
               <a:t>Objective: </a:t>
             </a:r>
             <a:r>
@@ -8161,4 +8907,319 @@
     </a:ext>
   </a:extLst>
 </a:theme>
+</file>
+
+<file path=ppt/theme/theme2.xml><?xml version="1.0" encoding="utf-8"?>
+<a:theme xmlns:a="http://schemas.openxmlformats.org/drawingml/2006/main" name="Office Theme">
+  <a:themeElements>
+    <a:clrScheme name="Office">
+      <a:dk1>
+        <a:sysClr val="windowText" lastClr="000000"/>
+      </a:dk1>
+      <a:lt1>
+        <a:sysClr val="window" lastClr="FFFFFF"/>
+      </a:lt1>
+      <a:dk2>
+        <a:srgbClr val="0E2841"/>
+      </a:dk2>
+      <a:lt2>
+        <a:srgbClr val="E8E8E8"/>
+      </a:lt2>
+      <a:accent1>
+        <a:srgbClr val="156082"/>
+      </a:accent1>
+      <a:accent2>
+        <a:srgbClr val="E97132"/>
+      </a:accent2>
+      <a:accent3>
+        <a:srgbClr val="196B24"/>
+      </a:accent3>
+      <a:accent4>
+        <a:srgbClr val="0F9ED5"/>
+      </a:accent4>
+      <a:accent5>
+        <a:srgbClr val="A02B93"/>
+      </a:accent5>
+      <a:accent6>
+        <a:srgbClr val="4EA72E"/>
+      </a:accent6>
+      <a:hlink>
+        <a:srgbClr val="467886"/>
+      </a:hlink>
+      <a:folHlink>
+        <a:srgbClr val="96607D"/>
+      </a:folHlink>
+    </a:clrScheme>
+    <a:fontScheme name="Office">
+      <a:majorFont>
+        <a:latin typeface="Aptos Display" panose="02110004020202020204"/>
+        <a:ea typeface=""/>
+        <a:cs typeface=""/>
+        <a:font script="Jpan" typeface="游ゴシック Light"/>
+        <a:font script="Hang" typeface="맑은 고딕"/>
+        <a:font script="Hans" typeface="等线 Light"/>
+        <a:font script="Hant" typeface="新細明體"/>
+        <a:font script="Arab" typeface="Times New Roman"/>
+        <a:font script="Hebr" typeface="Times New Roman"/>
+        <a:font script="Thai" typeface="Angsana New"/>
+        <a:font script="Ethi" typeface="Nyala"/>
+        <a:font script="Beng" typeface="Vrinda"/>
+        <a:font script="Gujr" typeface="Shruti"/>
+        <a:font script="Khmr" typeface="MoolBoran"/>
+        <a:font script="Knda" typeface="Tunga"/>
+        <a:font script="Guru" typeface="Raavi"/>
+        <a:font script="Cans" typeface="Euphemia"/>
+        <a:font script="Cher" typeface="Plantagenet Cherokee"/>
+        <a:font script="Yiii" typeface="Microsoft Yi Baiti"/>
+        <a:font script="Tibt" typeface="Microsoft Himalaya"/>
+        <a:font script="Thaa" typeface="MV Boli"/>
+        <a:font script="Deva" typeface="Mangal"/>
+        <a:font script="Telu" typeface="Gautami"/>
+        <a:font script="Taml" typeface="Latha"/>
+        <a:font script="Syrc" typeface="Estrangelo Edessa"/>
+        <a:font script="Orya" typeface="Kalinga"/>
+        <a:font script="Mlym" typeface="Kartika"/>
+        <a:font script="Laoo" typeface="DokChampa"/>
+        <a:font script="Sinh" typeface="Iskoola Pota"/>
+        <a:font script="Mong" typeface="Mongolian Baiti"/>
+        <a:font script="Viet" typeface="Times New Roman"/>
+        <a:font script="Uigh" typeface="Microsoft Uighur"/>
+        <a:font script="Geor" typeface="Sylfaen"/>
+        <a:font script="Armn" typeface="Arial"/>
+        <a:font script="Bugi" typeface="Leelawadee UI"/>
+        <a:font script="Bopo" typeface="Microsoft JhengHei"/>
+        <a:font script="Java" typeface="Javanese Text"/>
+        <a:font script="Lisu" typeface="Segoe UI"/>
+        <a:font script="Mymr" typeface="Myanmar Text"/>
+        <a:font script="Nkoo" typeface="Ebrima"/>
+        <a:font script="Olck" typeface="Nirmala UI"/>
+        <a:font script="Osma" typeface="Ebrima"/>
+        <a:font script="Phag" typeface="Phagspa"/>
+        <a:font script="Syrn" typeface="Estrangelo Edessa"/>
+        <a:font script="Syrj" typeface="Estrangelo Edessa"/>
+        <a:font script="Syre" typeface="Estrangelo Edessa"/>
+        <a:font script="Sora" typeface="Nirmala UI"/>
+        <a:font script="Tale" typeface="Microsoft Tai Le"/>
+        <a:font script="Talu" typeface="Microsoft New Tai Lue"/>
+        <a:font script="Tfng" typeface="Ebrima"/>
+      </a:majorFont>
+      <a:minorFont>
+        <a:latin typeface="Aptos" panose="02110004020202020204"/>
+        <a:ea typeface=""/>
+        <a:cs typeface=""/>
+        <a:font script="Jpan" typeface="游ゴシック"/>
+        <a:font script="Hang" typeface="맑은 고딕"/>
+        <a:font script="Hans" typeface="等线"/>
+        <a:font script="Hant" typeface="新細明體"/>
+        <a:font script="Arab" typeface="Arial"/>
+        <a:font script="Hebr" typeface="Arial"/>
+        <a:font script="Thai" typeface="Cordia New"/>
+        <a:font script="Ethi" typeface="Nyala"/>
+        <a:font script="Beng" typeface="Vrinda"/>
+        <a:font script="Gujr" typeface="Shruti"/>
+        <a:font script="Khmr" typeface="DaunPenh"/>
+        <a:font script="Knda" typeface="Tunga"/>
+        <a:font script="Guru" typeface="Raavi"/>
+        <a:font script="Cans" typeface="Euphemia"/>
+        <a:font script="Cher" typeface="Plantagenet Cherokee"/>
+        <a:font script="Yiii" typeface="Microsoft Yi Baiti"/>
+        <a:font script="Tibt" typeface="Microsoft Himalaya"/>
+        <a:font script="Thaa" typeface="MV Boli"/>
+        <a:font script="Deva" typeface="Mangal"/>
+        <a:font script="Telu" typeface="Gautami"/>
+        <a:font script="Taml" typeface="Latha"/>
+        <a:font script="Syrc" typeface="Estrangelo Edessa"/>
+        <a:font script="Orya" typeface="Kalinga"/>
+        <a:font script="Mlym" typeface="Kartika"/>
+        <a:font script="Laoo" typeface="DokChampa"/>
+        <a:font script="Sinh" typeface="Iskoola Pota"/>
+        <a:font script="Mong" typeface="Mongolian Baiti"/>
+        <a:font script="Viet" typeface="Arial"/>
+        <a:font script="Uigh" typeface="Microsoft Uighur"/>
+        <a:font script="Geor" typeface="Sylfaen"/>
+        <a:font script="Armn" typeface="Arial"/>
+        <a:font script="Bugi" typeface="Leelawadee UI"/>
+        <a:font script="Bopo" typeface="Microsoft JhengHei"/>
+        <a:font script="Java" typeface="Javanese Text"/>
+        <a:font script="Lisu" typeface="Segoe UI"/>
+        <a:font script="Mymr" typeface="Myanmar Text"/>
+        <a:font script="Nkoo" typeface="Ebrima"/>
+        <a:font script="Olck" typeface="Nirmala UI"/>
+        <a:font script="Osma" typeface="Ebrima"/>
+        <a:font script="Phag" typeface="Phagspa"/>
+        <a:font script="Syrn" typeface="Estrangelo Edessa"/>
+        <a:font script="Syrj" typeface="Estrangelo Edessa"/>
+        <a:font script="Syre" typeface="Estrangelo Edessa"/>
+        <a:font script="Sora" typeface="Nirmala UI"/>
+        <a:font script="Tale" typeface="Microsoft Tai Le"/>
+        <a:font script="Talu" typeface="Microsoft New Tai Lue"/>
+        <a:font script="Tfng" typeface="Ebrima"/>
+      </a:minorFont>
+    </a:fontScheme>
+    <a:fmtScheme name="Office">
+      <a:fillStyleLst>
+        <a:solidFill>
+          <a:schemeClr val="phClr"/>
+        </a:solidFill>
+        <a:gradFill rotWithShape="1">
+          <a:gsLst>
+            <a:gs pos="0">
+              <a:schemeClr val="phClr">
+                <a:lumMod val="110000"/>
+                <a:satMod val="105000"/>
+                <a:tint val="67000"/>
+              </a:schemeClr>
+            </a:gs>
+            <a:gs pos="50000">
+              <a:schemeClr val="phClr">
+                <a:lumMod val="105000"/>
+                <a:satMod val="103000"/>
+                <a:tint val="73000"/>
+              </a:schemeClr>
+            </a:gs>
+            <a:gs pos="100000">
+              <a:schemeClr val="phClr">
+                <a:lumMod val="105000"/>
+                <a:satMod val="109000"/>
+                <a:tint val="81000"/>
+              </a:schemeClr>
+            </a:gs>
+          </a:gsLst>
+          <a:lin ang="5400000" scaled="0"/>
+        </a:gradFill>
+        <a:gradFill rotWithShape="1">
+          <a:gsLst>
+            <a:gs pos="0">
+              <a:schemeClr val="phClr">
+                <a:satMod val="103000"/>
+                <a:lumMod val="102000"/>
+                <a:tint val="94000"/>
+              </a:schemeClr>
+            </a:gs>
+            <a:gs pos="50000">
+              <a:schemeClr val="phClr">
+                <a:satMod val="110000"/>
+                <a:lumMod val="100000"/>
+                <a:shade val="100000"/>
+              </a:schemeClr>
+            </a:gs>
+            <a:gs pos="100000">
+              <a:schemeClr val="phClr">
+                <a:lumMod val="99000"/>
+                <a:satMod val="120000"/>
+                <a:shade val="78000"/>
+              </a:schemeClr>
+            </a:gs>
+          </a:gsLst>
+          <a:lin ang="5400000" scaled="0"/>
+        </a:gradFill>
+      </a:fillStyleLst>
+      <a:lnStyleLst>
+        <a:ln w="12700" cap="flat" cmpd="sng" algn="ctr">
+          <a:solidFill>
+            <a:schemeClr val="phClr"/>
+          </a:solidFill>
+          <a:prstDash val="solid"/>
+          <a:miter lim="800000"/>
+        </a:ln>
+        <a:ln w="19050" cap="flat" cmpd="sng" algn="ctr">
+          <a:solidFill>
+            <a:schemeClr val="phClr"/>
+          </a:solidFill>
+          <a:prstDash val="solid"/>
+          <a:miter lim="800000"/>
+        </a:ln>
+        <a:ln w="25400" cap="flat" cmpd="sng" algn="ctr">
+          <a:solidFill>
+            <a:schemeClr val="phClr"/>
+          </a:solidFill>
+          <a:prstDash val="solid"/>
+          <a:miter lim="800000"/>
+        </a:ln>
+      </a:lnStyleLst>
+      <a:effectStyleLst>
+        <a:effectStyle>
+          <a:effectLst/>
+        </a:effectStyle>
+        <a:effectStyle>
+          <a:effectLst/>
+        </a:effectStyle>
+        <a:effectStyle>
+          <a:effectLst>
+            <a:outerShdw blurRad="57150" dist="19050" dir="5400000" algn="ctr" rotWithShape="0">
+              <a:srgbClr val="000000">
+                <a:alpha val="63000"/>
+              </a:srgbClr>
+            </a:outerShdw>
+          </a:effectLst>
+        </a:effectStyle>
+      </a:effectStyleLst>
+      <a:bgFillStyleLst>
+        <a:solidFill>
+          <a:schemeClr val="phClr"/>
+        </a:solidFill>
+        <a:solidFill>
+          <a:schemeClr val="phClr">
+            <a:tint val="95000"/>
+            <a:satMod val="170000"/>
+          </a:schemeClr>
+        </a:solidFill>
+        <a:gradFill rotWithShape="1">
+          <a:gsLst>
+            <a:gs pos="0">
+              <a:schemeClr val="phClr">
+                <a:tint val="93000"/>
+                <a:satMod val="150000"/>
+                <a:shade val="98000"/>
+                <a:lumMod val="102000"/>
+              </a:schemeClr>
+            </a:gs>
+            <a:gs pos="50000">
+              <a:schemeClr val="phClr">
+                <a:tint val="98000"/>
+                <a:satMod val="130000"/>
+                <a:shade val="90000"/>
+                <a:lumMod val="103000"/>
+              </a:schemeClr>
+            </a:gs>
+            <a:gs pos="100000">
+              <a:schemeClr val="phClr">
+                <a:shade val="63000"/>
+                <a:satMod val="120000"/>
+              </a:schemeClr>
+            </a:gs>
+          </a:gsLst>
+          <a:lin ang="5400000" scaled="0"/>
+        </a:gradFill>
+      </a:bgFillStyleLst>
+    </a:fmtScheme>
+  </a:themeElements>
+  <a:objectDefaults>
+    <a:lnDef>
+      <a:spPr/>
+      <a:bodyPr/>
+      <a:lstStyle/>
+      <a:style>
+        <a:lnRef idx="2">
+          <a:schemeClr val="accent1"/>
+        </a:lnRef>
+        <a:fillRef idx="0">
+          <a:schemeClr val="accent1"/>
+        </a:fillRef>
+        <a:effectRef idx="1">
+          <a:schemeClr val="accent1"/>
+        </a:effectRef>
+        <a:fontRef idx="minor">
+          <a:schemeClr val="tx1"/>
+        </a:fontRef>
+      </a:style>
+    </a:lnDef>
+  </a:objectDefaults>
+  <a:extraClrSchemeLst/>
+  <a:extLst>
+    <a:ext uri="{05A4C25C-085E-4340-85A3-A5531E510DB2}">
+      <thm15:themeFamily xmlns:thm15="http://schemas.microsoft.com/office/thememl/2012/main" name="Office Theme" id="{2E142A2C-CD16-42D6-873A-C26D2A0506FA}" vid="{1BDDFF52-6CD6-40A5-AB3C-68EB2F1E4D0A}"/>
+    </a:ext>
+  </a:extLst>
+</a:theme>
 </file>
--- a/Presentation1.pptx
+++ b/Presentation1.pptx
@@ -525,7 +525,7 @@
           <a:bodyPr/>
           <a:lstStyle/>
           <a:p>
-            <a:endParaRPr lang="en-KE"/>
+            <a:endParaRPr lang="en-KE" dirty="0"/>
           </a:p>
         </p:txBody>
       </p:sp>
@@ -8517,7 +8517,7 @@
           <a:p>
             <a:r>
               <a:rPr lang="en-KE" dirty="0"/>
-              <a:t>MODELING APROACH &amp; EVAPUATION METRICS</a:t>
+              <a:t>MODELING APROACH &amp; EVALUATION METRICS</a:t>
             </a:r>
           </a:p>
         </p:txBody>
@@ -8555,7 +8555,7 @@
               <a:rPr lang="en-GB" dirty="0">
                 <a:latin typeface="Roboto" panose="02000000000000000000" pitchFamily="2" charset="0"/>
               </a:rPr>
-              <a:t>Models tested include: Gradient Boosting, Random Forest, Lasso Logic Regression, Decision Tree, Ridge Classifier,  </a:t>
+              <a:t>Models tested includes: Gradient Boosting, Random Forest, Lasso Logic Regression, Decision Tree, Ridge Classifier,  </a:t>
             </a:r>
           </a:p>
           <a:p>
